--- a/PresentazioneProgettoBFS.pptx
+++ b/PresentazioneProgettoBFS.pptx
@@ -17,6 +17,7 @@
     <p:sldId id="267" r:id="rId11"/>
     <p:sldId id="268" r:id="rId12"/>
     <p:sldId id="269" r:id="rId13"/>
+    <p:sldId id="270" r:id="rId14"/>
   </p:sldIdLst>
   <p:sldSz cx="12192000" cy="6858000"/>
   <p:notesSz cx="6858000" cy="9144000"/>
@@ -136,10 +137,25 @@
   <pc:docChgLst>
     <pc:chgData name="Simone C." userId="7045388030d0df92" providerId="LiveId" clId="{46AFDE5B-45EF-4024-A2D1-D9047B07C5AB}"/>
     <pc:docChg chg="undo redo custSel addSld delSld modSld">
-      <pc:chgData name="Simone C." userId="7045388030d0df92" providerId="LiveId" clId="{46AFDE5B-45EF-4024-A2D1-D9047B07C5AB}" dt="2022-02-01T15:56:05.679" v="1504" actId="14100"/>
+      <pc:chgData name="Simone C." userId="7045388030d0df92" providerId="LiveId" clId="{46AFDE5B-45EF-4024-A2D1-D9047B07C5AB}" dt="2022-02-08T13:44:08.391" v="2335" actId="20577"/>
       <pc:docMkLst>
         <pc:docMk/>
       </pc:docMkLst>
+      <pc:sldChg chg="modSp mod">
+        <pc:chgData name="Simone C." userId="7045388030d0df92" providerId="LiveId" clId="{46AFDE5B-45EF-4024-A2D1-D9047B07C5AB}" dt="2022-02-08T13:12:50.686" v="2334" actId="20577"/>
+        <pc:sldMkLst>
+          <pc:docMk/>
+          <pc:sldMk cId="1008465037" sldId="256"/>
+        </pc:sldMkLst>
+        <pc:spChg chg="mod">
+          <ac:chgData name="Simone C." userId="7045388030d0df92" providerId="LiveId" clId="{46AFDE5B-45EF-4024-A2D1-D9047B07C5AB}" dt="2022-02-08T13:12:50.686" v="2334" actId="20577"/>
+          <ac:spMkLst>
+            <pc:docMk/>
+            <pc:sldMk cId="1008465037" sldId="256"/>
+            <ac:spMk id="2" creationId="{47E5C368-7EA0-4B02-9D03-E5B01C99FFD6}"/>
+          </ac:spMkLst>
+        </pc:spChg>
+      </pc:sldChg>
       <pc:sldChg chg="addSp delSp modSp mod">
         <pc:chgData name="Simone C." userId="7045388030d0df92" providerId="LiveId" clId="{46AFDE5B-45EF-4024-A2D1-D9047B07C5AB}" dt="2022-02-01T15:20:52.648" v="725" actId="1076"/>
         <pc:sldMkLst>
@@ -418,7 +434,7 @@
         </pc:picChg>
       </pc:sldChg>
       <pc:sldChg chg="addSp delSp modSp new mod">
-        <pc:chgData name="Simone C." userId="7045388030d0df92" providerId="LiveId" clId="{46AFDE5B-45EF-4024-A2D1-D9047B07C5AB}" dt="2022-02-01T15:26:05.428" v="863" actId="122"/>
+        <pc:chgData name="Simone C." userId="7045388030d0df92" providerId="LiveId" clId="{46AFDE5B-45EF-4024-A2D1-D9047B07C5AB}" dt="2022-02-07T12:59:05.402" v="1661" actId="20577"/>
         <pc:sldMkLst>
           <pc:docMk/>
           <pc:sldMk cId="3591331067" sldId="260"/>
@@ -456,7 +472,7 @@
           </ac:spMkLst>
         </pc:spChg>
         <pc:spChg chg="add mod">
-          <ac:chgData name="Simone C." userId="7045388030d0df92" providerId="LiveId" clId="{46AFDE5B-45EF-4024-A2D1-D9047B07C5AB}" dt="2022-02-01T15:26:05.428" v="863" actId="122"/>
+          <ac:chgData name="Simone C." userId="7045388030d0df92" providerId="LiveId" clId="{46AFDE5B-45EF-4024-A2D1-D9047B07C5AB}" dt="2022-02-07T12:59:05.402" v="1661" actId="20577"/>
           <ac:spMkLst>
             <pc:docMk/>
             <pc:sldMk cId="3591331067" sldId="260"/>
@@ -535,21 +551,21 @@
         </pc:picChg>
       </pc:sldChg>
       <pc:sldChg chg="addSp delSp modSp add mod setBg addAnim delAnim">
-        <pc:chgData name="Simone C." userId="7045388030d0df92" providerId="LiveId" clId="{46AFDE5B-45EF-4024-A2D1-D9047B07C5AB}" dt="2022-02-01T15:20:41.805" v="722" actId="6549"/>
+        <pc:chgData name="Simone C." userId="7045388030d0df92" providerId="LiveId" clId="{46AFDE5B-45EF-4024-A2D1-D9047B07C5AB}" dt="2022-02-08T10:37:06.435" v="2039" actId="1076"/>
         <pc:sldMkLst>
           <pc:docMk/>
           <pc:sldMk cId="3885409845" sldId="263"/>
         </pc:sldMkLst>
         <pc:spChg chg="mod ord">
-          <ac:chgData name="Simone C." userId="7045388030d0df92" providerId="LiveId" clId="{46AFDE5B-45EF-4024-A2D1-D9047B07C5AB}" dt="2022-02-01T15:19:11.323" v="717" actId="1076"/>
+          <ac:chgData name="Simone C." userId="7045388030d0df92" providerId="LiveId" clId="{46AFDE5B-45EF-4024-A2D1-D9047B07C5AB}" dt="2022-02-08T10:36:32.579" v="2036" actId="26606"/>
           <ac:spMkLst>
             <pc:docMk/>
             <pc:sldMk cId="3885409845" sldId="263"/>
             <ac:spMk id="2" creationId="{CA933461-4CF7-4117-89A2-E65ACBA89253}"/>
           </ac:spMkLst>
         </pc:spChg>
-        <pc:spChg chg="add mod">
-          <ac:chgData name="Simone C." userId="7045388030d0df92" providerId="LiveId" clId="{46AFDE5B-45EF-4024-A2D1-D9047B07C5AB}" dt="2022-02-01T15:20:41.805" v="722" actId="6549"/>
+        <pc:spChg chg="add mod ord">
+          <ac:chgData name="Simone C." userId="7045388030d0df92" providerId="LiveId" clId="{46AFDE5B-45EF-4024-A2D1-D9047B07C5AB}" dt="2022-02-08T10:36:32.579" v="2036" actId="26606"/>
           <ac:spMkLst>
             <pc:docMk/>
             <pc:sldMk cId="3885409845" sldId="263"/>
@@ -757,6 +773,22 @@
           </ac:spMkLst>
         </pc:spChg>
         <pc:spChg chg="add del">
+          <ac:chgData name="Simone C." userId="7045388030d0df92" providerId="LiveId" clId="{46AFDE5B-45EF-4024-A2D1-D9047B07C5AB}" dt="2022-02-08T10:36:31.053" v="2033" actId="26606"/>
+          <ac:spMkLst>
+            <pc:docMk/>
+            <pc:sldMk cId="3885409845" sldId="263"/>
+            <ac:spMk id="122" creationId="{554E17BB-11E5-4748-9325-5684DEBAAA19}"/>
+          </ac:spMkLst>
+        </pc:spChg>
+        <pc:spChg chg="add del">
+          <ac:chgData name="Simone C." userId="7045388030d0df92" providerId="LiveId" clId="{46AFDE5B-45EF-4024-A2D1-D9047B07C5AB}" dt="2022-02-08T10:36:31.053" v="2033" actId="26606"/>
+          <ac:spMkLst>
+            <pc:docMk/>
+            <pc:sldMk cId="3885409845" sldId="263"/>
+            <ac:spMk id="124" creationId="{4F0BD6C0-037F-46F4-934E-CAC4469C216D}"/>
+          </ac:spMkLst>
+        </pc:spChg>
+        <pc:spChg chg="add del">
           <ac:chgData name="Simone C." userId="7045388030d0df92" providerId="LiveId" clId="{46AFDE5B-45EF-4024-A2D1-D9047B07C5AB}" dt="2022-01-31T20:16:20.150" v="412" actId="26606"/>
           <ac:spMkLst>
             <pc:docMk/>
@@ -1156,84 +1188,156 @@
             <ac:spMk id="275" creationId="{65872F6D-4F89-48E4-9A79-334C5ACFA86C}"/>
           </ac:spMkLst>
         </pc:spChg>
+        <pc:spChg chg="add del">
+          <ac:chgData name="Simone C." userId="7045388030d0df92" providerId="LiveId" clId="{46AFDE5B-45EF-4024-A2D1-D9047B07C5AB}" dt="2022-02-08T10:36:32.579" v="2036" actId="26606"/>
+          <ac:spMkLst>
+            <pc:docMk/>
+            <pc:sldMk cId="3885409845" sldId="263"/>
+            <ac:spMk id="281" creationId="{30A35A46-6A9C-469F-B927-BBDAC41FF47E}"/>
+          </ac:spMkLst>
+        </pc:spChg>
+        <pc:spChg chg="add del">
+          <ac:chgData name="Simone C." userId="7045388030d0df92" providerId="LiveId" clId="{46AFDE5B-45EF-4024-A2D1-D9047B07C5AB}" dt="2022-02-01T15:09:21.807" v="607" actId="26606"/>
+          <ac:spMkLst>
+            <pc:docMk/>
+            <pc:sldMk cId="3885409845" sldId="263"/>
+            <ac:spMk id="287" creationId="{FE0E7C8C-58A9-4A15-ADDC-9F75E02EC45E}"/>
+          </ac:spMkLst>
+        </pc:spChg>
+        <pc:spChg chg="add del">
+          <ac:chgData name="Simone C." userId="7045388030d0df92" providerId="LiveId" clId="{46AFDE5B-45EF-4024-A2D1-D9047B07C5AB}" dt="2022-02-01T15:09:21.807" v="607" actId="26606"/>
+          <ac:spMkLst>
+            <pc:docMk/>
+            <pc:sldMk cId="3885409845" sldId="263"/>
+            <ac:spMk id="288" creationId="{E4A84C5F-2334-4317-AD72-55D2501C0085}"/>
+          </ac:spMkLst>
+        </pc:spChg>
+        <pc:spChg chg="add del">
+          <ac:chgData name="Simone C." userId="7045388030d0df92" providerId="LiveId" clId="{46AFDE5B-45EF-4024-A2D1-D9047B07C5AB}" dt="2022-02-01T15:09:21.807" v="607" actId="26606"/>
+          <ac:spMkLst>
+            <pc:docMk/>
+            <pc:sldMk cId="3885409845" sldId="263"/>
+            <ac:spMk id="289" creationId="{F30F6F89-86DF-40C5-972E-F7BD1028C312}"/>
+          </ac:spMkLst>
+        </pc:spChg>
+        <pc:spChg chg="add del">
+          <ac:chgData name="Simone C." userId="7045388030d0df92" providerId="LiveId" clId="{46AFDE5B-45EF-4024-A2D1-D9047B07C5AB}" dt="2022-02-01T15:09:21.807" v="607" actId="26606"/>
+          <ac:spMkLst>
+            <pc:docMk/>
+            <pc:sldMk cId="3885409845" sldId="263"/>
+            <ac:spMk id="290" creationId="{47311314-A2E3-4566-A5B3-78FB0A94AB92}"/>
+          </ac:spMkLst>
+        </pc:spChg>
+        <pc:spChg chg="add del">
+          <ac:chgData name="Simone C." userId="7045388030d0df92" providerId="LiveId" clId="{46AFDE5B-45EF-4024-A2D1-D9047B07C5AB}" dt="2022-02-01T15:09:21.807" v="607" actId="26606"/>
+          <ac:spMkLst>
+            <pc:docMk/>
+            <pc:sldMk cId="3885409845" sldId="263"/>
+            <ac:spMk id="291" creationId="{A28EC581-725B-4F29-904D-1E44DFC788F5}"/>
+          </ac:spMkLst>
+        </pc:spChg>
+        <pc:spChg chg="add del">
+          <ac:chgData name="Simone C." userId="7045388030d0df92" providerId="LiveId" clId="{46AFDE5B-45EF-4024-A2D1-D9047B07C5AB}" dt="2022-02-08T10:36:32.579" v="2036" actId="26606"/>
+          <ac:spMkLst>
+            <pc:docMk/>
+            <pc:sldMk cId="3885409845" sldId="263"/>
+            <ac:spMk id="293" creationId="{D73B1942-7192-4F61-AE4E-758C52AEC0C7}"/>
+          </ac:spMkLst>
+        </pc:spChg>
+        <pc:spChg chg="add del">
+          <ac:chgData name="Simone C." userId="7045388030d0df92" providerId="LiveId" clId="{46AFDE5B-45EF-4024-A2D1-D9047B07C5AB}" dt="2022-02-08T10:36:32.579" v="2036" actId="26606"/>
+          <ac:spMkLst>
+            <pc:docMk/>
+            <pc:sldMk cId="3885409845" sldId="263"/>
+            <ac:spMk id="294" creationId="{058E5D54-C05D-412B-A108-5D005BAAD1C9}"/>
+          </ac:spMkLst>
+        </pc:spChg>
+        <pc:spChg chg="add del">
+          <ac:chgData name="Simone C." userId="7045388030d0df92" providerId="LiveId" clId="{46AFDE5B-45EF-4024-A2D1-D9047B07C5AB}" dt="2022-02-08T10:36:32.579" v="2036" actId="26606"/>
+          <ac:spMkLst>
+            <pc:docMk/>
+            <pc:sldMk cId="3885409845" sldId="263"/>
+            <ac:spMk id="295" creationId="{61A9885C-76F5-48A6-8E5E-B2FFCB906BB9}"/>
+          </ac:spMkLst>
+        </pc:spChg>
+        <pc:spChg chg="add del">
+          <ac:chgData name="Simone C." userId="7045388030d0df92" providerId="LiveId" clId="{46AFDE5B-45EF-4024-A2D1-D9047B07C5AB}" dt="2022-02-08T10:36:32.579" v="2036" actId="26606"/>
+          <ac:spMkLst>
+            <pc:docMk/>
+            <pc:sldMk cId="3885409845" sldId="263"/>
+            <ac:spMk id="296" creationId="{81F4569F-AD3A-4FF8-8E0A-9408C10A0278}"/>
+          </ac:spMkLst>
+        </pc:spChg>
+        <pc:spChg chg="add del">
+          <ac:chgData name="Simone C." userId="7045388030d0df92" providerId="LiveId" clId="{46AFDE5B-45EF-4024-A2D1-D9047B07C5AB}" dt="2022-02-08T10:36:31.053" v="2033" actId="26606"/>
+          <ac:spMkLst>
+            <pc:docMk/>
+            <pc:sldMk cId="3885409845" sldId="263"/>
+            <ac:spMk id="307" creationId="{645D211C-3EFD-48A5-8FA6-8F4866F601CA}"/>
+          </ac:spMkLst>
+        </pc:spChg>
+        <pc:spChg chg="add del">
+          <ac:chgData name="Simone C." userId="7045388030d0df92" providerId="LiveId" clId="{46AFDE5B-45EF-4024-A2D1-D9047B07C5AB}" dt="2022-02-08T10:36:31.053" v="2033" actId="26606"/>
+          <ac:spMkLst>
+            <pc:docMk/>
+            <pc:sldMk cId="3885409845" sldId="263"/>
+            <ac:spMk id="308" creationId="{71289AD6-978F-4CAC-AAC1-92863B478C87}"/>
+          </ac:spMkLst>
+        </pc:spChg>
+        <pc:spChg chg="add del">
+          <ac:chgData name="Simone C." userId="7045388030d0df92" providerId="LiveId" clId="{46AFDE5B-45EF-4024-A2D1-D9047B07C5AB}" dt="2022-02-08T10:36:32.557" v="2035" actId="26606"/>
+          <ac:spMkLst>
+            <pc:docMk/>
+            <pc:sldMk cId="3885409845" sldId="263"/>
+            <ac:spMk id="319" creationId="{710DE661-EDB4-40E9-8DC0-690B6A7820BF}"/>
+          </ac:spMkLst>
+        </pc:spChg>
+        <pc:spChg chg="add del">
+          <ac:chgData name="Simone C." userId="7045388030d0df92" providerId="LiveId" clId="{46AFDE5B-45EF-4024-A2D1-D9047B07C5AB}" dt="2022-02-08T10:36:32.557" v="2035" actId="26606"/>
+          <ac:spMkLst>
+            <pc:docMk/>
+            <pc:sldMk cId="3885409845" sldId="263"/>
+            <ac:spMk id="320" creationId="{66F2C63F-FEBF-4782-ABA7-E13CA58AAE61}"/>
+          </ac:spMkLst>
+        </pc:spChg>
         <pc:spChg chg="add">
-          <ac:chgData name="Simone C." userId="7045388030d0df92" providerId="LiveId" clId="{46AFDE5B-45EF-4024-A2D1-D9047B07C5AB}" dt="2022-02-01T15:09:29.077" v="612" actId="26606"/>
-          <ac:spMkLst>
-            <pc:docMk/>
-            <pc:sldMk cId="3885409845" sldId="263"/>
-            <ac:spMk id="281" creationId="{30A35A46-6A9C-469F-B927-BBDAC41FF47E}"/>
-          </ac:spMkLst>
-        </pc:spChg>
-        <pc:spChg chg="add del">
-          <ac:chgData name="Simone C." userId="7045388030d0df92" providerId="LiveId" clId="{46AFDE5B-45EF-4024-A2D1-D9047B07C5AB}" dt="2022-02-01T15:09:21.807" v="607" actId="26606"/>
-          <ac:spMkLst>
-            <pc:docMk/>
-            <pc:sldMk cId="3885409845" sldId="263"/>
-            <ac:spMk id="287" creationId="{FE0E7C8C-58A9-4A15-ADDC-9F75E02EC45E}"/>
-          </ac:spMkLst>
-        </pc:spChg>
-        <pc:spChg chg="add del">
-          <ac:chgData name="Simone C." userId="7045388030d0df92" providerId="LiveId" clId="{46AFDE5B-45EF-4024-A2D1-D9047B07C5AB}" dt="2022-02-01T15:09:21.807" v="607" actId="26606"/>
-          <ac:spMkLst>
-            <pc:docMk/>
-            <pc:sldMk cId="3885409845" sldId="263"/>
-            <ac:spMk id="288" creationId="{E4A84C5F-2334-4317-AD72-55D2501C0085}"/>
-          </ac:spMkLst>
-        </pc:spChg>
-        <pc:spChg chg="add del">
-          <ac:chgData name="Simone C." userId="7045388030d0df92" providerId="LiveId" clId="{46AFDE5B-45EF-4024-A2D1-D9047B07C5AB}" dt="2022-02-01T15:09:21.807" v="607" actId="26606"/>
-          <ac:spMkLst>
-            <pc:docMk/>
-            <pc:sldMk cId="3885409845" sldId="263"/>
-            <ac:spMk id="289" creationId="{F30F6F89-86DF-40C5-972E-F7BD1028C312}"/>
-          </ac:spMkLst>
-        </pc:spChg>
-        <pc:spChg chg="add del">
-          <ac:chgData name="Simone C." userId="7045388030d0df92" providerId="LiveId" clId="{46AFDE5B-45EF-4024-A2D1-D9047B07C5AB}" dt="2022-02-01T15:09:21.807" v="607" actId="26606"/>
-          <ac:spMkLst>
-            <pc:docMk/>
-            <pc:sldMk cId="3885409845" sldId="263"/>
-            <ac:spMk id="290" creationId="{47311314-A2E3-4566-A5B3-78FB0A94AB92}"/>
-          </ac:spMkLst>
-        </pc:spChg>
-        <pc:spChg chg="add del">
-          <ac:chgData name="Simone C." userId="7045388030d0df92" providerId="LiveId" clId="{46AFDE5B-45EF-4024-A2D1-D9047B07C5AB}" dt="2022-02-01T15:09:21.807" v="607" actId="26606"/>
-          <ac:spMkLst>
-            <pc:docMk/>
-            <pc:sldMk cId="3885409845" sldId="263"/>
-            <ac:spMk id="291" creationId="{A28EC581-725B-4F29-904D-1E44DFC788F5}"/>
+          <ac:chgData name="Simone C." userId="7045388030d0df92" providerId="LiveId" clId="{46AFDE5B-45EF-4024-A2D1-D9047B07C5AB}" dt="2022-02-08T10:36:32.579" v="2036" actId="26606"/>
+          <ac:spMkLst>
+            <pc:docMk/>
+            <pc:sldMk cId="3885409845" sldId="263"/>
+            <ac:spMk id="331" creationId="{5B9D40AC-E6E4-47CD-8F0C-355E767A4F27}"/>
           </ac:spMkLst>
         </pc:spChg>
         <pc:spChg chg="add">
-          <ac:chgData name="Simone C." userId="7045388030d0df92" providerId="LiveId" clId="{46AFDE5B-45EF-4024-A2D1-D9047B07C5AB}" dt="2022-02-01T15:09:29.077" v="612" actId="26606"/>
-          <ac:spMkLst>
-            <pc:docMk/>
-            <pc:sldMk cId="3885409845" sldId="263"/>
-            <ac:spMk id="293" creationId="{D73B1942-7192-4F61-AE4E-758C52AEC0C7}"/>
+          <ac:chgData name="Simone C." userId="7045388030d0df92" providerId="LiveId" clId="{46AFDE5B-45EF-4024-A2D1-D9047B07C5AB}" dt="2022-02-08T10:36:32.579" v="2036" actId="26606"/>
+          <ac:spMkLst>
+            <pc:docMk/>
+            <pc:sldMk cId="3885409845" sldId="263"/>
+            <ac:spMk id="332" creationId="{2DC01DFF-78BF-4E0A-A01A-0EEC0F566CF1}"/>
           </ac:spMkLst>
         </pc:spChg>
         <pc:spChg chg="add">
-          <ac:chgData name="Simone C." userId="7045388030d0df92" providerId="LiveId" clId="{46AFDE5B-45EF-4024-A2D1-D9047B07C5AB}" dt="2022-02-01T15:09:29.077" v="612" actId="26606"/>
-          <ac:spMkLst>
-            <pc:docMk/>
-            <pc:sldMk cId="3885409845" sldId="263"/>
-            <ac:spMk id="294" creationId="{058E5D54-C05D-412B-A108-5D005BAAD1C9}"/>
+          <ac:chgData name="Simone C." userId="7045388030d0df92" providerId="LiveId" clId="{46AFDE5B-45EF-4024-A2D1-D9047B07C5AB}" dt="2022-02-08T10:36:32.579" v="2036" actId="26606"/>
+          <ac:spMkLst>
+            <pc:docMk/>
+            <pc:sldMk cId="3885409845" sldId="263"/>
+            <ac:spMk id="333" creationId="{74499468-3FEE-41C7-A461-36330DFFB3DE}"/>
           </ac:spMkLst>
         </pc:spChg>
         <pc:spChg chg="add">
-          <ac:chgData name="Simone C." userId="7045388030d0df92" providerId="LiveId" clId="{46AFDE5B-45EF-4024-A2D1-D9047B07C5AB}" dt="2022-02-01T15:09:29.077" v="612" actId="26606"/>
-          <ac:spMkLst>
-            <pc:docMk/>
-            <pc:sldMk cId="3885409845" sldId="263"/>
-            <ac:spMk id="295" creationId="{61A9885C-76F5-48A6-8E5E-B2FFCB906BB9}"/>
+          <ac:chgData name="Simone C." userId="7045388030d0df92" providerId="LiveId" clId="{46AFDE5B-45EF-4024-A2D1-D9047B07C5AB}" dt="2022-02-08T10:36:32.579" v="2036" actId="26606"/>
+          <ac:spMkLst>
+            <pc:docMk/>
+            <pc:sldMk cId="3885409845" sldId="263"/>
+            <ac:spMk id="334" creationId="{8DA9CEDB-782C-404A-862B-051E3B90966D}"/>
           </ac:spMkLst>
         </pc:spChg>
         <pc:spChg chg="add">
-          <ac:chgData name="Simone C." userId="7045388030d0df92" providerId="LiveId" clId="{46AFDE5B-45EF-4024-A2D1-D9047B07C5AB}" dt="2022-02-01T15:09:29.077" v="612" actId="26606"/>
-          <ac:spMkLst>
-            <pc:docMk/>
-            <pc:sldMk cId="3885409845" sldId="263"/>
-            <ac:spMk id="296" creationId="{81F4569F-AD3A-4FF8-8E0A-9408C10A0278}"/>
+          <ac:chgData name="Simone C." userId="7045388030d0df92" providerId="LiveId" clId="{46AFDE5B-45EF-4024-A2D1-D9047B07C5AB}" dt="2022-02-08T10:36:32.579" v="2036" actId="26606"/>
+          <ac:spMkLst>
+            <pc:docMk/>
+            <pc:sldMk cId="3885409845" sldId="263"/>
+            <ac:spMk id="335" creationId="{22007525-D42A-4BAE-BE38-94FBCD201665}"/>
           </ac:spMkLst>
         </pc:spChg>
         <pc:grpChg chg="add del">
@@ -1380,14 +1484,70 @@
             <ac:grpSpMk id="292" creationId="{BD53E0BD-82D5-43A3-918F-EF02B2F8A245}"/>
           </ac:grpSpMkLst>
         </pc:grpChg>
-        <pc:grpChg chg="add">
-          <ac:chgData name="Simone C." userId="7045388030d0df92" providerId="LiveId" clId="{46AFDE5B-45EF-4024-A2D1-D9047B07C5AB}" dt="2022-02-01T15:09:29.077" v="612" actId="26606"/>
+        <pc:grpChg chg="add del">
+          <ac:chgData name="Simone C." userId="7045388030d0df92" providerId="LiveId" clId="{46AFDE5B-45EF-4024-A2D1-D9047B07C5AB}" dt="2022-02-08T10:36:32.579" v="2036" actId="26606"/>
           <ac:grpSpMkLst>
             <pc:docMk/>
             <pc:sldMk cId="3885409845" sldId="263"/>
             <ac:grpSpMk id="297" creationId="{B3563A1E-57F9-4ABA-87DD-5E8C11ED2FE6}"/>
           </ac:grpSpMkLst>
         </pc:grpChg>
+        <pc:grpChg chg="add del">
+          <ac:chgData name="Simone C." userId="7045388030d0df92" providerId="LiveId" clId="{46AFDE5B-45EF-4024-A2D1-D9047B07C5AB}" dt="2022-02-08T10:36:31.053" v="2033" actId="26606"/>
+          <ac:grpSpMkLst>
+            <pc:docMk/>
+            <pc:sldMk cId="3885409845" sldId="263"/>
+            <ac:grpSpMk id="304" creationId="{DB0FF969-0E18-448F-A105-BED59508ABDD}"/>
+          </ac:grpSpMkLst>
+        </pc:grpChg>
+        <pc:grpChg chg="add del">
+          <ac:chgData name="Simone C." userId="7045388030d0df92" providerId="LiveId" clId="{46AFDE5B-45EF-4024-A2D1-D9047B07C5AB}" dt="2022-02-08T10:36:31.053" v="2033" actId="26606"/>
+          <ac:grpSpMkLst>
+            <pc:docMk/>
+            <pc:sldMk cId="3885409845" sldId="263"/>
+            <ac:grpSpMk id="309" creationId="{22B414E9-1A4B-4789-8A8C-AD2E97950E92}"/>
+          </ac:grpSpMkLst>
+        </pc:grpChg>
+        <pc:grpChg chg="add del">
+          <ac:chgData name="Simone C." userId="7045388030d0df92" providerId="LiveId" clId="{46AFDE5B-45EF-4024-A2D1-D9047B07C5AB}" dt="2022-02-08T10:36:32.557" v="2035" actId="26606"/>
+          <ac:grpSpMkLst>
+            <pc:docMk/>
+            <pc:sldMk cId="3885409845" sldId="263"/>
+            <ac:grpSpMk id="316" creationId="{61B2C50E-0FCB-4BC5-95C6-42A3EA5B9FEA}"/>
+          </ac:grpSpMkLst>
+        </pc:grpChg>
+        <pc:grpChg chg="add del">
+          <ac:chgData name="Simone C." userId="7045388030d0df92" providerId="LiveId" clId="{46AFDE5B-45EF-4024-A2D1-D9047B07C5AB}" dt="2022-02-08T10:36:32.557" v="2035" actId="26606"/>
+          <ac:grpSpMkLst>
+            <pc:docMk/>
+            <pc:sldMk cId="3885409845" sldId="263"/>
+            <ac:grpSpMk id="321" creationId="{E8211C72-DA09-47FD-A990-E3220A0363DF}"/>
+          </ac:grpSpMkLst>
+        </pc:grpChg>
+        <pc:grpChg chg="add">
+          <ac:chgData name="Simone C." userId="7045388030d0df92" providerId="LiveId" clId="{46AFDE5B-45EF-4024-A2D1-D9047B07C5AB}" dt="2022-02-08T10:36:32.579" v="2036" actId="26606"/>
+          <ac:grpSpMkLst>
+            <pc:docMk/>
+            <pc:sldMk cId="3885409845" sldId="263"/>
+            <ac:grpSpMk id="328" creationId="{DB0FF969-0E18-448F-A105-BED59508ABDD}"/>
+          </ac:grpSpMkLst>
+        </pc:grpChg>
+        <pc:grpChg chg="add">
+          <ac:chgData name="Simone C." userId="7045388030d0df92" providerId="LiveId" clId="{46AFDE5B-45EF-4024-A2D1-D9047B07C5AB}" dt="2022-02-08T10:36:32.579" v="2036" actId="26606"/>
+          <ac:grpSpMkLst>
+            <pc:docMk/>
+            <pc:sldMk cId="3885409845" sldId="263"/>
+            <ac:grpSpMk id="336" creationId="{3A7B32C2-712F-4724-8A7F-B99CAE4FABB1}"/>
+          </ac:grpSpMkLst>
+        </pc:grpChg>
+        <pc:picChg chg="add del mod">
+          <ac:chgData name="Simone C." userId="7045388030d0df92" providerId="LiveId" clId="{46AFDE5B-45EF-4024-A2D1-D9047B07C5AB}" dt="2022-02-08T10:36:25.762" v="2030" actId="21"/>
+          <ac:picMkLst>
+            <pc:docMk/>
+            <pc:sldMk cId="3885409845" sldId="263"/>
+            <ac:picMk id="4" creationId="{C43CC359-BA3B-4275-B1B9-D3C6F51360C5}"/>
+          </ac:picMkLst>
+        </pc:picChg>
         <pc:picChg chg="add del mod ord">
           <ac:chgData name="Simone C." userId="7045388030d0df92" providerId="LiveId" clId="{46AFDE5B-45EF-4024-A2D1-D9047B07C5AB}" dt="2022-02-01T15:08:46.291" v="598" actId="478"/>
           <ac:picMkLst>
@@ -1412,16 +1572,24 @@
             <ac:picMk id="6" creationId="{F31B890F-9503-46AF-ADC7-158315D5F56F}"/>
           </ac:picMkLst>
         </pc:picChg>
+        <pc:picChg chg="add mod">
+          <ac:chgData name="Simone C." userId="7045388030d0df92" providerId="LiveId" clId="{46AFDE5B-45EF-4024-A2D1-D9047B07C5AB}" dt="2022-02-08T10:37:06.435" v="2039" actId="1076"/>
+          <ac:picMkLst>
+            <pc:docMk/>
+            <pc:sldMk cId="3885409845" sldId="263"/>
+            <ac:picMk id="6" creationId="{FABA1903-F400-4F3C-9647-ECD3738FF449}"/>
+          </ac:picMkLst>
+        </pc:picChg>
         <pc:picChg chg="add mod ord">
-          <ac:chgData name="Simone C." userId="7045388030d0df92" providerId="LiveId" clId="{46AFDE5B-45EF-4024-A2D1-D9047B07C5AB}" dt="2022-02-01T15:09:29.077" v="612" actId="26606"/>
+          <ac:chgData name="Simone C." userId="7045388030d0df92" providerId="LiveId" clId="{46AFDE5B-45EF-4024-A2D1-D9047B07C5AB}" dt="2022-02-08T10:37:01.475" v="2037" actId="1076"/>
           <ac:picMkLst>
             <pc:docMk/>
             <pc:sldMk cId="3885409845" sldId="263"/>
             <ac:picMk id="7" creationId="{FD1FA180-214C-41A5-AC69-FA7DD2D82383}"/>
           </ac:picMkLst>
         </pc:picChg>
-        <pc:picChg chg="add mod">
-          <ac:chgData name="Simone C." userId="7045388030d0df92" providerId="LiveId" clId="{46AFDE5B-45EF-4024-A2D1-D9047B07C5AB}" dt="2022-02-01T15:09:29.077" v="612" actId="26606"/>
+        <pc:picChg chg="add del mod">
+          <ac:chgData name="Simone C." userId="7045388030d0df92" providerId="LiveId" clId="{46AFDE5B-45EF-4024-A2D1-D9047B07C5AB}" dt="2022-02-08T10:35:52.660" v="2024" actId="478"/>
           <ac:picMkLst>
             <pc:docMk/>
             <pc:sldMk cId="3885409845" sldId="263"/>
@@ -1468,16 +1636,24 @@
             <ac:picMk id="12" creationId="{7385C6FC-C648-4B4F-B009-C94677799FA3}"/>
           </ac:picMkLst>
         </pc:picChg>
-        <pc:picChg chg="add mod">
-          <ac:chgData name="Simone C." userId="7045388030d0df92" providerId="LiveId" clId="{46AFDE5B-45EF-4024-A2D1-D9047B07C5AB}" dt="2022-02-01T15:09:29.077" v="612" actId="26606"/>
+        <pc:picChg chg="add del mod">
+          <ac:chgData name="Simone C." userId="7045388030d0df92" providerId="LiveId" clId="{46AFDE5B-45EF-4024-A2D1-D9047B07C5AB}" dt="2022-02-08T10:36:23.935" v="2029" actId="478"/>
           <ac:picMkLst>
             <pc:docMk/>
             <pc:sldMk cId="3885409845" sldId="263"/>
             <ac:picMk id="24" creationId="{6DCC65C2-8848-4D65-BB29-1991C8AB90FD}"/>
           </ac:picMkLst>
         </pc:picChg>
+        <pc:picChg chg="add mod">
+          <ac:chgData name="Simone C." userId="7045388030d0df92" providerId="LiveId" clId="{46AFDE5B-45EF-4024-A2D1-D9047B07C5AB}" dt="2022-02-08T10:36:32.579" v="2036" actId="26606"/>
+          <ac:picMkLst>
+            <pc:docMk/>
+            <pc:sldMk cId="3885409845" sldId="263"/>
+            <ac:picMk id="26" creationId="{7B1707C6-8915-4128-820F-71DB4DCD0D5F}"/>
+          </ac:picMkLst>
+        </pc:picChg>
         <pc:picChg chg="add mod ord">
-          <ac:chgData name="Simone C." userId="7045388030d0df92" providerId="LiveId" clId="{46AFDE5B-45EF-4024-A2D1-D9047B07C5AB}" dt="2022-02-01T15:09:29.077" v="612" actId="26606"/>
+          <ac:chgData name="Simone C." userId="7045388030d0df92" providerId="LiveId" clId="{46AFDE5B-45EF-4024-A2D1-D9047B07C5AB}" dt="2022-02-08T10:36:32.579" v="2036" actId="26606"/>
           <ac:picMkLst>
             <pc:docMk/>
             <pc:sldMk cId="3885409845" sldId="263"/>
@@ -2188,40 +2364,40 @@
             <ac:cxnSpMk id="271" creationId="{17564943-BEC8-4EA8-BF44-704D3E826904}"/>
           </ac:cxnSpMkLst>
         </pc:cxnChg>
-        <pc:cxnChg chg="add">
-          <ac:chgData name="Simone C." userId="7045388030d0df92" providerId="LiveId" clId="{46AFDE5B-45EF-4024-A2D1-D9047B07C5AB}" dt="2022-02-01T15:09:29.077" v="612" actId="26606"/>
+        <pc:cxnChg chg="add del">
+          <ac:chgData name="Simone C." userId="7045388030d0df92" providerId="LiveId" clId="{46AFDE5B-45EF-4024-A2D1-D9047B07C5AB}" dt="2022-02-08T10:36:32.579" v="2036" actId="26606"/>
           <ac:cxnSpMkLst>
             <pc:docMk/>
             <pc:sldMk cId="3885409845" sldId="263"/>
             <ac:cxnSpMk id="276" creationId="{B396B4F7-21D4-453A-AEA2-A38758451ECC}"/>
           </ac:cxnSpMkLst>
         </pc:cxnChg>
-        <pc:cxnChg chg="add">
-          <ac:chgData name="Simone C." userId="7045388030d0df92" providerId="LiveId" clId="{46AFDE5B-45EF-4024-A2D1-D9047B07C5AB}" dt="2022-02-01T15:09:29.077" v="612" actId="26606"/>
+        <pc:cxnChg chg="add del">
+          <ac:chgData name="Simone C." userId="7045388030d0df92" providerId="LiveId" clId="{46AFDE5B-45EF-4024-A2D1-D9047B07C5AB}" dt="2022-02-08T10:36:32.579" v="2036" actId="26606"/>
           <ac:cxnSpMkLst>
             <pc:docMk/>
             <pc:sldMk cId="3885409845" sldId="263"/>
             <ac:cxnSpMk id="277" creationId="{3B237557-CEC4-473A-8B41-C4C11514E7A5}"/>
           </ac:cxnSpMkLst>
         </pc:cxnChg>
-        <pc:cxnChg chg="add">
-          <ac:chgData name="Simone C." userId="7045388030d0df92" providerId="LiveId" clId="{46AFDE5B-45EF-4024-A2D1-D9047B07C5AB}" dt="2022-02-01T15:09:29.077" v="612" actId="26606"/>
+        <pc:cxnChg chg="add del">
+          <ac:chgData name="Simone C." userId="7045388030d0df92" providerId="LiveId" clId="{46AFDE5B-45EF-4024-A2D1-D9047B07C5AB}" dt="2022-02-08T10:36:32.579" v="2036" actId="26606"/>
           <ac:cxnSpMkLst>
             <pc:docMk/>
             <pc:sldMk cId="3885409845" sldId="263"/>
             <ac:cxnSpMk id="278" creationId="{505D8CD0-45FE-43C2-BE59-A467B5B2702C}"/>
           </ac:cxnSpMkLst>
         </pc:cxnChg>
-        <pc:cxnChg chg="add">
-          <ac:chgData name="Simone C." userId="7045388030d0df92" providerId="LiveId" clId="{46AFDE5B-45EF-4024-A2D1-D9047B07C5AB}" dt="2022-02-01T15:09:29.077" v="612" actId="26606"/>
+        <pc:cxnChg chg="add del">
+          <ac:chgData name="Simone C." userId="7045388030d0df92" providerId="LiveId" clId="{46AFDE5B-45EF-4024-A2D1-D9047B07C5AB}" dt="2022-02-08T10:36:32.579" v="2036" actId="26606"/>
           <ac:cxnSpMkLst>
             <pc:docMk/>
             <pc:sldMk cId="3885409845" sldId="263"/>
             <ac:cxnSpMk id="279" creationId="{DC5D3365-035A-49EA-A6F8-F92EDB74E18A}"/>
           </ac:cxnSpMkLst>
         </pc:cxnChg>
-        <pc:cxnChg chg="add">
-          <ac:chgData name="Simone C." userId="7045388030d0df92" providerId="LiveId" clId="{46AFDE5B-45EF-4024-A2D1-D9047B07C5AB}" dt="2022-02-01T15:09:29.077" v="612" actId="26606"/>
+        <pc:cxnChg chg="add del">
+          <ac:chgData name="Simone C." userId="7045388030d0df92" providerId="LiveId" clId="{46AFDE5B-45EF-4024-A2D1-D9047B07C5AB}" dt="2022-02-08T10:36:32.579" v="2036" actId="26606"/>
           <ac:cxnSpMkLst>
             <pc:docMk/>
             <pc:sldMk cId="3885409845" sldId="263"/>
@@ -2270,7 +2446,7 @@
         </pc:cxnChg>
       </pc:sldChg>
       <pc:sldChg chg="addSp delSp modSp new mod setBg">
-        <pc:chgData name="Simone C." userId="7045388030d0df92" providerId="LiveId" clId="{46AFDE5B-45EF-4024-A2D1-D9047B07C5AB}" dt="2022-02-01T15:39:18.309" v="1138" actId="20577"/>
+        <pc:chgData name="Simone C." userId="7045388030d0df92" providerId="LiveId" clId="{46AFDE5B-45EF-4024-A2D1-D9047B07C5AB}" dt="2022-02-08T10:40:42.696" v="2066" actId="20577"/>
         <pc:sldMkLst>
           <pc:docMk/>
           <pc:sldMk cId="2535531244" sldId="264"/>
@@ -2308,7 +2484,7 @@
           </ac:spMkLst>
         </pc:spChg>
         <pc:spChg chg="add mod ord">
-          <ac:chgData name="Simone C." userId="7045388030d0df92" providerId="LiveId" clId="{46AFDE5B-45EF-4024-A2D1-D9047B07C5AB}" dt="2022-02-01T15:37:55.967" v="1058" actId="207"/>
+          <ac:chgData name="Simone C." userId="7045388030d0df92" providerId="LiveId" clId="{46AFDE5B-45EF-4024-A2D1-D9047B07C5AB}" dt="2022-02-08T10:40:42.696" v="2066" actId="20577"/>
           <ac:spMkLst>
             <pc:docMk/>
             <pc:sldMk cId="2535531244" sldId="264"/>
@@ -2765,13 +2941,13 @@
         </pc:picChg>
       </pc:sldChg>
       <pc:sldChg chg="addSp delSp modSp new mod setBg">
-        <pc:chgData name="Simone C." userId="7045388030d0df92" providerId="LiveId" clId="{46AFDE5B-45EF-4024-A2D1-D9047B07C5AB}" dt="2022-02-01T15:38:19.728" v="1061" actId="14100"/>
+        <pc:chgData name="Simone C." userId="7045388030d0df92" providerId="LiveId" clId="{46AFDE5B-45EF-4024-A2D1-D9047B07C5AB}" dt="2022-02-08T10:58:01.505" v="2331" actId="207"/>
         <pc:sldMkLst>
           <pc:docMk/>
           <pc:sldMk cId="2741479228" sldId="265"/>
         </pc:sldMkLst>
         <pc:spChg chg="mod">
-          <ac:chgData name="Simone C." userId="7045388030d0df92" providerId="LiveId" clId="{46AFDE5B-45EF-4024-A2D1-D9047B07C5AB}" dt="2022-02-01T15:37:59.869" v="1059" actId="207"/>
+          <ac:chgData name="Simone C." userId="7045388030d0df92" providerId="LiveId" clId="{46AFDE5B-45EF-4024-A2D1-D9047B07C5AB}" dt="2022-02-08T10:58:01.505" v="2331" actId="207"/>
           <ac:spMkLst>
             <pc:docMk/>
             <pc:sldMk cId="2741479228" sldId="265"/>
@@ -2940,13 +3116,13 @@
         </pc:cxnChg>
       </pc:sldChg>
       <pc:sldChg chg="addSp delSp modSp new mod">
-        <pc:chgData name="Simone C." userId="7045388030d0df92" providerId="LiveId" clId="{46AFDE5B-45EF-4024-A2D1-D9047B07C5AB}" dt="2022-02-01T15:40:36.854" v="1208" actId="1076"/>
+        <pc:chgData name="Simone C." userId="7045388030d0df92" providerId="LiveId" clId="{46AFDE5B-45EF-4024-A2D1-D9047B07C5AB}" dt="2022-02-08T13:44:08.391" v="2335" actId="20577"/>
         <pc:sldMkLst>
           <pc:docMk/>
           <pc:sldMk cId="2555776315" sldId="266"/>
         </pc:sldMkLst>
         <pc:spChg chg="mod">
-          <ac:chgData name="Simone C." userId="7045388030d0df92" providerId="LiveId" clId="{46AFDE5B-45EF-4024-A2D1-D9047B07C5AB}" dt="2022-02-01T15:39:27.703" v="1173" actId="20577"/>
+          <ac:chgData name="Simone C." userId="7045388030d0df92" providerId="LiveId" clId="{46AFDE5B-45EF-4024-A2D1-D9047B07C5AB}" dt="2022-02-07T16:03:37.337" v="1813" actId="1076"/>
           <ac:spMkLst>
             <pc:docMk/>
             <pc:sldMk cId="2555776315" sldId="266"/>
@@ -2967,6 +3143,14 @@
             <pc:docMk/>
             <pc:sldMk cId="2555776315" sldId="266"/>
             <ac:spMk id="4" creationId="{09F0C06F-962D-48CC-9944-1865E3B01B3C}"/>
+          </ac:spMkLst>
+        </pc:spChg>
+        <pc:spChg chg="add mod">
+          <ac:chgData name="Simone C." userId="7045388030d0df92" providerId="LiveId" clId="{46AFDE5B-45EF-4024-A2D1-D9047B07C5AB}" dt="2022-02-08T13:44:08.391" v="2335" actId="20577"/>
+          <ac:spMkLst>
+            <pc:docMk/>
+            <pc:sldMk cId="2555776315" sldId="266"/>
+            <ac:spMk id="5" creationId="{81AE691B-F2CE-467C-B968-637F6BB5FC0B}"/>
           </ac:spMkLst>
         </pc:spChg>
         <pc:picChg chg="add del mod">
@@ -3019,7 +3203,7 @@
         </pc:picChg>
       </pc:sldChg>
       <pc:sldChg chg="addSp delSp modSp new add del mod setBg addAnim delAnim">
-        <pc:chgData name="Simone C." userId="7045388030d0df92" providerId="LiveId" clId="{46AFDE5B-45EF-4024-A2D1-D9047B07C5AB}" dt="2022-02-01T15:51:27.197" v="1363" actId="1036"/>
+        <pc:chgData name="Simone C." userId="7045388030d0df92" providerId="LiveId" clId="{46AFDE5B-45EF-4024-A2D1-D9047B07C5AB}" dt="2022-02-08T10:51:44.545" v="2258" actId="20577"/>
         <pc:sldMkLst>
           <pc:docMk/>
           <pc:sldMk cId="406056131" sldId="267"/>
@@ -3033,6 +3217,14 @@
           </ac:spMkLst>
         </pc:spChg>
         <pc:spChg chg="add del">
+          <ac:chgData name="Simone C." userId="7045388030d0df92" providerId="LiveId" clId="{46AFDE5B-45EF-4024-A2D1-D9047B07C5AB}" dt="2022-02-08T10:49:55.356" v="2075"/>
+          <ac:spMkLst>
+            <pc:docMk/>
+            <pc:sldMk cId="406056131" sldId="267"/>
+            <ac:spMk id="3" creationId="{BE06CF42-9232-4F2D-AF87-0E4F7F07BCD2}"/>
+          </ac:spMkLst>
+        </pc:spChg>
+        <pc:spChg chg="add del">
           <ac:chgData name="Simone C." userId="7045388030d0df92" providerId="LiveId" clId="{46AFDE5B-45EF-4024-A2D1-D9047B07C5AB}" dt="2022-02-01T15:49:19.158" v="1250" actId="478"/>
           <ac:spMkLst>
             <pc:docMk/>
@@ -3048,6 +3240,30 @@
             <ac:spMk id="4" creationId="{68660FFF-B491-412F-933C-5C4E5E7F950D}"/>
           </ac:spMkLst>
         </pc:spChg>
+        <pc:spChg chg="add del">
+          <ac:chgData name="Simone C." userId="7045388030d0df92" providerId="LiveId" clId="{46AFDE5B-45EF-4024-A2D1-D9047B07C5AB}" dt="2022-02-08T10:50:00.963" v="2081"/>
+          <ac:spMkLst>
+            <pc:docMk/>
+            <pc:sldMk cId="406056131" sldId="267"/>
+            <ac:spMk id="4" creationId="{F02ED51F-1045-4BAA-849E-00DD2B733F48}"/>
+          </ac:spMkLst>
+        </pc:spChg>
+        <pc:spChg chg="add del">
+          <ac:chgData name="Simone C." userId="7045388030d0df92" providerId="LiveId" clId="{46AFDE5B-45EF-4024-A2D1-D9047B07C5AB}" dt="2022-02-08T10:50:03.035" v="2086"/>
+          <ac:spMkLst>
+            <pc:docMk/>
+            <pc:sldMk cId="406056131" sldId="267"/>
+            <ac:spMk id="5" creationId="{8BB89910-B6B3-4615-AEC1-228D668AF5D8}"/>
+          </ac:spMkLst>
+        </pc:spChg>
+        <pc:spChg chg="add del">
+          <ac:chgData name="Simone C." userId="7045388030d0df92" providerId="LiveId" clId="{46AFDE5B-45EF-4024-A2D1-D9047B07C5AB}" dt="2022-02-08T10:50:13.379" v="2088"/>
+          <ac:spMkLst>
+            <pc:docMk/>
+            <pc:sldMk cId="406056131" sldId="267"/>
+            <ac:spMk id="6" creationId="{71A3DC5E-96BD-4592-9024-62E9B5565A31}"/>
+          </ac:spMkLst>
+        </pc:spChg>
         <pc:spChg chg="add del mod">
           <ac:chgData name="Simone C." userId="7045388030d0df92" providerId="LiveId" clId="{46AFDE5B-45EF-4024-A2D1-D9047B07C5AB}" dt="2022-02-01T15:49:16.473" v="1241" actId="767"/>
           <ac:spMkLst>
@@ -3145,7 +3361,7 @@
           </ac:spMkLst>
         </pc:spChg>
         <pc:spChg chg="add mod ord">
-          <ac:chgData name="Simone C." userId="7045388030d0df92" providerId="LiveId" clId="{46AFDE5B-45EF-4024-A2D1-D9047B07C5AB}" dt="2022-02-01T15:51:03.129" v="1341" actId="26606"/>
+          <ac:chgData name="Simone C." userId="7045388030d0df92" providerId="LiveId" clId="{46AFDE5B-45EF-4024-A2D1-D9047B07C5AB}" dt="2022-02-08T10:51:44.545" v="2258" actId="20577"/>
           <ac:spMkLst>
             <pc:docMk/>
             <pc:sldMk cId="406056131" sldId="267"/>
@@ -3801,14 +4017,14 @@
           </ac:cxnSpMkLst>
         </pc:cxnChg>
       </pc:sldChg>
-      <pc:sldChg chg="addSp delSp modSp new mod setBg addAnim delAnim">
-        <pc:chgData name="Simone C." userId="7045388030d0df92" providerId="LiveId" clId="{46AFDE5B-45EF-4024-A2D1-D9047B07C5AB}" dt="2022-02-01T15:56:05.679" v="1504" actId="14100"/>
+      <pc:sldChg chg="addSp delSp modSp new mod setBg addAnim delAnim modAnim">
+        <pc:chgData name="Simone C." userId="7045388030d0df92" providerId="LiveId" clId="{46AFDE5B-45EF-4024-A2D1-D9047B07C5AB}" dt="2022-02-07T16:17:46.606" v="2023"/>
         <pc:sldMkLst>
           <pc:docMk/>
           <pc:sldMk cId="2830784333" sldId="268"/>
         </pc:sldMkLst>
         <pc:spChg chg="mod ord">
-          <ac:chgData name="Simone C." userId="7045388030d0df92" providerId="LiveId" clId="{46AFDE5B-45EF-4024-A2D1-D9047B07C5AB}" dt="2022-02-01T15:55:07.445" v="1486" actId="26606"/>
+          <ac:chgData name="Simone C." userId="7045388030d0df92" providerId="LiveId" clId="{46AFDE5B-45EF-4024-A2D1-D9047B07C5AB}" dt="2022-02-07T16:15:31.853" v="1999" actId="1076"/>
           <ac:spMkLst>
             <pc:docMk/>
             <pc:sldMk cId="2830784333" sldId="268"/>
@@ -3968,6 +4184,14 @@
           </ac:spMkLst>
         </pc:spChg>
         <pc:spChg chg="add del">
+          <ac:chgData name="Simone C." userId="7045388030d0df92" providerId="LiveId" clId="{46AFDE5B-45EF-4024-A2D1-D9047B07C5AB}" dt="2022-02-07T16:14:16.649" v="1947" actId="26606"/>
+          <ac:spMkLst>
+            <pc:docMk/>
+            <pc:sldMk cId="2830784333" sldId="268"/>
+            <ac:spMk id="96" creationId="{A5235EAD-A22F-42E2-AF1A-2FCB3CED9FE9}"/>
+          </ac:spMkLst>
+        </pc:spChg>
+        <pc:spChg chg="add del">
           <ac:chgData name="Simone C." userId="7045388030d0df92" providerId="LiveId" clId="{46AFDE5B-45EF-4024-A2D1-D9047B07C5AB}" dt="2022-02-01T15:55:07.445" v="1486" actId="26606"/>
           <ac:spMkLst>
             <pc:docMk/>
@@ -3976,6 +4200,14 @@
           </ac:spMkLst>
         </pc:spChg>
         <pc:spChg chg="add del">
+          <ac:chgData name="Simone C." userId="7045388030d0df92" providerId="LiveId" clId="{46AFDE5B-45EF-4024-A2D1-D9047B07C5AB}" dt="2022-02-07T16:14:15.641" v="1945" actId="26606"/>
+          <ac:spMkLst>
+            <pc:docMk/>
+            <pc:sldMk cId="2830784333" sldId="268"/>
+            <ac:spMk id="101" creationId="{AB8C130A-0E5F-41B2-880C-BD6F82D317D6}"/>
+          </ac:spMkLst>
+        </pc:spChg>
+        <pc:spChg chg="add del">
           <ac:chgData name="Simone C." userId="7045388030d0df92" providerId="LiveId" clId="{46AFDE5B-45EF-4024-A2D1-D9047B07C5AB}" dt="2022-02-01T15:54:25.531" v="1444" actId="26606"/>
           <ac:spMkLst>
             <pc:docMk/>
@@ -4104,6 +4336,14 @@
           </ac:spMkLst>
         </pc:spChg>
         <pc:spChg chg="add del">
+          <ac:chgData name="Simone C." userId="7045388030d0df92" providerId="LiveId" clId="{46AFDE5B-45EF-4024-A2D1-D9047B07C5AB}" dt="2022-02-07T16:13:22.464" v="1920" actId="26606"/>
+          <ac:spMkLst>
+            <pc:docMk/>
+            <pc:sldMk cId="2830784333" sldId="268"/>
+            <ac:spMk id="168" creationId="{BD8A1594-7225-430E-B350-E6F911F68347}"/>
+          </ac:spMkLst>
+        </pc:spChg>
+        <pc:spChg chg="add del">
           <ac:chgData name="Simone C." userId="7045388030d0df92" providerId="LiveId" clId="{46AFDE5B-45EF-4024-A2D1-D9047B07C5AB}" dt="2022-02-01T15:54:39.722" v="1456" actId="26606"/>
           <ac:spMkLst>
             <pc:docMk/>
@@ -4127,6 +4367,14 @@
             <ac:spMk id="176" creationId="{8B91B1B4-8BBE-4B70-B356-D94AC0CD23A5}"/>
           </ac:spMkLst>
         </pc:spChg>
+        <pc:spChg chg="add del mod">
+          <ac:chgData name="Simone C." userId="7045388030d0df92" providerId="LiveId" clId="{46AFDE5B-45EF-4024-A2D1-D9047B07C5AB}" dt="2022-02-07T16:15:23.165" v="1997" actId="478"/>
+          <ac:spMkLst>
+            <pc:docMk/>
+            <pc:sldMk cId="2830784333" sldId="268"/>
+            <ac:spMk id="183" creationId="{FA5C02D5-6B25-496C-BA5B-71A98CE49263}"/>
+          </ac:spMkLst>
+        </pc:spChg>
         <pc:spChg chg="add del">
           <ac:chgData name="Simone C." userId="7045388030d0df92" providerId="LiveId" clId="{46AFDE5B-45EF-4024-A2D1-D9047B07C5AB}" dt="2022-02-01T15:54:43.023" v="1459" actId="26606"/>
           <ac:spMkLst>
@@ -4399,20 +4647,316 @@
             <ac:spMk id="325" creationId="{012251C9-2B08-4443-B361-44B029179FE5}"/>
           </ac:spMkLst>
         </pc:spChg>
-        <pc:spChg chg="add">
-          <ac:chgData name="Simone C." userId="7045388030d0df92" providerId="LiveId" clId="{46AFDE5B-45EF-4024-A2D1-D9047B07C5AB}" dt="2022-02-01T15:55:07.445" v="1486" actId="26606"/>
+        <pc:spChg chg="add del">
+          <ac:chgData name="Simone C." userId="7045388030d0df92" providerId="LiveId" clId="{46AFDE5B-45EF-4024-A2D1-D9047B07C5AB}" dt="2022-02-07T16:14:21.700" v="1960" actId="26606"/>
           <ac:spMkLst>
             <pc:docMk/>
             <pc:sldMk cId="2830784333" sldId="268"/>
             <ac:spMk id="332" creationId="{F6356B25-8A7A-495B-AAC4-E6D10EDD0B98}"/>
           </ac:spMkLst>
         </pc:spChg>
-        <pc:spChg chg="add">
-          <ac:chgData name="Simone C." userId="7045388030d0df92" providerId="LiveId" clId="{46AFDE5B-45EF-4024-A2D1-D9047B07C5AB}" dt="2022-02-01T15:55:07.445" v="1486" actId="26606"/>
+        <pc:spChg chg="add del">
+          <ac:chgData name="Simone C." userId="7045388030d0df92" providerId="LiveId" clId="{46AFDE5B-45EF-4024-A2D1-D9047B07C5AB}" dt="2022-02-07T16:14:21.700" v="1960" actId="26606"/>
           <ac:spMkLst>
             <pc:docMk/>
             <pc:sldMk cId="2830784333" sldId="268"/>
             <ac:spMk id="333" creationId="{C181D5AE-CC5C-4478-85D0-FFE52BC95023}"/>
+          </ac:spMkLst>
+        </pc:spChg>
+        <pc:spChg chg="add del">
+          <ac:chgData name="Simone C." userId="7045388030d0df92" providerId="LiveId" clId="{46AFDE5B-45EF-4024-A2D1-D9047B07C5AB}" dt="2022-02-07T16:13:22.464" v="1920" actId="26606"/>
+          <ac:spMkLst>
+            <pc:docMk/>
+            <pc:sldMk cId="2830784333" sldId="268"/>
+            <ac:spMk id="345" creationId="{CA594B73-E370-4559-907B-6F99D2A35D6E}"/>
+          </ac:spMkLst>
+        </pc:spChg>
+        <pc:spChg chg="add del">
+          <ac:chgData name="Simone C." userId="7045388030d0df92" providerId="LiveId" clId="{46AFDE5B-45EF-4024-A2D1-D9047B07C5AB}" dt="2022-02-07T16:13:22.464" v="1920" actId="26606"/>
+          <ac:spMkLst>
+            <pc:docMk/>
+            <pc:sldMk cId="2830784333" sldId="268"/>
+            <ac:spMk id="346" creationId="{D91D76EF-8F39-4DF6-B81B-FF4FF5B5F090}"/>
+          </ac:spMkLst>
+        </pc:spChg>
+        <pc:spChg chg="add del">
+          <ac:chgData name="Simone C." userId="7045388030d0df92" providerId="LiveId" clId="{46AFDE5B-45EF-4024-A2D1-D9047B07C5AB}" dt="2022-02-07T16:13:22.464" v="1920" actId="26606"/>
+          <ac:spMkLst>
+            <pc:docMk/>
+            <pc:sldMk cId="2830784333" sldId="268"/>
+            <ac:spMk id="347" creationId="{F107068F-AAAD-4B93-AEB9-0AAAF785EDA6}"/>
+          </ac:spMkLst>
+        </pc:spChg>
+        <pc:spChg chg="add del">
+          <ac:chgData name="Simone C." userId="7045388030d0df92" providerId="LiveId" clId="{46AFDE5B-45EF-4024-A2D1-D9047B07C5AB}" dt="2022-02-07T16:13:22.464" v="1920" actId="26606"/>
+          <ac:spMkLst>
+            <pc:docMk/>
+            <pc:sldMk cId="2830784333" sldId="268"/>
+            <ac:spMk id="348" creationId="{52622F2C-B4C0-4C12-9CDF-53C37129F229}"/>
+          </ac:spMkLst>
+        </pc:spChg>
+        <pc:spChg chg="add del">
+          <ac:chgData name="Simone C." userId="7045388030d0df92" providerId="LiveId" clId="{46AFDE5B-45EF-4024-A2D1-D9047B07C5AB}" dt="2022-02-07T16:13:23.826" v="1922" actId="26606"/>
+          <ac:spMkLst>
+            <pc:docMk/>
+            <pc:sldMk cId="2830784333" sldId="268"/>
+            <ac:spMk id="361" creationId="{8CE847E9-779A-40E4-ADC6-93A46EF0485C}"/>
+          </ac:spMkLst>
+        </pc:spChg>
+        <pc:spChg chg="add del">
+          <ac:chgData name="Simone C." userId="7045388030d0df92" providerId="LiveId" clId="{46AFDE5B-45EF-4024-A2D1-D9047B07C5AB}" dt="2022-02-07T16:13:23.826" v="1922" actId="26606"/>
+          <ac:spMkLst>
+            <pc:docMk/>
+            <pc:sldMk cId="2830784333" sldId="268"/>
+            <ac:spMk id="362" creationId="{244DE1F2-52EF-4621-9ABB-D39168A1D6D4}"/>
+          </ac:spMkLst>
+        </pc:spChg>
+        <pc:spChg chg="add del">
+          <ac:chgData name="Simone C." userId="7045388030d0df92" providerId="LiveId" clId="{46AFDE5B-45EF-4024-A2D1-D9047B07C5AB}" dt="2022-02-07T16:13:24.981" v="1924" actId="26606"/>
+          <ac:spMkLst>
+            <pc:docMk/>
+            <pc:sldMk cId="2830784333" sldId="268"/>
+            <ac:spMk id="375" creationId="{7357A9D9-AC2E-47F1-8E8D-E5744617F0C9}"/>
+          </ac:spMkLst>
+        </pc:spChg>
+        <pc:spChg chg="add del">
+          <ac:chgData name="Simone C." userId="7045388030d0df92" providerId="LiveId" clId="{46AFDE5B-45EF-4024-A2D1-D9047B07C5AB}" dt="2022-02-07T16:13:24.981" v="1924" actId="26606"/>
+          <ac:spMkLst>
+            <pc:docMk/>
+            <pc:sldMk cId="2830784333" sldId="268"/>
+            <ac:spMk id="376" creationId="{29174BCC-7AB0-452F-B389-00A61EB867A9}"/>
+          </ac:spMkLst>
+        </pc:spChg>
+        <pc:spChg chg="add del">
+          <ac:chgData name="Simone C." userId="7045388030d0df92" providerId="LiveId" clId="{46AFDE5B-45EF-4024-A2D1-D9047B07C5AB}" dt="2022-02-07T16:13:24.981" v="1924" actId="26606"/>
+          <ac:spMkLst>
+            <pc:docMk/>
+            <pc:sldMk cId="2830784333" sldId="268"/>
+            <ac:spMk id="377" creationId="{36C2D523-B7A6-435B-8F2D-0C15F2836760}"/>
+          </ac:spMkLst>
+        </pc:spChg>
+        <pc:spChg chg="add del">
+          <ac:chgData name="Simone C." userId="7045388030d0df92" providerId="LiveId" clId="{46AFDE5B-45EF-4024-A2D1-D9047B07C5AB}" dt="2022-02-07T16:13:24.981" v="1924" actId="26606"/>
+          <ac:spMkLst>
+            <pc:docMk/>
+            <pc:sldMk cId="2830784333" sldId="268"/>
+            <ac:spMk id="378" creationId="{012251C9-2B08-4443-B361-44B029179FE5}"/>
+          </ac:spMkLst>
+        </pc:spChg>
+        <pc:spChg chg="add del">
+          <ac:chgData name="Simone C." userId="7045388030d0df92" providerId="LiveId" clId="{46AFDE5B-45EF-4024-A2D1-D9047B07C5AB}" dt="2022-02-07T16:13:26.301" v="1926" actId="26606"/>
+          <ac:spMkLst>
+            <pc:docMk/>
+            <pc:sldMk cId="2830784333" sldId="268"/>
+            <ac:spMk id="385" creationId="{1E603CE8-BA2E-40B1-9824-704215BB301B}"/>
+          </ac:spMkLst>
+        </pc:spChg>
+        <pc:spChg chg="add del">
+          <ac:chgData name="Simone C." userId="7045388030d0df92" providerId="LiveId" clId="{46AFDE5B-45EF-4024-A2D1-D9047B07C5AB}" dt="2022-02-07T16:13:26.301" v="1926" actId="26606"/>
+          <ac:spMkLst>
+            <pc:docMk/>
+            <pc:sldMk cId="2830784333" sldId="268"/>
+            <ac:spMk id="386" creationId="{1E444D76-6D63-4133-9AC5-53C80FCECC4B}"/>
+          </ac:spMkLst>
+        </pc:spChg>
+        <pc:spChg chg="add del">
+          <ac:chgData name="Simone C." userId="7045388030d0df92" providerId="LiveId" clId="{46AFDE5B-45EF-4024-A2D1-D9047B07C5AB}" dt="2022-02-07T16:13:26.301" v="1926" actId="26606"/>
+          <ac:spMkLst>
+            <pc:docMk/>
+            <pc:sldMk cId="2830784333" sldId="268"/>
+            <ac:spMk id="387" creationId="{5DEF5C31-60A6-4782-ACE9-9F140651CD85}"/>
+          </ac:spMkLst>
+        </pc:spChg>
+        <pc:spChg chg="add del">
+          <ac:chgData name="Simone C." userId="7045388030d0df92" providerId="LiveId" clId="{46AFDE5B-45EF-4024-A2D1-D9047B07C5AB}" dt="2022-02-07T16:13:26.301" v="1926" actId="26606"/>
+          <ac:spMkLst>
+            <pc:docMk/>
+            <pc:sldMk cId="2830784333" sldId="268"/>
+            <ac:spMk id="388" creationId="{0DA209AA-6A92-4759-A1F9-7A61707DAB1B}"/>
+          </ac:spMkLst>
+        </pc:spChg>
+        <pc:spChg chg="add del">
+          <ac:chgData name="Simone C." userId="7045388030d0df92" providerId="LiveId" clId="{46AFDE5B-45EF-4024-A2D1-D9047B07C5AB}" dt="2022-02-07T16:13:30.705" v="1928" actId="26606"/>
+          <ac:spMkLst>
+            <pc:docMk/>
+            <pc:sldMk cId="2830784333" sldId="268"/>
+            <ac:spMk id="401" creationId="{3CC362D4-3EDC-4429-9A4C-B01BB218B474}"/>
+          </ac:spMkLst>
+        </pc:spChg>
+        <pc:spChg chg="add del">
+          <ac:chgData name="Simone C." userId="7045388030d0df92" providerId="LiveId" clId="{46AFDE5B-45EF-4024-A2D1-D9047B07C5AB}" dt="2022-02-07T16:13:30.705" v="1928" actId="26606"/>
+          <ac:spMkLst>
+            <pc:docMk/>
+            <pc:sldMk cId="2830784333" sldId="268"/>
+            <ac:spMk id="408" creationId="{AB8C130A-0E5F-41B2-880C-BD6F82D317D6}"/>
+          </ac:spMkLst>
+        </pc:spChg>
+        <pc:spChg chg="add del">
+          <ac:chgData name="Simone C." userId="7045388030d0df92" providerId="LiveId" clId="{46AFDE5B-45EF-4024-A2D1-D9047B07C5AB}" dt="2022-02-07T16:13:34.873" v="1930" actId="26606"/>
+          <ac:spMkLst>
+            <pc:docMk/>
+            <pc:sldMk cId="2830784333" sldId="268"/>
+            <ac:spMk id="415" creationId="{62C36301-F7EC-4BE9-9B78-411DDB93246A}"/>
+          </ac:spMkLst>
+        </pc:spChg>
+        <pc:spChg chg="add del">
+          <ac:chgData name="Simone C." userId="7045388030d0df92" providerId="LiveId" clId="{46AFDE5B-45EF-4024-A2D1-D9047B07C5AB}" dt="2022-02-07T16:13:36.391" v="1932" actId="26606"/>
+          <ac:spMkLst>
+            <pc:docMk/>
+            <pc:sldMk cId="2830784333" sldId="268"/>
+            <ac:spMk id="428" creationId="{D481A57A-BD1F-47D3-AF71-ABFD1F40707F}"/>
+          </ac:spMkLst>
+        </pc:spChg>
+        <pc:spChg chg="add del">
+          <ac:chgData name="Simone C." userId="7045388030d0df92" providerId="LiveId" clId="{46AFDE5B-45EF-4024-A2D1-D9047B07C5AB}" dt="2022-02-07T16:13:36.391" v="1932" actId="26606"/>
+          <ac:spMkLst>
+            <pc:docMk/>
+            <pc:sldMk cId="2830784333" sldId="268"/>
+            <ac:spMk id="429" creationId="{9E9D9AAF-D458-4251-B695-C5E9650CEA67}"/>
+          </ac:spMkLst>
+        </pc:spChg>
+        <pc:spChg chg="add del">
+          <ac:chgData name="Simone C." userId="7045388030d0df92" providerId="LiveId" clId="{46AFDE5B-45EF-4024-A2D1-D9047B07C5AB}" dt="2022-02-07T16:13:38.118" v="1934" actId="26606"/>
+          <ac:spMkLst>
+            <pc:docMk/>
+            <pc:sldMk cId="2830784333" sldId="268"/>
+            <ac:spMk id="442" creationId="{02DD21FC-1CD6-46EF-8777-B0BA80AD7CDC}"/>
+          </ac:spMkLst>
+        </pc:spChg>
+        <pc:spChg chg="add del">
+          <ac:chgData name="Simone C." userId="7045388030d0df92" providerId="LiveId" clId="{46AFDE5B-45EF-4024-A2D1-D9047B07C5AB}" dt="2022-02-07T16:13:38.118" v="1934" actId="26606"/>
+          <ac:spMkLst>
+            <pc:docMk/>
+            <pc:sldMk cId="2830784333" sldId="268"/>
+            <ac:spMk id="443" creationId="{EB8F8D18-911C-44BD-B199-34C6DC98B5FB}"/>
+          </ac:spMkLst>
+        </pc:spChg>
+        <pc:spChg chg="add del">
+          <ac:chgData name="Simone C." userId="7045388030d0df92" providerId="LiveId" clId="{46AFDE5B-45EF-4024-A2D1-D9047B07C5AB}" dt="2022-02-07T16:13:38.118" v="1934" actId="26606"/>
+          <ac:spMkLst>
+            <pc:docMk/>
+            <pc:sldMk cId="2830784333" sldId="268"/>
+            <ac:spMk id="444" creationId="{0D77955E-12A9-49DD-96E2-C63E47486C95}"/>
+          </ac:spMkLst>
+        </pc:spChg>
+        <pc:spChg chg="add del">
+          <ac:chgData name="Simone C." userId="7045388030d0df92" providerId="LiveId" clId="{46AFDE5B-45EF-4024-A2D1-D9047B07C5AB}" dt="2022-02-07T16:13:38.118" v="1934" actId="26606"/>
+          <ac:spMkLst>
+            <pc:docMk/>
+            <pc:sldMk cId="2830784333" sldId="268"/>
+            <ac:spMk id="445" creationId="{4AA87284-4D19-4A83-A123-2D6E32008CD4}"/>
+          </ac:spMkLst>
+        </pc:spChg>
+        <pc:spChg chg="add del">
+          <ac:chgData name="Simone C." userId="7045388030d0df92" providerId="LiveId" clId="{46AFDE5B-45EF-4024-A2D1-D9047B07C5AB}" dt="2022-02-07T16:14:21.700" v="1960" actId="26606"/>
+          <ac:spMkLst>
+            <pc:docMk/>
+            <pc:sldMk cId="2830784333" sldId="268"/>
+            <ac:spMk id="458" creationId="{8E0382BE-2A5C-4C03-A063-8AFF395689A7}"/>
+          </ac:spMkLst>
+        </pc:spChg>
+        <pc:spChg chg="add del">
+          <ac:chgData name="Simone C." userId="7045388030d0df92" providerId="LiveId" clId="{46AFDE5B-45EF-4024-A2D1-D9047B07C5AB}" dt="2022-02-07T16:14:21.700" v="1960" actId="26606"/>
+          <ac:spMkLst>
+            <pc:docMk/>
+            <pc:sldMk cId="2830784333" sldId="268"/>
+            <ac:spMk id="459" creationId="{C048512B-F107-4726-877D-D8E68C118B5F}"/>
+          </ac:spMkLst>
+        </pc:spChg>
+        <pc:spChg chg="add del">
+          <ac:chgData name="Simone C." userId="7045388030d0df92" providerId="LiveId" clId="{46AFDE5B-45EF-4024-A2D1-D9047B07C5AB}" dt="2022-02-07T16:14:21.700" v="1960" actId="26606"/>
+          <ac:spMkLst>
+            <pc:docMk/>
+            <pc:sldMk cId="2830784333" sldId="268"/>
+            <ac:spMk id="460" creationId="{A5235EAD-A22F-42E2-AF1A-2FCB3CED9FE9}"/>
+          </ac:spMkLst>
+        </pc:spChg>
+        <pc:spChg chg="add del">
+          <ac:chgData name="Simone C." userId="7045388030d0df92" providerId="LiveId" clId="{46AFDE5B-45EF-4024-A2D1-D9047B07C5AB}" dt="2022-02-07T16:14:21.700" v="1960" actId="26606"/>
+          <ac:spMkLst>
+            <pc:docMk/>
+            <pc:sldMk cId="2830784333" sldId="268"/>
+            <ac:spMk id="461" creationId="{AC944BEA-AB52-4688-A5E9-E34F0FA26BF9}"/>
+          </ac:spMkLst>
+        </pc:spChg>
+        <pc:spChg chg="add del">
+          <ac:chgData name="Simone C." userId="7045388030d0df92" providerId="LiveId" clId="{46AFDE5B-45EF-4024-A2D1-D9047B07C5AB}" dt="2022-02-07T16:14:15.641" v="1945" actId="26606"/>
+          <ac:spMkLst>
+            <pc:docMk/>
+            <pc:sldMk cId="2830784333" sldId="268"/>
+            <ac:spMk id="466" creationId="{3CC362D4-3EDC-4429-9A4C-B01BB218B474}"/>
+          </ac:spMkLst>
+        </pc:spChg>
+        <pc:spChg chg="add del">
+          <ac:chgData name="Simone C." userId="7045388030d0df92" providerId="LiveId" clId="{46AFDE5B-45EF-4024-A2D1-D9047B07C5AB}" dt="2022-02-07T16:14:16.649" v="1947" actId="26606"/>
+          <ac:spMkLst>
+            <pc:docMk/>
+            <pc:sldMk cId="2830784333" sldId="268"/>
+            <ac:spMk id="476" creationId="{8E0382BE-2A5C-4C03-A063-8AFF395689A7}"/>
+          </ac:spMkLst>
+        </pc:spChg>
+        <pc:spChg chg="add del">
+          <ac:chgData name="Simone C." userId="7045388030d0df92" providerId="LiveId" clId="{46AFDE5B-45EF-4024-A2D1-D9047B07C5AB}" dt="2022-02-07T16:14:16.649" v="1947" actId="26606"/>
+          <ac:spMkLst>
+            <pc:docMk/>
+            <pc:sldMk cId="2830784333" sldId="268"/>
+            <ac:spMk id="477" creationId="{C048512B-F107-4726-877D-D8E68C118B5F}"/>
+          </ac:spMkLst>
+        </pc:spChg>
+        <pc:spChg chg="add del">
+          <ac:chgData name="Simone C." userId="7045388030d0df92" providerId="LiveId" clId="{46AFDE5B-45EF-4024-A2D1-D9047B07C5AB}" dt="2022-02-07T16:14:16.649" v="1947" actId="26606"/>
+          <ac:spMkLst>
+            <pc:docMk/>
+            <pc:sldMk cId="2830784333" sldId="268"/>
+            <ac:spMk id="478" creationId="{AC944BEA-AB52-4688-A5E9-E34F0FA26BF9}"/>
+          </ac:spMkLst>
+        </pc:spChg>
+        <pc:spChg chg="add del">
+          <ac:chgData name="Simone C." userId="7045388030d0df92" providerId="LiveId" clId="{46AFDE5B-45EF-4024-A2D1-D9047B07C5AB}" dt="2022-02-07T16:14:18.986" v="1949" actId="26606"/>
+          <ac:spMkLst>
+            <pc:docMk/>
+            <pc:sldMk cId="2830784333" sldId="268"/>
+            <ac:spMk id="485" creationId="{38BE7445-ADC2-4B28-9AB0-6D078A08E5A3}"/>
+          </ac:spMkLst>
+        </pc:spChg>
+        <pc:spChg chg="add del">
+          <ac:chgData name="Simone C." userId="7045388030d0df92" providerId="LiveId" clId="{46AFDE5B-45EF-4024-A2D1-D9047B07C5AB}" dt="2022-02-07T16:14:18.986" v="1949" actId="26606"/>
+          <ac:spMkLst>
+            <pc:docMk/>
+            <pc:sldMk cId="2830784333" sldId="268"/>
+            <ac:spMk id="486" creationId="{5CE38AD9-456E-401A-B337-1943BFFCF4E2}"/>
+          </ac:spMkLst>
+        </pc:spChg>
+        <pc:spChg chg="add del">
+          <ac:chgData name="Simone C." userId="7045388030d0df92" providerId="LiveId" clId="{46AFDE5B-45EF-4024-A2D1-D9047B07C5AB}" dt="2022-02-07T16:14:20.081" v="1951" actId="26606"/>
+          <ac:spMkLst>
+            <pc:docMk/>
+            <pc:sldMk cId="2830784333" sldId="268"/>
+            <ac:spMk id="496" creationId="{70A3F018-344E-4573-B5DD-30627B049B69}"/>
+          </ac:spMkLst>
+        </pc:spChg>
+        <pc:spChg chg="add del">
+          <ac:chgData name="Simone C." userId="7045388030d0df92" providerId="LiveId" clId="{46AFDE5B-45EF-4024-A2D1-D9047B07C5AB}" dt="2022-02-07T16:14:20.081" v="1951" actId="26606"/>
+          <ac:spMkLst>
+            <pc:docMk/>
+            <pc:sldMk cId="2830784333" sldId="268"/>
+            <ac:spMk id="497" creationId="{97DD7EC0-9B65-4E0C-9FC3-69AF47C5B3E2}"/>
+          </ac:spMkLst>
+        </pc:spChg>
+        <pc:spChg chg="add del">
+          <ac:chgData name="Simone C." userId="7045388030d0df92" providerId="LiveId" clId="{46AFDE5B-45EF-4024-A2D1-D9047B07C5AB}" dt="2022-02-07T16:14:20.081" v="1951" actId="26606"/>
+          <ac:spMkLst>
+            <pc:docMk/>
+            <pc:sldMk cId="2830784333" sldId="268"/>
+            <ac:spMk id="498" creationId="{AD3D3DC4-B6C7-4C74-B1AE-C902C7559A16}"/>
+          </ac:spMkLst>
+        </pc:spChg>
+        <pc:spChg chg="add del">
+          <ac:chgData name="Simone C." userId="7045388030d0df92" providerId="LiveId" clId="{46AFDE5B-45EF-4024-A2D1-D9047B07C5AB}" dt="2022-02-07T16:14:20.081" v="1951" actId="26606"/>
+          <ac:spMkLst>
+            <pc:docMk/>
+            <pc:sldMk cId="2830784333" sldId="268"/>
+            <ac:spMk id="502" creationId="{2C970AD0-D260-427C-AD4C-E567EBD7ED4C}"/>
           </ac:spMkLst>
         </pc:spChg>
         <pc:grpChg chg="add del">
@@ -4591,14 +5135,102 @@
             <ac:grpSpMk id="312" creationId="{9DD686A7-C8BE-4BE3-A546-218D9680F686}"/>
           </ac:grpSpMkLst>
         </pc:grpChg>
-        <pc:grpChg chg="add">
-          <ac:chgData name="Simone C." userId="7045388030d0df92" providerId="LiveId" clId="{46AFDE5B-45EF-4024-A2D1-D9047B07C5AB}" dt="2022-02-01T15:55:07.445" v="1486" actId="26606"/>
+        <pc:grpChg chg="add del">
+          <ac:chgData name="Simone C." userId="7045388030d0df92" providerId="LiveId" clId="{46AFDE5B-45EF-4024-A2D1-D9047B07C5AB}" dt="2022-02-07T16:14:21.700" v="1960" actId="26606"/>
           <ac:grpSpMkLst>
             <pc:docMk/>
             <pc:sldMk cId="2830784333" sldId="268"/>
             <ac:grpSpMk id="336" creationId="{A2CC88EC-80D8-4EA4-8B84-072D728A1F5F}"/>
           </ac:grpSpMkLst>
         </pc:grpChg>
+        <pc:grpChg chg="add del">
+          <ac:chgData name="Simone C." userId="7045388030d0df92" providerId="LiveId" clId="{46AFDE5B-45EF-4024-A2D1-D9047B07C5AB}" dt="2022-02-07T16:13:22.464" v="1920" actId="26606"/>
+          <ac:grpSpMkLst>
+            <pc:docMk/>
+            <pc:sldMk cId="2830784333" sldId="268"/>
+            <ac:grpSpMk id="349" creationId="{90D2515D-12BA-4AAD-805D-6A124A8D42D6}"/>
+          </ac:grpSpMkLst>
+        </pc:grpChg>
+        <pc:grpChg chg="add del">
+          <ac:chgData name="Simone C." userId="7045388030d0df92" providerId="LiveId" clId="{46AFDE5B-45EF-4024-A2D1-D9047B07C5AB}" dt="2022-02-07T16:13:23.826" v="1922" actId="26606"/>
+          <ac:grpSpMkLst>
+            <pc:docMk/>
+            <pc:sldMk cId="2830784333" sldId="268"/>
+            <ac:grpSpMk id="363" creationId="{6C50BA5B-A652-4701-AAB6-F7C2FE8133DA}"/>
+          </ac:grpSpMkLst>
+        </pc:grpChg>
+        <pc:grpChg chg="add del">
+          <ac:chgData name="Simone C." userId="7045388030d0df92" providerId="LiveId" clId="{46AFDE5B-45EF-4024-A2D1-D9047B07C5AB}" dt="2022-02-07T16:13:26.301" v="1926" actId="26606"/>
+          <ac:grpSpMkLst>
+            <pc:docMk/>
+            <pc:sldMk cId="2830784333" sldId="268"/>
+            <ac:grpSpMk id="389" creationId="{9DD686A7-C8BE-4BE3-A546-218D9680F686}"/>
+          </ac:grpSpMkLst>
+        </pc:grpChg>
+        <pc:grpChg chg="add del">
+          <ac:chgData name="Simone C." userId="7045388030d0df92" providerId="LiveId" clId="{46AFDE5B-45EF-4024-A2D1-D9047B07C5AB}" dt="2022-02-07T16:13:30.705" v="1928" actId="26606"/>
+          <ac:grpSpMkLst>
+            <pc:docMk/>
+            <pc:sldMk cId="2830784333" sldId="268"/>
+            <ac:grpSpMk id="402" creationId="{8CBEAD6C-F63B-495E-9141-84A9FCB2B598}"/>
+          </ac:grpSpMkLst>
+        </pc:grpChg>
+        <pc:grpChg chg="add del">
+          <ac:chgData name="Simone C." userId="7045388030d0df92" providerId="LiveId" clId="{46AFDE5B-45EF-4024-A2D1-D9047B07C5AB}" dt="2022-02-07T16:13:34.873" v="1930" actId="26606"/>
+          <ac:grpSpMkLst>
+            <pc:docMk/>
+            <pc:sldMk cId="2830784333" sldId="268"/>
+            <ac:grpSpMk id="416" creationId="{7E86C4B8-C2BC-455D-927C-B40650BA2359}"/>
+          </ac:grpSpMkLst>
+        </pc:grpChg>
+        <pc:grpChg chg="add del">
+          <ac:chgData name="Simone C." userId="7045388030d0df92" providerId="LiveId" clId="{46AFDE5B-45EF-4024-A2D1-D9047B07C5AB}" dt="2022-02-07T16:13:36.391" v="1932" actId="26606"/>
+          <ac:grpSpMkLst>
+            <pc:docMk/>
+            <pc:sldMk cId="2830784333" sldId="268"/>
+            <ac:grpSpMk id="430" creationId="{CB566532-69F2-49CC-BB0C-3D828220412B}"/>
+          </ac:grpSpMkLst>
+        </pc:grpChg>
+        <pc:grpChg chg="add del">
+          <ac:chgData name="Simone C." userId="7045388030d0df92" providerId="LiveId" clId="{46AFDE5B-45EF-4024-A2D1-D9047B07C5AB}" dt="2022-02-07T16:13:38.118" v="1934" actId="26606"/>
+          <ac:grpSpMkLst>
+            <pc:docMk/>
+            <pc:sldMk cId="2830784333" sldId="268"/>
+            <ac:grpSpMk id="446" creationId="{FD620A1F-3DDE-4E4A-BC47-BF74F2EDD515}"/>
+          </ac:grpSpMkLst>
+        </pc:grpChg>
+        <pc:grpChg chg="add del">
+          <ac:chgData name="Simone C." userId="7045388030d0df92" providerId="LiveId" clId="{46AFDE5B-45EF-4024-A2D1-D9047B07C5AB}" dt="2022-02-07T16:14:15.641" v="1945" actId="26606"/>
+          <ac:grpSpMkLst>
+            <pc:docMk/>
+            <pc:sldMk cId="2830784333" sldId="268"/>
+            <ac:grpSpMk id="467" creationId="{8CBEAD6C-F63B-495E-9141-84A9FCB2B598}"/>
+          </ac:grpSpMkLst>
+        </pc:grpChg>
+        <pc:grpChg chg="add del">
+          <ac:chgData name="Simone C." userId="7045388030d0df92" providerId="LiveId" clId="{46AFDE5B-45EF-4024-A2D1-D9047B07C5AB}" dt="2022-02-07T16:14:18.986" v="1949" actId="26606"/>
+          <ac:grpSpMkLst>
+            <pc:docMk/>
+            <pc:sldMk cId="2830784333" sldId="268"/>
+            <ac:grpSpMk id="487" creationId="{8A08024A-A73E-4157-9959-E0EB1E57DA4D}"/>
+          </ac:grpSpMkLst>
+        </pc:grpChg>
+        <pc:grpChg chg="add del">
+          <ac:chgData name="Simone C." userId="7045388030d0df92" providerId="LiveId" clId="{46AFDE5B-45EF-4024-A2D1-D9047B07C5AB}" dt="2022-02-07T16:14:20.081" v="1951" actId="26606"/>
+          <ac:grpSpMkLst>
+            <pc:docMk/>
+            <pc:sldMk cId="2830784333" sldId="268"/>
+            <ac:grpSpMk id="499" creationId="{0B7166C8-68DB-4CEE-8E8F-923139E2E042}"/>
+          </ac:grpSpMkLst>
+        </pc:grpChg>
+        <pc:picChg chg="add mod ord">
+          <ac:chgData name="Simone C." userId="7045388030d0df92" providerId="LiveId" clId="{46AFDE5B-45EF-4024-A2D1-D9047B07C5AB}" dt="2022-02-07T16:15:34.235" v="2000" actId="14100"/>
+          <ac:picMkLst>
+            <pc:docMk/>
+            <pc:sldMk cId="2830784333" sldId="268"/>
+            <ac:picMk id="4" creationId="{6939C669-DBDF-4D39-A220-D18897CF914D}"/>
+          </ac:picMkLst>
+        </pc:picChg>
         <pc:picChg chg="add del mod">
           <ac:chgData name="Simone C." userId="7045388030d0df92" providerId="LiveId" clId="{46AFDE5B-45EF-4024-A2D1-D9047B07C5AB}" dt="2022-02-01T15:52:36.022" v="1394" actId="478"/>
           <ac:picMkLst>
@@ -4608,15 +5240,15 @@
           </ac:picMkLst>
         </pc:picChg>
         <pc:picChg chg="add mod ord">
-          <ac:chgData name="Simone C." userId="7045388030d0df92" providerId="LiveId" clId="{46AFDE5B-45EF-4024-A2D1-D9047B07C5AB}" dt="2022-02-01T15:55:07.445" v="1486" actId="26606"/>
+          <ac:chgData name="Simone C." userId="7045388030d0df92" providerId="LiveId" clId="{46AFDE5B-45EF-4024-A2D1-D9047B07C5AB}" dt="2022-02-07T16:14:21.700" v="1960" actId="26606"/>
           <ac:picMkLst>
             <pc:docMk/>
             <pc:sldMk cId="2830784333" sldId="268"/>
             <ac:picMk id="8" creationId="{191010CB-4E7D-4304-82A3-9E356222C908}"/>
           </ac:picMkLst>
         </pc:picChg>
-        <pc:picChg chg="add mod ord">
-          <ac:chgData name="Simone C." userId="7045388030d0df92" providerId="LiveId" clId="{46AFDE5B-45EF-4024-A2D1-D9047B07C5AB}" dt="2022-02-01T15:55:07.445" v="1486" actId="26606"/>
+        <pc:picChg chg="add del mod ord">
+          <ac:chgData name="Simone C." userId="7045388030d0df92" providerId="LiveId" clId="{46AFDE5B-45EF-4024-A2D1-D9047B07C5AB}" dt="2022-02-07T16:12:15.159" v="1904" actId="478"/>
           <ac:picMkLst>
             <pc:docMk/>
             <pc:sldMk cId="2830784333" sldId="268"/>
@@ -4624,7 +5256,7 @@
           </ac:picMkLst>
         </pc:picChg>
         <pc:picChg chg="add mod ord">
-          <ac:chgData name="Simone C." userId="7045388030d0df92" providerId="LiveId" clId="{46AFDE5B-45EF-4024-A2D1-D9047B07C5AB}" dt="2022-02-01T15:56:05.679" v="1504" actId="14100"/>
+          <ac:chgData name="Simone C." userId="7045388030d0df92" providerId="LiveId" clId="{46AFDE5B-45EF-4024-A2D1-D9047B07C5AB}" dt="2022-02-07T16:14:21.700" v="1960" actId="26606"/>
           <ac:picMkLst>
             <pc:docMk/>
             <pc:sldMk cId="2830784333" sldId="268"/>
@@ -4872,6 +5504,22 @@
           </ac:cxnSpMkLst>
         </pc:cxnChg>
         <pc:cxnChg chg="add del">
+          <ac:chgData name="Simone C." userId="7045388030d0df92" providerId="LiveId" clId="{46AFDE5B-45EF-4024-A2D1-D9047B07C5AB}" dt="2022-02-07T16:14:15.641" v="1945" actId="26606"/>
+          <ac:cxnSpMkLst>
+            <pc:docMk/>
+            <pc:sldMk cId="2830784333" sldId="268"/>
+            <ac:cxnSpMk id="86" creationId="{40AABB63-31C8-45F0-B7A8-725E51D980E9}"/>
+          </ac:cxnSpMkLst>
+        </pc:cxnChg>
+        <pc:cxnChg chg="add del">
+          <ac:chgData name="Simone C." userId="7045388030d0df92" providerId="LiveId" clId="{46AFDE5B-45EF-4024-A2D1-D9047B07C5AB}" dt="2022-02-07T16:14:15.641" v="1945" actId="26606"/>
+          <ac:cxnSpMkLst>
+            <pc:docMk/>
+            <pc:sldMk cId="2830784333" sldId="268"/>
+            <ac:cxnSpMk id="88" creationId="{60D684A0-E660-4ADE-B287-AD9ED433F006}"/>
+          </ac:cxnSpMkLst>
+        </pc:cxnChg>
+        <pc:cxnChg chg="add del">
           <ac:chgData name="Simone C." userId="7045388030d0df92" providerId="LiveId" clId="{46AFDE5B-45EF-4024-A2D1-D9047B07C5AB}" dt="2022-02-01T15:55:07.445" v="1486" actId="26606"/>
           <ac:cxnSpMkLst>
             <pc:docMk/>
@@ -5072,6 +5720,14 @@
           </ac:cxnSpMkLst>
         </pc:cxnChg>
         <pc:cxnChg chg="add del">
+          <ac:chgData name="Simone C." userId="7045388030d0df92" providerId="LiveId" clId="{46AFDE5B-45EF-4024-A2D1-D9047B07C5AB}" dt="2022-02-07T16:13:22.464" v="1920" actId="26606"/>
+          <ac:cxnSpMkLst>
+            <pc:docMk/>
+            <pc:sldMk cId="2830784333" sldId="268"/>
+            <ac:cxnSpMk id="158" creationId="{CA1BE3BA-0960-47B3-8902-9DAF7C3B450A}"/>
+          </ac:cxnSpMkLst>
+        </pc:cxnChg>
+        <pc:cxnChg chg="add del">
           <ac:chgData name="Simone C." userId="7045388030d0df92" providerId="LiveId" clId="{46AFDE5B-45EF-4024-A2D1-D9047B07C5AB}" dt="2022-02-01T15:54:37.689" v="1453" actId="26606"/>
           <ac:cxnSpMkLst>
             <pc:docMk/>
@@ -5687,60 +6343,556 @@
             <ac:cxnSpMk id="321" creationId="{38F51752-E40A-4F91-8684-28990BF641CD}"/>
           </ac:cxnSpMkLst>
         </pc:cxnChg>
-        <pc:cxnChg chg="add">
-          <ac:chgData name="Simone C." userId="7045388030d0df92" providerId="LiveId" clId="{46AFDE5B-45EF-4024-A2D1-D9047B07C5AB}" dt="2022-02-01T15:55:07.445" v="1486" actId="26606"/>
+        <pc:cxnChg chg="add del">
+          <ac:chgData name="Simone C." userId="7045388030d0df92" providerId="LiveId" clId="{46AFDE5B-45EF-4024-A2D1-D9047B07C5AB}" dt="2022-02-07T16:14:21.700" v="1960" actId="26606"/>
           <ac:cxnSpMkLst>
             <pc:docMk/>
             <pc:sldMk cId="2830784333" sldId="268"/>
             <ac:cxnSpMk id="327" creationId="{A3EFDC14-6007-40A0-8AE1-BAE81F1E6D23}"/>
           </ac:cxnSpMkLst>
         </pc:cxnChg>
-        <pc:cxnChg chg="add">
-          <ac:chgData name="Simone C." userId="7045388030d0df92" providerId="LiveId" clId="{46AFDE5B-45EF-4024-A2D1-D9047B07C5AB}" dt="2022-02-01T15:55:07.445" v="1486" actId="26606"/>
+        <pc:cxnChg chg="add del">
+          <ac:chgData name="Simone C." userId="7045388030d0df92" providerId="LiveId" clId="{46AFDE5B-45EF-4024-A2D1-D9047B07C5AB}" dt="2022-02-07T16:14:21.700" v="1960" actId="26606"/>
           <ac:cxnSpMkLst>
             <pc:docMk/>
             <pc:sldMk cId="2830784333" sldId="268"/>
             <ac:cxnSpMk id="328" creationId="{BECDD5BA-8DDC-4AE9-83AF-D786575CBB4E}"/>
           </ac:cxnSpMkLst>
         </pc:cxnChg>
-        <pc:cxnChg chg="add">
-          <ac:chgData name="Simone C." userId="7045388030d0df92" providerId="LiveId" clId="{46AFDE5B-45EF-4024-A2D1-D9047B07C5AB}" dt="2022-02-01T15:55:07.445" v="1486" actId="26606"/>
+        <pc:cxnChg chg="add del">
+          <ac:chgData name="Simone C." userId="7045388030d0df92" providerId="LiveId" clId="{46AFDE5B-45EF-4024-A2D1-D9047B07C5AB}" dt="2022-02-07T16:14:21.700" v="1960" actId="26606"/>
           <ac:cxnSpMkLst>
             <pc:docMk/>
             <pc:sldMk cId="2830784333" sldId="268"/>
             <ac:cxnSpMk id="329" creationId="{40AABB63-31C8-45F0-B7A8-725E51D980E9}"/>
           </ac:cxnSpMkLst>
         </pc:cxnChg>
-        <pc:cxnChg chg="add">
-          <ac:chgData name="Simone C." userId="7045388030d0df92" providerId="LiveId" clId="{46AFDE5B-45EF-4024-A2D1-D9047B07C5AB}" dt="2022-02-01T15:55:07.445" v="1486" actId="26606"/>
+        <pc:cxnChg chg="add del">
+          <ac:chgData name="Simone C." userId="7045388030d0df92" providerId="LiveId" clId="{46AFDE5B-45EF-4024-A2D1-D9047B07C5AB}" dt="2022-02-07T16:14:21.700" v="1960" actId="26606"/>
           <ac:cxnSpMkLst>
             <pc:docMk/>
             <pc:sldMk cId="2830784333" sldId="268"/>
             <ac:cxnSpMk id="330" creationId="{60D684A0-E660-4ADE-B287-AD9ED433F006}"/>
           </ac:cxnSpMkLst>
         </pc:cxnChg>
-        <pc:cxnChg chg="add">
-          <ac:chgData name="Simone C." userId="7045388030d0df92" providerId="LiveId" clId="{46AFDE5B-45EF-4024-A2D1-D9047B07C5AB}" dt="2022-02-01T15:55:07.445" v="1486" actId="26606"/>
+        <pc:cxnChg chg="add del">
+          <ac:chgData name="Simone C." userId="7045388030d0df92" providerId="LiveId" clId="{46AFDE5B-45EF-4024-A2D1-D9047B07C5AB}" dt="2022-02-07T16:14:21.700" v="1960" actId="26606"/>
           <ac:cxnSpMkLst>
             <pc:docMk/>
             <pc:sldMk cId="2830784333" sldId="268"/>
             <ac:cxnSpMk id="331" creationId="{D209B111-BF6F-45BE-9285-2859F44FD787}"/>
           </ac:cxnSpMkLst>
         </pc:cxnChg>
-        <pc:cxnChg chg="add">
-          <ac:chgData name="Simone C." userId="7045388030d0df92" providerId="LiveId" clId="{46AFDE5B-45EF-4024-A2D1-D9047B07C5AB}" dt="2022-02-01T15:55:07.445" v="1486" actId="26606"/>
+        <pc:cxnChg chg="add del">
+          <ac:chgData name="Simone C." userId="7045388030d0df92" providerId="LiveId" clId="{46AFDE5B-45EF-4024-A2D1-D9047B07C5AB}" dt="2022-02-07T16:14:21.700" v="1960" actId="26606"/>
           <ac:cxnSpMkLst>
             <pc:docMk/>
             <pc:sldMk cId="2830784333" sldId="268"/>
             <ac:cxnSpMk id="334" creationId="{70A1997B-716A-4385-8D1D-E873EED1862A}"/>
           </ac:cxnSpMkLst>
         </pc:cxnChg>
-        <pc:cxnChg chg="add">
-          <ac:chgData name="Simone C." userId="7045388030d0df92" providerId="LiveId" clId="{46AFDE5B-45EF-4024-A2D1-D9047B07C5AB}" dt="2022-02-01T15:55:07.445" v="1486" actId="26606"/>
+        <pc:cxnChg chg="add del">
+          <ac:chgData name="Simone C." userId="7045388030d0df92" providerId="LiveId" clId="{46AFDE5B-45EF-4024-A2D1-D9047B07C5AB}" dt="2022-02-07T16:14:21.700" v="1960" actId="26606"/>
           <ac:cxnSpMkLst>
             <pc:docMk/>
             <pc:sldMk cId="2830784333" sldId="268"/>
             <ac:cxnSpMk id="335" creationId="{CD3A9753-EB27-482A-AEB3-D49D74475DB3}"/>
+          </ac:cxnSpMkLst>
+        </pc:cxnChg>
+        <pc:cxnChg chg="add del">
+          <ac:chgData name="Simone C." userId="7045388030d0df92" providerId="LiveId" clId="{46AFDE5B-45EF-4024-A2D1-D9047B07C5AB}" dt="2022-02-07T16:13:22.464" v="1920" actId="26606"/>
+          <ac:cxnSpMkLst>
+            <pc:docMk/>
+            <pc:sldMk cId="2830784333" sldId="268"/>
+            <ac:cxnSpMk id="341" creationId="{52CA484F-07C5-42A1-91C8-EB87769CFAAD}"/>
+          </ac:cxnSpMkLst>
+        </pc:cxnChg>
+        <pc:cxnChg chg="add del">
+          <ac:chgData name="Simone C." userId="7045388030d0df92" providerId="LiveId" clId="{46AFDE5B-45EF-4024-A2D1-D9047B07C5AB}" dt="2022-02-07T16:13:22.464" v="1920" actId="26606"/>
+          <ac:cxnSpMkLst>
+            <pc:docMk/>
+            <pc:sldMk cId="2830784333" sldId="268"/>
+            <ac:cxnSpMk id="342" creationId="{FA0B7BC1-406F-41D7-BA81-1A9768481DA0}"/>
+          </ac:cxnSpMkLst>
+        </pc:cxnChg>
+        <pc:cxnChg chg="add del">
+          <ac:chgData name="Simone C." userId="7045388030d0df92" providerId="LiveId" clId="{46AFDE5B-45EF-4024-A2D1-D9047B07C5AB}" dt="2022-02-07T16:13:22.464" v="1920" actId="26606"/>
+          <ac:cxnSpMkLst>
+            <pc:docMk/>
+            <pc:sldMk cId="2830784333" sldId="268"/>
+            <ac:cxnSpMk id="343" creationId="{34B0E89A-03C2-4F68-8E43-A1EE5848C573}"/>
+          </ac:cxnSpMkLst>
+        </pc:cxnChg>
+        <pc:cxnChg chg="add del">
+          <ac:chgData name="Simone C." userId="7045388030d0df92" providerId="LiveId" clId="{46AFDE5B-45EF-4024-A2D1-D9047B07C5AB}" dt="2022-02-07T16:13:22.464" v="1920" actId="26606"/>
+          <ac:cxnSpMkLst>
+            <pc:docMk/>
+            <pc:sldMk cId="2830784333" sldId="268"/>
+            <ac:cxnSpMk id="344" creationId="{38F51752-E40A-4F91-8684-28990BF641CD}"/>
+          </ac:cxnSpMkLst>
+        </pc:cxnChg>
+        <pc:cxnChg chg="add del">
+          <ac:chgData name="Simone C." userId="7045388030d0df92" providerId="LiveId" clId="{46AFDE5B-45EF-4024-A2D1-D9047B07C5AB}" dt="2022-02-07T16:13:23.826" v="1922" actId="26606"/>
+          <ac:cxnSpMkLst>
+            <pc:docMk/>
+            <pc:sldMk cId="2830784333" sldId="268"/>
+            <ac:cxnSpMk id="356" creationId="{52CA484F-07C5-42A1-91C8-EB87769CFAAD}"/>
+          </ac:cxnSpMkLst>
+        </pc:cxnChg>
+        <pc:cxnChg chg="add del">
+          <ac:chgData name="Simone C." userId="7045388030d0df92" providerId="LiveId" clId="{46AFDE5B-45EF-4024-A2D1-D9047B07C5AB}" dt="2022-02-07T16:13:23.826" v="1922" actId="26606"/>
+          <ac:cxnSpMkLst>
+            <pc:docMk/>
+            <pc:sldMk cId="2830784333" sldId="268"/>
+            <ac:cxnSpMk id="357" creationId="{FA0B7BC1-406F-41D7-BA81-1A9768481DA0}"/>
+          </ac:cxnSpMkLst>
+        </pc:cxnChg>
+        <pc:cxnChg chg="add del">
+          <ac:chgData name="Simone C." userId="7045388030d0df92" providerId="LiveId" clId="{46AFDE5B-45EF-4024-A2D1-D9047B07C5AB}" dt="2022-02-07T16:13:23.826" v="1922" actId="26606"/>
+          <ac:cxnSpMkLst>
+            <pc:docMk/>
+            <pc:sldMk cId="2830784333" sldId="268"/>
+            <ac:cxnSpMk id="358" creationId="{34B0E89A-03C2-4F68-8E43-A1EE5848C573}"/>
+          </ac:cxnSpMkLst>
+        </pc:cxnChg>
+        <pc:cxnChg chg="add del">
+          <ac:chgData name="Simone C." userId="7045388030d0df92" providerId="LiveId" clId="{46AFDE5B-45EF-4024-A2D1-D9047B07C5AB}" dt="2022-02-07T16:13:23.826" v="1922" actId="26606"/>
+          <ac:cxnSpMkLst>
+            <pc:docMk/>
+            <pc:sldMk cId="2830784333" sldId="268"/>
+            <ac:cxnSpMk id="359" creationId="{CA1BE3BA-0960-47B3-8902-9DAF7C3B450A}"/>
+          </ac:cxnSpMkLst>
+        </pc:cxnChg>
+        <pc:cxnChg chg="add del">
+          <ac:chgData name="Simone C." userId="7045388030d0df92" providerId="LiveId" clId="{46AFDE5B-45EF-4024-A2D1-D9047B07C5AB}" dt="2022-02-07T16:13:23.826" v="1922" actId="26606"/>
+          <ac:cxnSpMkLst>
+            <pc:docMk/>
+            <pc:sldMk cId="2830784333" sldId="268"/>
+            <ac:cxnSpMk id="360" creationId="{38F51752-E40A-4F91-8684-28990BF641CD}"/>
+          </ac:cxnSpMkLst>
+        </pc:cxnChg>
+        <pc:cxnChg chg="add del">
+          <ac:chgData name="Simone C." userId="7045388030d0df92" providerId="LiveId" clId="{46AFDE5B-45EF-4024-A2D1-D9047B07C5AB}" dt="2022-02-07T16:13:24.981" v="1924" actId="26606"/>
+          <ac:cxnSpMkLst>
+            <pc:docMk/>
+            <pc:sldMk cId="2830784333" sldId="268"/>
+            <ac:cxnSpMk id="370" creationId="{52CA484F-07C5-42A1-91C8-EB87769CFAAD}"/>
+          </ac:cxnSpMkLst>
+        </pc:cxnChg>
+        <pc:cxnChg chg="add del">
+          <ac:chgData name="Simone C." userId="7045388030d0df92" providerId="LiveId" clId="{46AFDE5B-45EF-4024-A2D1-D9047B07C5AB}" dt="2022-02-07T16:13:24.981" v="1924" actId="26606"/>
+          <ac:cxnSpMkLst>
+            <pc:docMk/>
+            <pc:sldMk cId="2830784333" sldId="268"/>
+            <ac:cxnSpMk id="371" creationId="{FA0B7BC1-406F-41D7-BA81-1A9768481DA0}"/>
+          </ac:cxnSpMkLst>
+        </pc:cxnChg>
+        <pc:cxnChg chg="add del">
+          <ac:chgData name="Simone C." userId="7045388030d0df92" providerId="LiveId" clId="{46AFDE5B-45EF-4024-A2D1-D9047B07C5AB}" dt="2022-02-07T16:13:24.981" v="1924" actId="26606"/>
+          <ac:cxnSpMkLst>
+            <pc:docMk/>
+            <pc:sldMk cId="2830784333" sldId="268"/>
+            <ac:cxnSpMk id="372" creationId="{34B0E89A-03C2-4F68-8E43-A1EE5848C573}"/>
+          </ac:cxnSpMkLst>
+        </pc:cxnChg>
+        <pc:cxnChg chg="add del">
+          <ac:chgData name="Simone C." userId="7045388030d0df92" providerId="LiveId" clId="{46AFDE5B-45EF-4024-A2D1-D9047B07C5AB}" dt="2022-02-07T16:13:24.981" v="1924" actId="26606"/>
+          <ac:cxnSpMkLst>
+            <pc:docMk/>
+            <pc:sldMk cId="2830784333" sldId="268"/>
+            <ac:cxnSpMk id="373" creationId="{CA1BE3BA-0960-47B3-8902-9DAF7C3B450A}"/>
+          </ac:cxnSpMkLst>
+        </pc:cxnChg>
+        <pc:cxnChg chg="add del">
+          <ac:chgData name="Simone C." userId="7045388030d0df92" providerId="LiveId" clId="{46AFDE5B-45EF-4024-A2D1-D9047B07C5AB}" dt="2022-02-07T16:13:24.981" v="1924" actId="26606"/>
+          <ac:cxnSpMkLst>
+            <pc:docMk/>
+            <pc:sldMk cId="2830784333" sldId="268"/>
+            <ac:cxnSpMk id="374" creationId="{38F51752-E40A-4F91-8684-28990BF641CD}"/>
+          </ac:cxnSpMkLst>
+        </pc:cxnChg>
+        <pc:cxnChg chg="add del">
+          <ac:chgData name="Simone C." userId="7045388030d0df92" providerId="LiveId" clId="{46AFDE5B-45EF-4024-A2D1-D9047B07C5AB}" dt="2022-02-07T16:13:26.301" v="1926" actId="26606"/>
+          <ac:cxnSpMkLst>
+            <pc:docMk/>
+            <pc:sldMk cId="2830784333" sldId="268"/>
+            <ac:cxnSpMk id="380" creationId="{5B21A5B4-3BC7-44E5-85B1-A330BF2D2FCC}"/>
+          </ac:cxnSpMkLst>
+        </pc:cxnChg>
+        <pc:cxnChg chg="add del">
+          <ac:chgData name="Simone C." userId="7045388030d0df92" providerId="LiveId" clId="{46AFDE5B-45EF-4024-A2D1-D9047B07C5AB}" dt="2022-02-07T16:13:26.301" v="1926" actId="26606"/>
+          <ac:cxnSpMkLst>
+            <pc:docMk/>
+            <pc:sldMk cId="2830784333" sldId="268"/>
+            <ac:cxnSpMk id="381" creationId="{7B10F641-148A-47F7-B5A8-F054655BF155}"/>
+          </ac:cxnSpMkLst>
+        </pc:cxnChg>
+        <pc:cxnChg chg="add del">
+          <ac:chgData name="Simone C." userId="7045388030d0df92" providerId="LiveId" clId="{46AFDE5B-45EF-4024-A2D1-D9047B07C5AB}" dt="2022-02-07T16:13:26.301" v="1926" actId="26606"/>
+          <ac:cxnSpMkLst>
+            <pc:docMk/>
+            <pc:sldMk cId="2830784333" sldId="268"/>
+            <ac:cxnSpMk id="382" creationId="{5A0B2B99-5577-4EC2-B81C-F11692989828}"/>
+          </ac:cxnSpMkLst>
+        </pc:cxnChg>
+        <pc:cxnChg chg="add del">
+          <ac:chgData name="Simone C." userId="7045388030d0df92" providerId="LiveId" clId="{46AFDE5B-45EF-4024-A2D1-D9047B07C5AB}" dt="2022-02-07T16:13:26.301" v="1926" actId="26606"/>
+          <ac:cxnSpMkLst>
+            <pc:docMk/>
+            <pc:sldMk cId="2830784333" sldId="268"/>
+            <ac:cxnSpMk id="383" creationId="{E98F5047-C75D-49E0-BEC2-5C27DA57C559}"/>
+          </ac:cxnSpMkLst>
+        </pc:cxnChg>
+        <pc:cxnChg chg="add del">
+          <ac:chgData name="Simone C." userId="7045388030d0df92" providerId="LiveId" clId="{46AFDE5B-45EF-4024-A2D1-D9047B07C5AB}" dt="2022-02-07T16:13:26.301" v="1926" actId="26606"/>
+          <ac:cxnSpMkLst>
+            <pc:docMk/>
+            <pc:sldMk cId="2830784333" sldId="268"/>
+            <ac:cxnSpMk id="384" creationId="{4DDD9374-F0B8-48A8-B4F6-40DFD47D1C43}"/>
+          </ac:cxnSpMkLst>
+        </pc:cxnChg>
+        <pc:cxnChg chg="add del">
+          <ac:chgData name="Simone C." userId="7045388030d0df92" providerId="LiveId" clId="{46AFDE5B-45EF-4024-A2D1-D9047B07C5AB}" dt="2022-02-07T16:13:30.705" v="1928" actId="26606"/>
+          <ac:cxnSpMkLst>
+            <pc:docMk/>
+            <pc:sldMk cId="2830784333" sldId="268"/>
+            <ac:cxnSpMk id="396" creationId="{A3EFDC14-6007-40A0-8AE1-BAE81F1E6D23}"/>
+          </ac:cxnSpMkLst>
+        </pc:cxnChg>
+        <pc:cxnChg chg="add del">
+          <ac:chgData name="Simone C." userId="7045388030d0df92" providerId="LiveId" clId="{46AFDE5B-45EF-4024-A2D1-D9047B07C5AB}" dt="2022-02-07T16:13:30.705" v="1928" actId="26606"/>
+          <ac:cxnSpMkLst>
+            <pc:docMk/>
+            <pc:sldMk cId="2830784333" sldId="268"/>
+            <ac:cxnSpMk id="397" creationId="{BECDD5BA-8DDC-4AE9-83AF-D786575CBB4E}"/>
+          </ac:cxnSpMkLst>
+        </pc:cxnChg>
+        <pc:cxnChg chg="add del">
+          <ac:chgData name="Simone C." userId="7045388030d0df92" providerId="LiveId" clId="{46AFDE5B-45EF-4024-A2D1-D9047B07C5AB}" dt="2022-02-07T16:13:30.705" v="1928" actId="26606"/>
+          <ac:cxnSpMkLst>
+            <pc:docMk/>
+            <pc:sldMk cId="2830784333" sldId="268"/>
+            <ac:cxnSpMk id="398" creationId="{40AABB63-31C8-45F0-B7A8-725E51D980E9}"/>
+          </ac:cxnSpMkLst>
+        </pc:cxnChg>
+        <pc:cxnChg chg="add del">
+          <ac:chgData name="Simone C." userId="7045388030d0df92" providerId="LiveId" clId="{46AFDE5B-45EF-4024-A2D1-D9047B07C5AB}" dt="2022-02-07T16:13:30.705" v="1928" actId="26606"/>
+          <ac:cxnSpMkLst>
+            <pc:docMk/>
+            <pc:sldMk cId="2830784333" sldId="268"/>
+            <ac:cxnSpMk id="399" creationId="{60D684A0-E660-4ADE-B287-AD9ED433F006}"/>
+          </ac:cxnSpMkLst>
+        </pc:cxnChg>
+        <pc:cxnChg chg="add del">
+          <ac:chgData name="Simone C." userId="7045388030d0df92" providerId="LiveId" clId="{46AFDE5B-45EF-4024-A2D1-D9047B07C5AB}" dt="2022-02-07T16:13:30.705" v="1928" actId="26606"/>
+          <ac:cxnSpMkLst>
+            <pc:docMk/>
+            <pc:sldMk cId="2830784333" sldId="268"/>
+            <ac:cxnSpMk id="400" creationId="{D209B111-BF6F-45BE-9285-2859F44FD787}"/>
+          </ac:cxnSpMkLst>
+        </pc:cxnChg>
+        <pc:cxnChg chg="add del">
+          <ac:chgData name="Simone C." userId="7045388030d0df92" providerId="LiveId" clId="{46AFDE5B-45EF-4024-A2D1-D9047B07C5AB}" dt="2022-02-07T16:13:34.873" v="1930" actId="26606"/>
+          <ac:cxnSpMkLst>
+            <pc:docMk/>
+            <pc:sldMk cId="2830784333" sldId="268"/>
+            <ac:cxnSpMk id="410" creationId="{A3EFDC14-6007-40A0-8AE1-BAE81F1E6D23}"/>
+          </ac:cxnSpMkLst>
+        </pc:cxnChg>
+        <pc:cxnChg chg="add del">
+          <ac:chgData name="Simone C." userId="7045388030d0df92" providerId="LiveId" clId="{46AFDE5B-45EF-4024-A2D1-D9047B07C5AB}" dt="2022-02-07T16:13:34.873" v="1930" actId="26606"/>
+          <ac:cxnSpMkLst>
+            <pc:docMk/>
+            <pc:sldMk cId="2830784333" sldId="268"/>
+            <ac:cxnSpMk id="411" creationId="{BECDD5BA-8DDC-4AE9-83AF-D786575CBB4E}"/>
+          </ac:cxnSpMkLst>
+        </pc:cxnChg>
+        <pc:cxnChg chg="add del">
+          <ac:chgData name="Simone C." userId="7045388030d0df92" providerId="LiveId" clId="{46AFDE5B-45EF-4024-A2D1-D9047B07C5AB}" dt="2022-02-07T16:13:34.873" v="1930" actId="26606"/>
+          <ac:cxnSpMkLst>
+            <pc:docMk/>
+            <pc:sldMk cId="2830784333" sldId="268"/>
+            <ac:cxnSpMk id="412" creationId="{40AABB63-31C8-45F0-B7A8-725E51D980E9}"/>
+          </ac:cxnSpMkLst>
+        </pc:cxnChg>
+        <pc:cxnChg chg="add del">
+          <ac:chgData name="Simone C." userId="7045388030d0df92" providerId="LiveId" clId="{46AFDE5B-45EF-4024-A2D1-D9047B07C5AB}" dt="2022-02-07T16:13:34.873" v="1930" actId="26606"/>
+          <ac:cxnSpMkLst>
+            <pc:docMk/>
+            <pc:sldMk cId="2830784333" sldId="268"/>
+            <ac:cxnSpMk id="413" creationId="{60D684A0-E660-4ADE-B287-AD9ED433F006}"/>
+          </ac:cxnSpMkLst>
+        </pc:cxnChg>
+        <pc:cxnChg chg="add del">
+          <ac:chgData name="Simone C." userId="7045388030d0df92" providerId="LiveId" clId="{46AFDE5B-45EF-4024-A2D1-D9047B07C5AB}" dt="2022-02-07T16:13:34.873" v="1930" actId="26606"/>
+          <ac:cxnSpMkLst>
+            <pc:docMk/>
+            <pc:sldMk cId="2830784333" sldId="268"/>
+            <ac:cxnSpMk id="414" creationId="{D209B111-BF6F-45BE-9285-2859F44FD787}"/>
+          </ac:cxnSpMkLst>
+        </pc:cxnChg>
+        <pc:cxnChg chg="add del">
+          <ac:chgData name="Simone C." userId="7045388030d0df92" providerId="LiveId" clId="{46AFDE5B-45EF-4024-A2D1-D9047B07C5AB}" dt="2022-02-07T16:13:36.391" v="1932" actId="26606"/>
+          <ac:cxnSpMkLst>
+            <pc:docMk/>
+            <pc:sldMk cId="2830784333" sldId="268"/>
+            <ac:cxnSpMk id="423" creationId="{52CA484F-07C5-42A1-91C8-EB87769CFAAD}"/>
+          </ac:cxnSpMkLst>
+        </pc:cxnChg>
+        <pc:cxnChg chg="add del">
+          <ac:chgData name="Simone C." userId="7045388030d0df92" providerId="LiveId" clId="{46AFDE5B-45EF-4024-A2D1-D9047B07C5AB}" dt="2022-02-07T16:13:36.391" v="1932" actId="26606"/>
+          <ac:cxnSpMkLst>
+            <pc:docMk/>
+            <pc:sldMk cId="2830784333" sldId="268"/>
+            <ac:cxnSpMk id="424" creationId="{FA0B7BC1-406F-41D7-BA81-1A9768481DA0}"/>
+          </ac:cxnSpMkLst>
+        </pc:cxnChg>
+        <pc:cxnChg chg="add del">
+          <ac:chgData name="Simone C." userId="7045388030d0df92" providerId="LiveId" clId="{46AFDE5B-45EF-4024-A2D1-D9047B07C5AB}" dt="2022-02-07T16:13:36.391" v="1932" actId="26606"/>
+          <ac:cxnSpMkLst>
+            <pc:docMk/>
+            <pc:sldMk cId="2830784333" sldId="268"/>
+            <ac:cxnSpMk id="425" creationId="{34B0E89A-03C2-4F68-8E43-A1EE5848C573}"/>
+          </ac:cxnSpMkLst>
+        </pc:cxnChg>
+        <pc:cxnChg chg="add del">
+          <ac:chgData name="Simone C." userId="7045388030d0df92" providerId="LiveId" clId="{46AFDE5B-45EF-4024-A2D1-D9047B07C5AB}" dt="2022-02-07T16:13:36.391" v="1932" actId="26606"/>
+          <ac:cxnSpMkLst>
+            <pc:docMk/>
+            <pc:sldMk cId="2830784333" sldId="268"/>
+            <ac:cxnSpMk id="426" creationId="{CA1BE3BA-0960-47B3-8902-9DAF7C3B450A}"/>
+          </ac:cxnSpMkLst>
+        </pc:cxnChg>
+        <pc:cxnChg chg="add del">
+          <ac:chgData name="Simone C." userId="7045388030d0df92" providerId="LiveId" clId="{46AFDE5B-45EF-4024-A2D1-D9047B07C5AB}" dt="2022-02-07T16:13:36.391" v="1932" actId="26606"/>
+          <ac:cxnSpMkLst>
+            <pc:docMk/>
+            <pc:sldMk cId="2830784333" sldId="268"/>
+            <ac:cxnSpMk id="427" creationId="{38F51752-E40A-4F91-8684-28990BF641CD}"/>
+          </ac:cxnSpMkLst>
+        </pc:cxnChg>
+        <pc:cxnChg chg="add del">
+          <ac:chgData name="Simone C." userId="7045388030d0df92" providerId="LiveId" clId="{46AFDE5B-45EF-4024-A2D1-D9047B07C5AB}" dt="2022-02-07T16:13:38.118" v="1934" actId="26606"/>
+          <ac:cxnSpMkLst>
+            <pc:docMk/>
+            <pc:sldMk cId="2830784333" sldId="268"/>
+            <ac:cxnSpMk id="437" creationId="{5B21A5B4-3BC7-44E5-85B1-A330BF2D2FCC}"/>
+          </ac:cxnSpMkLst>
+        </pc:cxnChg>
+        <pc:cxnChg chg="add del">
+          <ac:chgData name="Simone C." userId="7045388030d0df92" providerId="LiveId" clId="{46AFDE5B-45EF-4024-A2D1-D9047B07C5AB}" dt="2022-02-07T16:13:38.118" v="1934" actId="26606"/>
+          <ac:cxnSpMkLst>
+            <pc:docMk/>
+            <pc:sldMk cId="2830784333" sldId="268"/>
+            <ac:cxnSpMk id="438" creationId="{7B10F641-148A-47F7-B5A8-F054655BF155}"/>
+          </ac:cxnSpMkLst>
+        </pc:cxnChg>
+        <pc:cxnChg chg="add del">
+          <ac:chgData name="Simone C." userId="7045388030d0df92" providerId="LiveId" clId="{46AFDE5B-45EF-4024-A2D1-D9047B07C5AB}" dt="2022-02-07T16:13:38.118" v="1934" actId="26606"/>
+          <ac:cxnSpMkLst>
+            <pc:docMk/>
+            <pc:sldMk cId="2830784333" sldId="268"/>
+            <ac:cxnSpMk id="439" creationId="{5A0B2B99-5577-4EC2-B81C-F11692989828}"/>
+          </ac:cxnSpMkLst>
+        </pc:cxnChg>
+        <pc:cxnChg chg="add del">
+          <ac:chgData name="Simone C." userId="7045388030d0df92" providerId="LiveId" clId="{46AFDE5B-45EF-4024-A2D1-D9047B07C5AB}" dt="2022-02-07T16:13:38.118" v="1934" actId="26606"/>
+          <ac:cxnSpMkLst>
+            <pc:docMk/>
+            <pc:sldMk cId="2830784333" sldId="268"/>
+            <ac:cxnSpMk id="440" creationId="{E98F5047-C75D-49E0-BEC2-5C27DA57C559}"/>
+          </ac:cxnSpMkLst>
+        </pc:cxnChg>
+        <pc:cxnChg chg="add del">
+          <ac:chgData name="Simone C." userId="7045388030d0df92" providerId="LiveId" clId="{46AFDE5B-45EF-4024-A2D1-D9047B07C5AB}" dt="2022-02-07T16:13:38.118" v="1934" actId="26606"/>
+          <ac:cxnSpMkLst>
+            <pc:docMk/>
+            <pc:sldMk cId="2830784333" sldId="268"/>
+            <ac:cxnSpMk id="441" creationId="{4DDD9374-F0B8-48A8-B4F6-40DFD47D1C43}"/>
+          </ac:cxnSpMkLst>
+        </pc:cxnChg>
+        <pc:cxnChg chg="add del">
+          <ac:chgData name="Simone C." userId="7045388030d0df92" providerId="LiveId" clId="{46AFDE5B-45EF-4024-A2D1-D9047B07C5AB}" dt="2022-02-07T16:14:21.700" v="1960" actId="26606"/>
+          <ac:cxnSpMkLst>
+            <pc:docMk/>
+            <pc:sldMk cId="2830784333" sldId="268"/>
+            <ac:cxnSpMk id="453" creationId="{52CA484F-07C5-42A1-91C8-EB87769CFAAD}"/>
+          </ac:cxnSpMkLst>
+        </pc:cxnChg>
+        <pc:cxnChg chg="add del">
+          <ac:chgData name="Simone C." userId="7045388030d0df92" providerId="LiveId" clId="{46AFDE5B-45EF-4024-A2D1-D9047B07C5AB}" dt="2022-02-07T16:14:21.700" v="1960" actId="26606"/>
+          <ac:cxnSpMkLst>
+            <pc:docMk/>
+            <pc:sldMk cId="2830784333" sldId="268"/>
+            <ac:cxnSpMk id="454" creationId="{FA0B7BC1-406F-41D7-BA81-1A9768481DA0}"/>
+          </ac:cxnSpMkLst>
+        </pc:cxnChg>
+        <pc:cxnChg chg="add del">
+          <ac:chgData name="Simone C." userId="7045388030d0df92" providerId="LiveId" clId="{46AFDE5B-45EF-4024-A2D1-D9047B07C5AB}" dt="2022-02-07T16:14:21.700" v="1960" actId="26606"/>
+          <ac:cxnSpMkLst>
+            <pc:docMk/>
+            <pc:sldMk cId="2830784333" sldId="268"/>
+            <ac:cxnSpMk id="455" creationId="{34B0E89A-03C2-4F68-8E43-A1EE5848C573}"/>
+          </ac:cxnSpMkLst>
+        </pc:cxnChg>
+        <pc:cxnChg chg="add del">
+          <ac:chgData name="Simone C." userId="7045388030d0df92" providerId="LiveId" clId="{46AFDE5B-45EF-4024-A2D1-D9047B07C5AB}" dt="2022-02-07T16:14:21.700" v="1960" actId="26606"/>
+          <ac:cxnSpMkLst>
+            <pc:docMk/>
+            <pc:sldMk cId="2830784333" sldId="268"/>
+            <ac:cxnSpMk id="456" creationId="{CA1BE3BA-0960-47B3-8902-9DAF7C3B450A}"/>
+          </ac:cxnSpMkLst>
+        </pc:cxnChg>
+        <pc:cxnChg chg="add del">
+          <ac:chgData name="Simone C." userId="7045388030d0df92" providerId="LiveId" clId="{46AFDE5B-45EF-4024-A2D1-D9047B07C5AB}" dt="2022-02-07T16:14:21.700" v="1960" actId="26606"/>
+          <ac:cxnSpMkLst>
+            <pc:docMk/>
+            <pc:sldMk cId="2830784333" sldId="268"/>
+            <ac:cxnSpMk id="457" creationId="{38F51752-E40A-4F91-8684-28990BF641CD}"/>
+          </ac:cxnSpMkLst>
+        </pc:cxnChg>
+        <pc:cxnChg chg="add del">
+          <ac:chgData name="Simone C." userId="7045388030d0df92" providerId="LiveId" clId="{46AFDE5B-45EF-4024-A2D1-D9047B07C5AB}" dt="2022-02-07T16:14:15.641" v="1945" actId="26606"/>
+          <ac:cxnSpMkLst>
+            <pc:docMk/>
+            <pc:sldMk cId="2830784333" sldId="268"/>
+            <ac:cxnSpMk id="463" creationId="{A3EFDC14-6007-40A0-8AE1-BAE81F1E6D23}"/>
+          </ac:cxnSpMkLst>
+        </pc:cxnChg>
+        <pc:cxnChg chg="add del">
+          <ac:chgData name="Simone C." userId="7045388030d0df92" providerId="LiveId" clId="{46AFDE5B-45EF-4024-A2D1-D9047B07C5AB}" dt="2022-02-07T16:14:15.641" v="1945" actId="26606"/>
+          <ac:cxnSpMkLst>
+            <pc:docMk/>
+            <pc:sldMk cId="2830784333" sldId="268"/>
+            <ac:cxnSpMk id="464" creationId="{BECDD5BA-8DDC-4AE9-83AF-D786575CBB4E}"/>
+          </ac:cxnSpMkLst>
+        </pc:cxnChg>
+        <pc:cxnChg chg="add del">
+          <ac:chgData name="Simone C." userId="7045388030d0df92" providerId="LiveId" clId="{46AFDE5B-45EF-4024-A2D1-D9047B07C5AB}" dt="2022-02-07T16:14:15.641" v="1945" actId="26606"/>
+          <ac:cxnSpMkLst>
+            <pc:docMk/>
+            <pc:sldMk cId="2830784333" sldId="268"/>
+            <ac:cxnSpMk id="465" creationId="{D209B111-BF6F-45BE-9285-2859F44FD787}"/>
+          </ac:cxnSpMkLst>
+        </pc:cxnChg>
+        <pc:cxnChg chg="add del">
+          <ac:chgData name="Simone C." userId="7045388030d0df92" providerId="LiveId" clId="{46AFDE5B-45EF-4024-A2D1-D9047B07C5AB}" dt="2022-02-07T16:14:16.649" v="1947" actId="26606"/>
+          <ac:cxnSpMkLst>
+            <pc:docMk/>
+            <pc:sldMk cId="2830784333" sldId="268"/>
+            <ac:cxnSpMk id="471" creationId="{52CA484F-07C5-42A1-91C8-EB87769CFAAD}"/>
+          </ac:cxnSpMkLst>
+        </pc:cxnChg>
+        <pc:cxnChg chg="add del">
+          <ac:chgData name="Simone C." userId="7045388030d0df92" providerId="LiveId" clId="{46AFDE5B-45EF-4024-A2D1-D9047B07C5AB}" dt="2022-02-07T16:14:16.649" v="1947" actId="26606"/>
+          <ac:cxnSpMkLst>
+            <pc:docMk/>
+            <pc:sldMk cId="2830784333" sldId="268"/>
+            <ac:cxnSpMk id="472" creationId="{FA0B7BC1-406F-41D7-BA81-1A9768481DA0}"/>
+          </ac:cxnSpMkLst>
+        </pc:cxnChg>
+        <pc:cxnChg chg="add del">
+          <ac:chgData name="Simone C." userId="7045388030d0df92" providerId="LiveId" clId="{46AFDE5B-45EF-4024-A2D1-D9047B07C5AB}" dt="2022-02-07T16:14:16.649" v="1947" actId="26606"/>
+          <ac:cxnSpMkLst>
+            <pc:docMk/>
+            <pc:sldMk cId="2830784333" sldId="268"/>
+            <ac:cxnSpMk id="473" creationId="{34B0E89A-03C2-4F68-8E43-A1EE5848C573}"/>
+          </ac:cxnSpMkLst>
+        </pc:cxnChg>
+        <pc:cxnChg chg="add del">
+          <ac:chgData name="Simone C." userId="7045388030d0df92" providerId="LiveId" clId="{46AFDE5B-45EF-4024-A2D1-D9047B07C5AB}" dt="2022-02-07T16:14:16.649" v="1947" actId="26606"/>
+          <ac:cxnSpMkLst>
+            <pc:docMk/>
+            <pc:sldMk cId="2830784333" sldId="268"/>
+            <ac:cxnSpMk id="474" creationId="{CA1BE3BA-0960-47B3-8902-9DAF7C3B450A}"/>
+          </ac:cxnSpMkLst>
+        </pc:cxnChg>
+        <pc:cxnChg chg="add del">
+          <ac:chgData name="Simone C." userId="7045388030d0df92" providerId="LiveId" clId="{46AFDE5B-45EF-4024-A2D1-D9047B07C5AB}" dt="2022-02-07T16:14:16.649" v="1947" actId="26606"/>
+          <ac:cxnSpMkLst>
+            <pc:docMk/>
+            <pc:sldMk cId="2830784333" sldId="268"/>
+            <ac:cxnSpMk id="475" creationId="{38F51752-E40A-4F91-8684-28990BF641CD}"/>
+          </ac:cxnSpMkLst>
+        </pc:cxnChg>
+        <pc:cxnChg chg="add del">
+          <ac:chgData name="Simone C." userId="7045388030d0df92" providerId="LiveId" clId="{46AFDE5B-45EF-4024-A2D1-D9047B07C5AB}" dt="2022-02-07T16:14:18.986" v="1949" actId="26606"/>
+          <ac:cxnSpMkLst>
+            <pc:docMk/>
+            <pc:sldMk cId="2830784333" sldId="268"/>
+            <ac:cxnSpMk id="480" creationId="{A3EFDC14-6007-40A0-8AE1-BAE81F1E6D23}"/>
+          </ac:cxnSpMkLst>
+        </pc:cxnChg>
+        <pc:cxnChg chg="add del">
+          <ac:chgData name="Simone C." userId="7045388030d0df92" providerId="LiveId" clId="{46AFDE5B-45EF-4024-A2D1-D9047B07C5AB}" dt="2022-02-07T16:14:18.986" v="1949" actId="26606"/>
+          <ac:cxnSpMkLst>
+            <pc:docMk/>
+            <pc:sldMk cId="2830784333" sldId="268"/>
+            <ac:cxnSpMk id="481" creationId="{BECDD5BA-8DDC-4AE9-83AF-D786575CBB4E}"/>
+          </ac:cxnSpMkLst>
+        </pc:cxnChg>
+        <pc:cxnChg chg="add del">
+          <ac:chgData name="Simone C." userId="7045388030d0df92" providerId="LiveId" clId="{46AFDE5B-45EF-4024-A2D1-D9047B07C5AB}" dt="2022-02-07T16:14:18.986" v="1949" actId="26606"/>
+          <ac:cxnSpMkLst>
+            <pc:docMk/>
+            <pc:sldMk cId="2830784333" sldId="268"/>
+            <ac:cxnSpMk id="482" creationId="{40AABB63-31C8-45F0-B7A8-725E51D980E9}"/>
+          </ac:cxnSpMkLst>
+        </pc:cxnChg>
+        <pc:cxnChg chg="add del">
+          <ac:chgData name="Simone C." userId="7045388030d0df92" providerId="LiveId" clId="{46AFDE5B-45EF-4024-A2D1-D9047B07C5AB}" dt="2022-02-07T16:14:18.986" v="1949" actId="26606"/>
+          <ac:cxnSpMkLst>
+            <pc:docMk/>
+            <pc:sldMk cId="2830784333" sldId="268"/>
+            <ac:cxnSpMk id="483" creationId="{60D684A0-E660-4ADE-B287-AD9ED433F006}"/>
+          </ac:cxnSpMkLst>
+        </pc:cxnChg>
+        <pc:cxnChg chg="add del">
+          <ac:chgData name="Simone C." userId="7045388030d0df92" providerId="LiveId" clId="{46AFDE5B-45EF-4024-A2D1-D9047B07C5AB}" dt="2022-02-07T16:14:18.986" v="1949" actId="26606"/>
+          <ac:cxnSpMkLst>
+            <pc:docMk/>
+            <pc:sldMk cId="2830784333" sldId="268"/>
+            <ac:cxnSpMk id="484" creationId="{D209B111-BF6F-45BE-9285-2859F44FD787}"/>
+          </ac:cxnSpMkLst>
+        </pc:cxnChg>
+        <pc:cxnChg chg="add del">
+          <ac:chgData name="Simone C." userId="7045388030d0df92" providerId="LiveId" clId="{46AFDE5B-45EF-4024-A2D1-D9047B07C5AB}" dt="2022-02-07T16:14:20.081" v="1951" actId="26606"/>
+          <ac:cxnSpMkLst>
+            <pc:docMk/>
+            <pc:sldMk cId="2830784333" sldId="268"/>
+            <ac:cxnSpMk id="491" creationId="{52CA484F-07C5-42A1-91C8-EB87769CFAAD}"/>
+          </ac:cxnSpMkLst>
+        </pc:cxnChg>
+        <pc:cxnChg chg="add del">
+          <ac:chgData name="Simone C." userId="7045388030d0df92" providerId="LiveId" clId="{46AFDE5B-45EF-4024-A2D1-D9047B07C5AB}" dt="2022-02-07T16:14:20.081" v="1951" actId="26606"/>
+          <ac:cxnSpMkLst>
+            <pc:docMk/>
+            <pc:sldMk cId="2830784333" sldId="268"/>
+            <ac:cxnSpMk id="492" creationId="{FA0B7BC1-406F-41D7-BA81-1A9768481DA0}"/>
+          </ac:cxnSpMkLst>
+        </pc:cxnChg>
+        <pc:cxnChg chg="add del">
+          <ac:chgData name="Simone C." userId="7045388030d0df92" providerId="LiveId" clId="{46AFDE5B-45EF-4024-A2D1-D9047B07C5AB}" dt="2022-02-07T16:14:20.081" v="1951" actId="26606"/>
+          <ac:cxnSpMkLst>
+            <pc:docMk/>
+            <pc:sldMk cId="2830784333" sldId="268"/>
+            <ac:cxnSpMk id="493" creationId="{34B0E89A-03C2-4F68-8E43-A1EE5848C573}"/>
+          </ac:cxnSpMkLst>
+        </pc:cxnChg>
+        <pc:cxnChg chg="add del">
+          <ac:chgData name="Simone C." userId="7045388030d0df92" providerId="LiveId" clId="{46AFDE5B-45EF-4024-A2D1-D9047B07C5AB}" dt="2022-02-07T16:14:20.081" v="1951" actId="26606"/>
+          <ac:cxnSpMkLst>
+            <pc:docMk/>
+            <pc:sldMk cId="2830784333" sldId="268"/>
+            <ac:cxnSpMk id="494" creationId="{CA1BE3BA-0960-47B3-8902-9DAF7C3B450A}"/>
+          </ac:cxnSpMkLst>
+        </pc:cxnChg>
+        <pc:cxnChg chg="add del">
+          <ac:chgData name="Simone C." userId="7045388030d0df92" providerId="LiveId" clId="{46AFDE5B-45EF-4024-A2D1-D9047B07C5AB}" dt="2022-02-07T16:14:20.081" v="1951" actId="26606"/>
+          <ac:cxnSpMkLst>
+            <pc:docMk/>
+            <pc:sldMk cId="2830784333" sldId="268"/>
+            <ac:cxnSpMk id="495" creationId="{38F51752-E40A-4F91-8684-28990BF641CD}"/>
           </ac:cxnSpMkLst>
         </pc:cxnChg>
       </pc:sldChg>
@@ -6046,6 +7198,37 @@
             <ac:cxnSpMk id="55" creationId="{844E9429-C6D1-417A-8981-0B7B938A52CB}"/>
           </ac:cxnSpMkLst>
         </pc:cxnChg>
+      </pc:sldChg>
+      <pc:sldChg chg="delSp modSp new mod">
+        <pc:chgData name="Simone C." userId="7045388030d0df92" providerId="LiveId" clId="{46AFDE5B-45EF-4024-A2D1-D9047B07C5AB}" dt="2022-02-07T16:16:50.264" v="2022" actId="1076"/>
+        <pc:sldMkLst>
+          <pc:docMk/>
+          <pc:sldMk cId="2180062596" sldId="270"/>
+        </pc:sldMkLst>
+        <pc:spChg chg="mod">
+          <ac:chgData name="Simone C." userId="7045388030d0df92" providerId="LiveId" clId="{46AFDE5B-45EF-4024-A2D1-D9047B07C5AB}" dt="2022-02-07T16:16:50.264" v="2022" actId="1076"/>
+          <ac:spMkLst>
+            <pc:docMk/>
+            <pc:sldMk cId="2180062596" sldId="270"/>
+            <ac:spMk id="2" creationId="{54BEA346-E574-4019-9F63-AFE4E134DCA8}"/>
+          </ac:spMkLst>
+        </pc:spChg>
+        <pc:spChg chg="del">
+          <ac:chgData name="Simone C." userId="7045388030d0df92" providerId="LiveId" clId="{46AFDE5B-45EF-4024-A2D1-D9047B07C5AB}" dt="2022-02-07T16:16:11.381" v="2006" actId="478"/>
+          <ac:spMkLst>
+            <pc:docMk/>
+            <pc:sldMk cId="2180062596" sldId="270"/>
+            <ac:spMk id="3" creationId="{B6292D31-7A1F-4CBC-9F06-3B699652C770}"/>
+          </ac:spMkLst>
+        </pc:spChg>
+        <pc:spChg chg="del">
+          <ac:chgData name="Simone C." userId="7045388030d0df92" providerId="LiveId" clId="{46AFDE5B-45EF-4024-A2D1-D9047B07C5AB}" dt="2022-02-07T16:16:12.189" v="2007" actId="478"/>
+          <ac:spMkLst>
+            <pc:docMk/>
+            <pc:sldMk cId="2180062596" sldId="270"/>
+            <ac:spMk id="4" creationId="{0F1E7107-3449-4BC0-A148-61A82AD7E586}"/>
+          </ac:spMkLst>
+        </pc:spChg>
       </pc:sldChg>
     </pc:docChg>
   </pc:docChgLst>
@@ -6242,7 +7425,7 @@
             <a:fld id="{B61BEF0D-F0BB-DE4B-95CE-6DB70DBA9567}" type="datetimeFigureOut">
               <a:rPr lang="en-US" dirty="0"/>
               <a:pPr/>
-              <a:t>2/1/2022</a:t>
+              <a:t>2/8/2022</a:t>
             </a:fld>
             <a:endParaRPr lang="en-US" dirty="0"/>
           </a:p>
@@ -6675,7 +7858,7 @@
             <a:fld id="{B61BEF0D-F0BB-DE4B-95CE-6DB70DBA9567}" type="datetimeFigureOut">
               <a:rPr lang="en-US" dirty="0"/>
               <a:pPr/>
-              <a:t>2/1/2022</a:t>
+              <a:t>2/8/2022</a:t>
             </a:fld>
             <a:endParaRPr lang="en-US" dirty="0"/>
           </a:p>
@@ -6920,7 +8103,7 @@
             <a:fld id="{B61BEF0D-F0BB-DE4B-95CE-6DB70DBA9567}" type="datetimeFigureOut">
               <a:rPr lang="en-US" dirty="0"/>
               <a:pPr/>
-              <a:t>2/1/2022</a:t>
+              <a:t>2/8/2022</a:t>
             </a:fld>
             <a:endParaRPr lang="en-US" dirty="0"/>
           </a:p>
@@ -7223,7 +8406,7 @@
             <a:fld id="{B61BEF0D-F0BB-DE4B-95CE-6DB70DBA9567}" type="datetimeFigureOut">
               <a:rPr lang="en-US" dirty="0"/>
               <a:pPr/>
-              <a:t>2/1/2022</a:t>
+              <a:t>2/8/2022</a:t>
             </a:fld>
             <a:endParaRPr lang="en-US" dirty="0"/>
           </a:p>
@@ -7536,7 +8719,7 @@
             <a:fld id="{B61BEF0D-F0BB-DE4B-95CE-6DB70DBA9567}" type="datetimeFigureOut">
               <a:rPr lang="en-US" dirty="0"/>
               <a:pPr/>
-              <a:t>2/1/2022</a:t>
+              <a:t>2/8/2022</a:t>
             </a:fld>
             <a:endParaRPr lang="en-US" dirty="0"/>
           </a:p>
@@ -7833,7 +9016,7 @@
             <a:fld id="{B61BEF0D-F0BB-DE4B-95CE-6DB70DBA9567}" type="datetimeFigureOut">
               <a:rPr lang="en-US" dirty="0"/>
               <a:pPr/>
-              <a:t>2/1/2022</a:t>
+              <a:t>2/8/2022</a:t>
             </a:fld>
             <a:endParaRPr lang="en-US" dirty="0"/>
           </a:p>
@@ -8195,7 +9378,7 @@
             <a:fld id="{B61BEF0D-F0BB-DE4B-95CE-6DB70DBA9567}" type="datetimeFigureOut">
               <a:rPr lang="en-US" dirty="0"/>
               <a:pPr/>
-              <a:t>2/1/2022</a:t>
+              <a:t>2/8/2022</a:t>
             </a:fld>
             <a:endParaRPr lang="en-US" dirty="0"/>
           </a:p>
@@ -8366,7 +9549,7 @@
             <a:fld id="{B61BEF0D-F0BB-DE4B-95CE-6DB70DBA9567}" type="datetimeFigureOut">
               <a:rPr lang="en-US" dirty="0"/>
               <a:pPr/>
-              <a:t>2/1/2022</a:t>
+              <a:t>2/8/2022</a:t>
             </a:fld>
             <a:endParaRPr lang="en-US" dirty="0"/>
           </a:p>
@@ -8543,7 +9726,7 @@
             <a:fld id="{B61BEF0D-F0BB-DE4B-95CE-6DB70DBA9567}" type="datetimeFigureOut">
               <a:rPr lang="en-US" dirty="0"/>
               <a:pPr/>
-              <a:t>2/1/2022</a:t>
+              <a:t>2/8/2022</a:t>
             </a:fld>
             <a:endParaRPr lang="en-US" dirty="0"/>
           </a:p>
@@ -8710,7 +9893,7 @@
             <a:fld id="{B61BEF0D-F0BB-DE4B-95CE-6DB70DBA9567}" type="datetimeFigureOut">
               <a:rPr lang="en-US" dirty="0"/>
               <a:pPr/>
-              <a:t>2/1/2022</a:t>
+              <a:t>2/8/2022</a:t>
             </a:fld>
             <a:endParaRPr lang="en-US" dirty="0"/>
           </a:p>
@@ -8955,7 +10138,7 @@
             <a:fld id="{B61BEF0D-F0BB-DE4B-95CE-6DB70DBA9567}" type="datetimeFigureOut">
               <a:rPr lang="en-US" dirty="0"/>
               <a:pPr/>
-              <a:t>2/1/2022</a:t>
+              <a:t>2/8/2022</a:t>
             </a:fld>
             <a:endParaRPr lang="en-US" dirty="0"/>
           </a:p>
@@ -9188,7 +10371,7 @@
             <a:fld id="{B61BEF0D-F0BB-DE4B-95CE-6DB70DBA9567}" type="datetimeFigureOut">
               <a:rPr lang="en-US" dirty="0"/>
               <a:pPr/>
-              <a:t>2/1/2022</a:t>
+              <a:t>2/8/2022</a:t>
             </a:fld>
             <a:endParaRPr lang="en-US" dirty="0"/>
           </a:p>
@@ -9567,7 +10750,7 @@
             <a:fld id="{B61BEF0D-F0BB-DE4B-95CE-6DB70DBA9567}" type="datetimeFigureOut">
               <a:rPr lang="en-US" dirty="0"/>
               <a:pPr/>
-              <a:t>2/1/2022</a:t>
+              <a:t>2/8/2022</a:t>
             </a:fld>
             <a:endParaRPr lang="en-US" dirty="0"/>
           </a:p>
@@ -9682,7 +10865,7 @@
             <a:fld id="{B61BEF0D-F0BB-DE4B-95CE-6DB70DBA9567}" type="datetimeFigureOut">
               <a:rPr lang="en-US" dirty="0"/>
               <a:pPr/>
-              <a:t>2/1/2022</a:t>
+              <a:t>2/8/2022</a:t>
             </a:fld>
             <a:endParaRPr lang="en-US" dirty="0"/>
           </a:p>
@@ -9774,7 +10957,7 @@
             <a:fld id="{B61BEF0D-F0BB-DE4B-95CE-6DB70DBA9567}" type="datetimeFigureOut">
               <a:rPr lang="en-US" dirty="0"/>
               <a:pPr/>
-              <a:t>2/1/2022</a:t>
+              <a:t>2/8/2022</a:t>
             </a:fld>
             <a:endParaRPr lang="en-US" dirty="0"/>
           </a:p>
@@ -10026,7 +11209,7 @@
             <a:fld id="{B61BEF0D-F0BB-DE4B-95CE-6DB70DBA9567}" type="datetimeFigureOut">
               <a:rPr lang="en-US" dirty="0"/>
               <a:pPr/>
-              <a:t>2/1/2022</a:t>
+              <a:t>2/8/2022</a:t>
             </a:fld>
             <a:endParaRPr lang="en-US" dirty="0"/>
           </a:p>
@@ -10306,7 +11489,7 @@
             <a:fld id="{B61BEF0D-F0BB-DE4B-95CE-6DB70DBA9567}" type="datetimeFigureOut">
               <a:rPr lang="en-US" dirty="0"/>
               <a:pPr/>
-              <a:t>2/1/2022</a:t>
+              <a:t>2/8/2022</a:t>
             </a:fld>
             <a:endParaRPr lang="en-US" dirty="0"/>
           </a:p>
@@ -10709,7 +11892,7 @@
             <a:fld id="{B61BEF0D-F0BB-DE4B-95CE-6DB70DBA9567}" type="datetimeFigureOut">
               <a:rPr lang="en-US" dirty="0"/>
               <a:pPr/>
-              <a:t>2/1/2022</a:t>
+              <a:t>2/8/2022</a:t>
             </a:fld>
             <a:endParaRPr lang="en-US" dirty="0"/>
           </a:p>
@@ -11245,7 +12428,7 @@
           <a:p>
             <a:r>
               <a:rPr lang="it-IT"/>
-              <a:t>PRESENTAZIONE PROGETTO BFS</a:t>
+              <a:t>PRESENTAZIONE PROGETTO BISF</a:t>
             </a:r>
           </a:p>
         </p:txBody>
@@ -11828,7 +13011,7 @@
         <p:spPr>
           <a:xfrm>
             <a:off x="7532710" y="1822449"/>
-            <a:ext cx="3479419" cy="2922591"/>
+            <a:ext cx="3479419" cy="4085111"/>
           </a:xfrm>
           <a:prstGeom prst="rect">
             <a:avLst/>
@@ -11839,6 +13022,41 @@
             <a:normAutofit/>
           </a:bodyPr>
           <a:lstStyle/>
+          <a:p>
+            <a:pPr>
+              <a:spcBef>
+                <a:spcPct val="20000"/>
+              </a:spcBef>
+              <a:spcAft>
+                <a:spcPts val="600"/>
+              </a:spcAft>
+              <a:buClr>
+                <a:schemeClr val="tx1"/>
+              </a:buClr>
+              <a:buSzPct val="80000"/>
+              <a:buFont typeface="Wingdings 3" panose="05040102010807070707" pitchFamily="18" charset="2"/>
+              <a:buChar char=""/>
+            </a:pPr>
+            <a:r>
+              <a:rPr lang="en-US" sz="1200"/>
+              <a:t>Il CAPM descrive la relazione tra il rischio e l’eccesso di ritorno degli assets.</a:t>
+            </a:r>
+          </a:p>
+          <a:p>
+            <a:pPr>
+              <a:spcBef>
+                <a:spcPct val="20000"/>
+              </a:spcBef>
+              <a:spcAft>
+                <a:spcPts val="600"/>
+              </a:spcAft>
+              <a:buClr>
+                <a:schemeClr val="tx1"/>
+              </a:buClr>
+              <a:buSzPct val="80000"/>
+            </a:pPr>
+            <a:endParaRPr lang="en-US" sz="1200"/>
+          </a:p>
           <a:p>
             <a:pPr>
               <a:spcBef>
@@ -11866,6 +13084,73 @@
               <a:rPr lang="en-US" sz="1200" b="0" i="0"/>
               <a:t>beta di uno strumento finanziario è una misura del suo rischio o della sua volatilità rispetto al mercato.</a:t>
             </a:r>
+            <a:endParaRPr lang="en-US" sz="1200"/>
+          </a:p>
+          <a:p>
+            <a:pPr>
+              <a:spcBef>
+                <a:spcPct val="20000"/>
+              </a:spcBef>
+              <a:spcAft>
+                <a:spcPts val="600"/>
+              </a:spcAft>
+              <a:buClr>
+                <a:schemeClr val="tx1"/>
+              </a:buClr>
+              <a:buSzPct val="80000"/>
+              <a:buFont typeface="Wingdings 3" panose="05040102010807070707" pitchFamily="18" charset="2"/>
+              <a:buChar char=""/>
+            </a:pPr>
+            <a:r>
+              <a:rPr lang="en-US" sz="1200" b="0" i="0"/>
+              <a:t>Se uno strumento ha un B = 1 :  la sua volatilità è uguale a quella del mercato. </a:t>
+            </a:r>
+            <a:endParaRPr lang="en-US" sz="1200"/>
+          </a:p>
+          <a:p>
+            <a:pPr>
+              <a:spcBef>
+                <a:spcPct val="20000"/>
+              </a:spcBef>
+              <a:spcAft>
+                <a:spcPts val="600"/>
+              </a:spcAft>
+              <a:buClr>
+                <a:schemeClr val="tx1"/>
+              </a:buClr>
+              <a:buSzPct val="80000"/>
+              <a:buFont typeface="Wingdings 3" panose="05040102010807070707" pitchFamily="18" charset="2"/>
+              <a:buChar char=""/>
+            </a:pPr>
+            <a:r>
+              <a:rPr lang="en-US" sz="1200" b="0" i="0"/>
+              <a:t>Se B &lt; 1 sarà meno volatile rispetto al mercato</a:t>
+            </a:r>
+            <a:r>
+              <a:rPr lang="en-US" sz="1200"/>
+              <a:t> altrimenti l’opposto.</a:t>
+            </a:r>
+          </a:p>
+          <a:p>
+            <a:pPr>
+              <a:spcBef>
+                <a:spcPct val="20000"/>
+              </a:spcBef>
+              <a:spcAft>
+                <a:spcPts val="600"/>
+              </a:spcAft>
+              <a:buClr>
+                <a:schemeClr val="tx1"/>
+              </a:buClr>
+              <a:buSzPct val="80000"/>
+              <a:buFont typeface="Wingdings 3" panose="05040102010807070707" pitchFamily="18" charset="2"/>
+              <a:buChar char=""/>
+            </a:pPr>
+            <a:r>
+              <a:rPr lang="en-US" sz="1200"/>
+              <a:t>Un’azione che devia molto poco dal mercato aggiunge pochi rischi al portafoglio.</a:t>
+            </a:r>
+            <a:endParaRPr lang="en-US" sz="1200" b="0" i="0"/>
           </a:p>
           <a:p>
             <a:pPr>
@@ -11899,47 +13184,6 @@
               <a:buFont typeface="Wingdings 3" panose="05040102010807070707" pitchFamily="18" charset="2"/>
               <a:buChar char=""/>
             </a:pPr>
-            <a:r>
-              <a:rPr lang="en-US" sz="1200" b="0" i="0"/>
-              <a:t>Se uno strumento ha un B = 1 :  la sua volatilità è uguale a quella del mercato. </a:t>
-            </a:r>
-          </a:p>
-          <a:p>
-            <a:pPr>
-              <a:spcBef>
-                <a:spcPct val="20000"/>
-              </a:spcBef>
-              <a:spcAft>
-                <a:spcPts val="600"/>
-              </a:spcAft>
-              <a:buClr>
-                <a:schemeClr val="tx1"/>
-              </a:buClr>
-              <a:buSzPct val="80000"/>
-              <a:buFont typeface="Wingdings 3" panose="05040102010807070707" pitchFamily="18" charset="2"/>
-              <a:buChar char=""/>
-            </a:pPr>
-            <a:endParaRPr lang="en-US" sz="1200"/>
-          </a:p>
-          <a:p>
-            <a:pPr>
-              <a:spcBef>
-                <a:spcPct val="20000"/>
-              </a:spcBef>
-              <a:spcAft>
-                <a:spcPts val="600"/>
-              </a:spcAft>
-              <a:buClr>
-                <a:schemeClr val="tx1"/>
-              </a:buClr>
-              <a:buSzPct val="80000"/>
-              <a:buFont typeface="Wingdings 3" panose="05040102010807070707" pitchFamily="18" charset="2"/>
-              <a:buChar char=""/>
-            </a:pPr>
-            <a:r>
-              <a:rPr lang="en-US" sz="1200" b="0" i="0"/>
-              <a:t>Se B &lt; 1 sarà meno volatile rispetto al mercato.</a:t>
-            </a:r>
             <a:endParaRPr lang="en-US" sz="1200"/>
           </a:p>
         </p:txBody>
@@ -12602,35 +13846,6 @@
           </a:p>
         </p:txBody>
       </p:sp>
-      <p:pic>
-        <p:nvPicPr>
-          <p:cNvPr id="10" name="Immagine 9">
-            <a:extLst>
-              <a:ext uri="{FF2B5EF4-FFF2-40B4-BE49-F238E27FC236}">
-                <a16:creationId xmlns:a16="http://schemas.microsoft.com/office/drawing/2014/main" id="{AAC0EBB9-B4E7-4F43-B683-CFCC9C9B590E}"/>
-              </a:ext>
-            </a:extLst>
-          </p:cNvPr>
-          <p:cNvPicPr>
-            <a:picLocks noChangeAspect="1"/>
-          </p:cNvPicPr>
-          <p:nvPr/>
-        </p:nvPicPr>
-        <p:blipFill rotWithShape="1">
-          <a:blip r:embed="rId2"/>
-          <a:srcRect l="10528" r="27189"/>
-          <a:stretch/>
-        </p:blipFill>
-        <p:spPr>
-          <a:xfrm>
-            <a:off x="4651122" y="-10134"/>
-            <a:ext cx="7537703" cy="6868134"/>
-          </a:xfrm>
-          <a:prstGeom prst="rect">
-            <a:avLst/>
-          </a:prstGeom>
-        </p:spPr>
-      </p:pic>
       <p:sp>
         <p:nvSpPr>
           <p:cNvPr id="333" name="Snip Diagonal Corner Rectangle 6">
@@ -12725,7 +13940,7 @@
         </p:nvSpPr>
         <p:spPr>
           <a:xfrm>
-            <a:off x="7741733" y="1564104"/>
+            <a:off x="7919439" y="1145007"/>
             <a:ext cx="3165239" cy="1626239"/>
           </a:xfrm>
         </p:spPr>
@@ -12742,6 +13957,36 @@
           </a:p>
         </p:txBody>
       </p:sp>
+      <p:pic>
+        <p:nvPicPr>
+          <p:cNvPr id="4" name="Immagine 3">
+            <a:extLst>
+              <a:ext uri="{FF2B5EF4-FFF2-40B4-BE49-F238E27FC236}">
+                <a16:creationId xmlns:a16="http://schemas.microsoft.com/office/drawing/2014/main" id="{6939C669-DBDF-4D39-A220-D18897CF914D}"/>
+              </a:ext>
+            </a:extLst>
+          </p:cNvPr>
+          <p:cNvPicPr>
+            <a:picLocks noChangeAspect="1"/>
+          </p:cNvPicPr>
+          <p:nvPr/>
+        </p:nvPicPr>
+        <p:blipFill>
+          <a:blip r:embed="rId2"/>
+          <a:stretch>
+            <a:fillRect/>
+          </a:stretch>
+        </p:blipFill>
+        <p:spPr>
+          <a:xfrm>
+            <a:off x="4647948" y="2916533"/>
+            <a:ext cx="7540878" cy="3949933"/>
+          </a:xfrm>
+          <a:prstGeom prst="rect">
+            <a:avLst/>
+          </a:prstGeom>
+        </p:spPr>
+      </p:pic>
       <p:pic>
         <p:nvPicPr>
           <p:cNvPr id="8" name="Immagine 7">
@@ -13198,98 +14443,6 @@
   <p:clrMapOvr>
     <a:masterClrMapping/>
   </p:clrMapOvr>
-  <p:timing>
-    <p:tnLst>
-      <p:par>
-        <p:cTn id="1" dur="indefinite" restart="never" nodeType="tmRoot">
-          <p:childTnLst>
-            <p:seq concurrent="1" nextAc="seek">
-              <p:cTn id="2" dur="indefinite" nodeType="mainSeq">
-                <p:childTnLst>
-                  <p:par>
-                    <p:cTn id="3" fill="hold">
-                      <p:stCondLst>
-                        <p:cond delay="indefinite"/>
-                        <p:cond evt="onBegin" delay="0">
-                          <p:tn val="2"/>
-                        </p:cond>
-                      </p:stCondLst>
-                      <p:childTnLst>
-                        <p:par>
-                          <p:cTn id="4" fill="hold">
-                            <p:stCondLst>
-                              <p:cond delay="0"/>
-                            </p:stCondLst>
-                            <p:childTnLst>
-                              <p:par>
-                                <p:cTn id="5" presetID="10" presetClass="entr" presetSubtype="0" fill="hold" grpId="0" nodeType="withEffect">
-                                  <p:stCondLst>
-                                    <p:cond delay="1000"/>
-                                  </p:stCondLst>
-                                  <p:iterate type="lt">
-                                    <p:tmPct val="10000"/>
-                                  </p:iterate>
-                                  <p:childTnLst>
-                                    <p:set>
-                                      <p:cBhvr>
-                                        <p:cTn id="6" dur="1" fill="hold">
-                                          <p:stCondLst>
-                                            <p:cond delay="0"/>
-                                          </p:stCondLst>
-                                        </p:cTn>
-                                        <p:tgtEl>
-                                          <p:spTgt spid="2"/>
-                                        </p:tgtEl>
-                                        <p:attrNameLst>
-                                          <p:attrName>style.visibility</p:attrName>
-                                        </p:attrNameLst>
-                                      </p:cBhvr>
-                                      <p:to>
-                                        <p:strVal val="visible"/>
-                                      </p:to>
-                                    </p:set>
-                                    <p:animEffect transition="in" filter="fade">
-                                      <p:cBhvr>
-                                        <p:cTn id="7" dur="400"/>
-                                        <p:tgtEl>
-                                          <p:spTgt spid="2"/>
-                                        </p:tgtEl>
-                                      </p:cBhvr>
-                                    </p:animEffect>
-                                  </p:childTnLst>
-                                </p:cTn>
-                              </p:par>
-                            </p:childTnLst>
-                          </p:cTn>
-                        </p:par>
-                      </p:childTnLst>
-                    </p:cTn>
-                  </p:par>
-                </p:childTnLst>
-              </p:cTn>
-              <p:prevCondLst>
-                <p:cond evt="onPrev" delay="0">
-                  <p:tgtEl>
-                    <p:sldTgt/>
-                  </p:tgtEl>
-                </p:cond>
-              </p:prevCondLst>
-              <p:nextCondLst>
-                <p:cond evt="onNext" delay="0">
-                  <p:tgtEl>
-                    <p:sldTgt/>
-                  </p:tgtEl>
-                </p:cond>
-              </p:nextCondLst>
-            </p:seq>
-          </p:childTnLst>
-        </p:cTn>
-      </p:par>
-    </p:tnLst>
-    <p:bldLst>
-      <p:bldP spid="2" grpId="0"/>
-    </p:bldLst>
-  </p:timing>
 </p:sld>
 </file>
 
@@ -14080,6 +15233,69 @@
     <p:extLst>
       <p:ext uri="{BB962C8B-B14F-4D97-AF65-F5344CB8AC3E}">
         <p14:creationId xmlns:p14="http://schemas.microsoft.com/office/powerpoint/2010/main" val="142397007"/>
+      </p:ext>
+    </p:extLst>
+  </p:cSld>
+  <p:clrMapOvr>
+    <a:masterClrMapping/>
+  </p:clrMapOvr>
+</p:sld>
+</file>
+
+<file path=ppt/slides/slide13.xml><?xml version="1.0" encoding="utf-8"?>
+<p:sld xmlns:a="http://schemas.openxmlformats.org/drawingml/2006/main" xmlns:r="http://schemas.openxmlformats.org/officeDocument/2006/relationships" xmlns:p="http://schemas.openxmlformats.org/presentationml/2006/main">
+  <p:cSld>
+    <p:spTree>
+      <p:nvGrpSpPr>
+        <p:cNvPr id="1" name=""/>
+        <p:cNvGrpSpPr/>
+        <p:nvPr/>
+      </p:nvGrpSpPr>
+      <p:grpSpPr>
+        <a:xfrm>
+          <a:off x="0" y="0"/>
+          <a:ext cx="0" cy="0"/>
+          <a:chOff x="0" y="0"/>
+          <a:chExt cx="0" cy="0"/>
+        </a:xfrm>
+      </p:grpSpPr>
+      <p:sp>
+        <p:nvSpPr>
+          <p:cNvPr id="2" name="Titolo 1">
+            <a:extLst>
+              <a:ext uri="{FF2B5EF4-FFF2-40B4-BE49-F238E27FC236}">
+                <a16:creationId xmlns:a16="http://schemas.microsoft.com/office/drawing/2014/main" id="{54BEA346-E574-4019-9F63-AFE4E134DCA8}"/>
+              </a:ext>
+            </a:extLst>
+          </p:cNvPr>
+          <p:cNvSpPr>
+            <a:spLocks noGrp="1"/>
+          </p:cNvSpPr>
+          <p:nvPr>
+            <p:ph type="title"/>
+          </p:nvPr>
+        </p:nvSpPr>
+        <p:spPr>
+          <a:xfrm>
+            <a:off x="5586146" y="2675466"/>
+            <a:ext cx="1019707" cy="1507067"/>
+          </a:xfrm>
+        </p:spPr>
+        <p:txBody>
+          <a:bodyPr/>
+          <a:lstStyle/>
+          <a:p>
+            <a:r>
+              <a:rPr lang="it-IT"/>
+              <a:t>FIN</a:t>
+            </a:r>
+          </a:p>
+        </p:txBody>
+      </p:sp>
+    </p:spTree>
+    <p:extLst>
+      <p:ext uri="{BB962C8B-B14F-4D97-AF65-F5344CB8AC3E}">
+        <p14:creationId xmlns:p14="http://schemas.microsoft.com/office/powerpoint/2010/main" val="2180062596"/>
       </p:ext>
     </p:extLst>
   </p:cSld>
@@ -15049,21 +16265,21 @@
           <a:chExt cx="0" cy="0"/>
         </a:xfrm>
       </p:grpSpPr>
-      <p:cxnSp>
-        <p:nvCxnSpPr>
-          <p:cNvPr id="276" name="Straight Connector 141">
+      <p:grpSp>
+        <p:nvGrpSpPr>
+          <p:cNvPr id="328" name="Group 114">
             <a:extLst>
               <a:ext uri="{FF2B5EF4-FFF2-40B4-BE49-F238E27FC236}">
-                <a16:creationId xmlns:a16="http://schemas.microsoft.com/office/drawing/2014/main" id="{B396B4F7-21D4-453A-AEA2-A38758451ECC}"/>
+                <a16:creationId xmlns:a16="http://schemas.microsoft.com/office/drawing/2014/main" id="{DB0FF969-0E18-448F-A105-BED59508ABDD}"/>
               </a:ext>
               <a:ext uri="{C183D7F6-B498-43B3-948B-1728B52AA6E4}">
                 <adec:decorative xmlns:adec="http://schemas.microsoft.com/office/drawing/2017/decorative" val="1"/>
               </a:ext>
             </a:extLst>
           </p:cNvPr>
-          <p:cNvCxnSpPr>
-            <a:cxnSpLocks noGrp="1" noRot="1" noChangeAspect="1" noMove="1" noResize="1" noEditPoints="1" noAdjustHandles="1" noChangeArrowheads="1" noChangeShapeType="1"/>
-          </p:cNvCxnSpPr>
+          <p:cNvGrpSpPr>
+            <a:grpSpLocks noGrp="1" noUngrp="1" noRot="1" noChangeAspect="1" noMove="1" noResize="1"/>
+          </p:cNvGrpSpPr>
           <p:nvPr>
             <p:extLst>
               <p:ext uri="{386F3935-93C4-4BCD-93E2-E3B085C9AB24}">
@@ -15071,250 +16287,272 @@
               </p:ext>
             </p:extLst>
           </p:nvPr>
-        </p:nvCxnSpPr>
-        <p:spPr>
-          <a:xfrm flipH="1">
-            <a:off x="8228012" y="8467"/>
-            <a:ext cx="3810000" cy="3810000"/>
+        </p:nvGrpSpPr>
+        <p:grpSpPr>
+          <a:xfrm>
+            <a:off x="9206969" y="2963333"/>
+            <a:ext cx="2981858" cy="3208867"/>
+            <a:chOff x="9206969" y="2963333"/>
+            <a:chExt cx="2981858" cy="3208867"/>
           </a:xfrm>
-          <a:prstGeom prst="line">
-            <a:avLst/>
-          </a:prstGeom>
-          <a:ln w="12700">
-            <a:solidFill>
+        </p:grpSpPr>
+        <p:cxnSp>
+          <p:nvCxnSpPr>
+            <p:cNvPr id="116" name="Straight Connector 115">
+              <a:extLst>
+                <a:ext uri="{FF2B5EF4-FFF2-40B4-BE49-F238E27FC236}">
+                  <a16:creationId xmlns:a16="http://schemas.microsoft.com/office/drawing/2014/main" id="{2AA1715A-7CA4-4624-A725-FD40D8F6B142}"/>
+                </a:ext>
+                <a:ext uri="{C183D7F6-B498-43B3-948B-1728B52AA6E4}">
+                  <adec:decorative xmlns:adec="http://schemas.microsoft.com/office/drawing/2017/decorative" val="1"/>
+                </a:ext>
+              </a:extLst>
+            </p:cNvPr>
+            <p:cNvCxnSpPr/>
+            <p:nvPr>
+              <p:extLst>
+                <p:ext uri="{386F3935-93C4-4BCD-93E2-E3B085C9AB24}">
+                  <p16:designElem xmlns:p16="http://schemas.microsoft.com/office/powerpoint/2015/main" val="1"/>
+                </p:ext>
+              </p:extLst>
+            </p:nvPr>
+          </p:nvCxnSpPr>
+          <p:spPr>
+            <a:xfrm flipH="1">
+              <a:off x="11276012" y="2963333"/>
+              <a:ext cx="912814" cy="912812"/>
+            </a:xfrm>
+            <a:prstGeom prst="line">
+              <a:avLst/>
+            </a:prstGeom>
+            <a:ln w="9525">
+              <a:solidFill>
+                <a:schemeClr val="tx1"/>
+              </a:solidFill>
+            </a:ln>
+          </p:spPr>
+          <p:style>
+            <a:lnRef idx="2">
+              <a:schemeClr val="accent1"/>
+            </a:lnRef>
+            <a:fillRef idx="0">
+              <a:schemeClr val="accent1"/>
+            </a:fillRef>
+            <a:effectRef idx="1">
+              <a:schemeClr val="accent1"/>
+            </a:effectRef>
+            <a:fontRef idx="minor">
               <a:schemeClr val="tx1"/>
-            </a:solidFill>
-          </a:ln>
-        </p:spPr>
-        <p:style>
-          <a:lnRef idx="2">
-            <a:schemeClr val="accent1"/>
-          </a:lnRef>
-          <a:fillRef idx="0">
-            <a:schemeClr val="accent1"/>
-          </a:fillRef>
-          <a:effectRef idx="1">
-            <a:schemeClr val="accent1"/>
-          </a:effectRef>
-          <a:fontRef idx="minor">
-            <a:schemeClr val="tx1"/>
-          </a:fontRef>
-        </p:style>
-      </p:cxnSp>
-      <p:cxnSp>
-        <p:nvCxnSpPr>
-          <p:cNvPr id="277" name="Straight Connector 143">
+            </a:fontRef>
+          </p:style>
+        </p:cxnSp>
+        <p:cxnSp>
+          <p:nvCxnSpPr>
+            <p:cNvPr id="329" name="Straight Connector 116">
+              <a:extLst>
+                <a:ext uri="{FF2B5EF4-FFF2-40B4-BE49-F238E27FC236}">
+                  <a16:creationId xmlns:a16="http://schemas.microsoft.com/office/drawing/2014/main" id="{AA6EF7F0-E009-4BDA-98B4-3D4AB65817FF}"/>
+                </a:ext>
+                <a:ext uri="{C183D7F6-B498-43B3-948B-1728B52AA6E4}">
+                  <adec:decorative xmlns:adec="http://schemas.microsoft.com/office/drawing/2017/decorative" val="1"/>
+                </a:ext>
+              </a:extLst>
+            </p:cNvPr>
+            <p:cNvCxnSpPr/>
+            <p:nvPr>
+              <p:extLst>
+                <p:ext uri="{386F3935-93C4-4BCD-93E2-E3B085C9AB24}">
+                  <p16:designElem xmlns:p16="http://schemas.microsoft.com/office/powerpoint/2015/main" val="1"/>
+                </p:ext>
+              </p:extLst>
+            </p:nvPr>
+          </p:nvCxnSpPr>
+          <p:spPr>
+            <a:xfrm flipH="1">
+              <a:off x="9206969" y="3190344"/>
+              <a:ext cx="2981857" cy="2981856"/>
+            </a:xfrm>
+            <a:prstGeom prst="line">
+              <a:avLst/>
+            </a:prstGeom>
+            <a:ln w="9525">
+              <a:solidFill>
+                <a:schemeClr val="tx1"/>
+              </a:solidFill>
+            </a:ln>
+          </p:spPr>
+          <p:style>
+            <a:lnRef idx="2">
+              <a:schemeClr val="accent1"/>
+            </a:lnRef>
+            <a:fillRef idx="0">
+              <a:schemeClr val="accent1"/>
+            </a:fillRef>
+            <a:effectRef idx="1">
+              <a:schemeClr val="accent1"/>
+            </a:effectRef>
+            <a:fontRef idx="minor">
+              <a:schemeClr val="tx1"/>
+            </a:fontRef>
+          </p:style>
+        </p:cxnSp>
+        <p:cxnSp>
+          <p:nvCxnSpPr>
+            <p:cNvPr id="118" name="Straight Connector 117">
+              <a:extLst>
+                <a:ext uri="{FF2B5EF4-FFF2-40B4-BE49-F238E27FC236}">
+                  <a16:creationId xmlns:a16="http://schemas.microsoft.com/office/drawing/2014/main" id="{BE987270-72B2-47E4-B03D-8F006CEB2E21}"/>
+                </a:ext>
+                <a:ext uri="{C183D7F6-B498-43B3-948B-1728B52AA6E4}">
+                  <adec:decorative xmlns:adec="http://schemas.microsoft.com/office/drawing/2017/decorative" val="1"/>
+                </a:ext>
+              </a:extLst>
+            </p:cNvPr>
+            <p:cNvCxnSpPr/>
+            <p:nvPr>
+              <p:extLst>
+                <p:ext uri="{386F3935-93C4-4BCD-93E2-E3B085C9AB24}">
+                  <p16:designElem xmlns:p16="http://schemas.microsoft.com/office/powerpoint/2015/main" val="1"/>
+                </p:ext>
+              </p:extLst>
+            </p:nvPr>
+          </p:nvCxnSpPr>
+          <p:spPr>
+            <a:xfrm flipH="1">
+              <a:off x="10292292" y="3285067"/>
+              <a:ext cx="1896534" cy="1896533"/>
+            </a:xfrm>
+            <a:prstGeom prst="line">
+              <a:avLst/>
+            </a:prstGeom>
+            <a:ln w="9525">
+              <a:solidFill>
+                <a:schemeClr val="tx1"/>
+              </a:solidFill>
+            </a:ln>
+          </p:spPr>
+          <p:style>
+            <a:lnRef idx="2">
+              <a:schemeClr val="accent1"/>
+            </a:lnRef>
+            <a:fillRef idx="0">
+              <a:schemeClr val="accent1"/>
+            </a:fillRef>
+            <a:effectRef idx="1">
+              <a:schemeClr val="accent1"/>
+            </a:effectRef>
+            <a:fontRef idx="minor">
+              <a:schemeClr val="tx1"/>
+            </a:fontRef>
+          </p:style>
+        </p:cxnSp>
+        <p:cxnSp>
+          <p:nvCxnSpPr>
+            <p:cNvPr id="330" name="Straight Connector 118">
+              <a:extLst>
+                <a:ext uri="{FF2B5EF4-FFF2-40B4-BE49-F238E27FC236}">
+                  <a16:creationId xmlns:a16="http://schemas.microsoft.com/office/drawing/2014/main" id="{07499ED5-8D43-4AB6-8F82-8A957B345507}"/>
+                </a:ext>
+                <a:ext uri="{C183D7F6-B498-43B3-948B-1728B52AA6E4}">
+                  <adec:decorative xmlns:adec="http://schemas.microsoft.com/office/drawing/2017/decorative" val="1"/>
+                </a:ext>
+              </a:extLst>
+            </p:cNvPr>
+            <p:cNvCxnSpPr/>
+            <p:nvPr>
+              <p:extLst>
+                <p:ext uri="{386F3935-93C4-4BCD-93E2-E3B085C9AB24}">
+                  <p16:designElem xmlns:p16="http://schemas.microsoft.com/office/powerpoint/2015/main" val="1"/>
+                </p:ext>
+              </p:extLst>
+            </p:nvPr>
+          </p:nvCxnSpPr>
+          <p:spPr>
+            <a:xfrm flipH="1">
+              <a:off x="10443103" y="3131080"/>
+              <a:ext cx="1745722" cy="1745720"/>
+            </a:xfrm>
+            <a:prstGeom prst="line">
+              <a:avLst/>
+            </a:prstGeom>
+            <a:ln w="28575">
+              <a:solidFill>
+                <a:schemeClr val="tx1"/>
+              </a:solidFill>
+            </a:ln>
+          </p:spPr>
+          <p:style>
+            <a:lnRef idx="2">
+              <a:schemeClr val="accent1"/>
+            </a:lnRef>
+            <a:fillRef idx="0">
+              <a:schemeClr val="accent1"/>
+            </a:fillRef>
+            <a:effectRef idx="1">
+              <a:schemeClr val="accent1"/>
+            </a:effectRef>
+            <a:fontRef idx="minor">
+              <a:schemeClr val="tx1"/>
+            </a:fontRef>
+          </p:style>
+        </p:cxnSp>
+        <p:cxnSp>
+          <p:nvCxnSpPr>
+            <p:cNvPr id="120" name="Straight Connector 119">
+              <a:extLst>
+                <a:ext uri="{FF2B5EF4-FFF2-40B4-BE49-F238E27FC236}">
+                  <a16:creationId xmlns:a16="http://schemas.microsoft.com/office/drawing/2014/main" id="{1BD0D24F-8C68-4E0C-8D61-342D0B38211E}"/>
+                </a:ext>
+                <a:ext uri="{C183D7F6-B498-43B3-948B-1728B52AA6E4}">
+                  <adec:decorative xmlns:adec="http://schemas.microsoft.com/office/drawing/2017/decorative" val="1"/>
+                </a:ext>
+              </a:extLst>
+            </p:cNvPr>
+            <p:cNvCxnSpPr/>
+            <p:nvPr>
+              <p:extLst>
+                <p:ext uri="{386F3935-93C4-4BCD-93E2-E3B085C9AB24}">
+                  <p16:designElem xmlns:p16="http://schemas.microsoft.com/office/powerpoint/2015/main" val="1"/>
+                </p:ext>
+              </p:extLst>
+            </p:nvPr>
+          </p:nvCxnSpPr>
+          <p:spPr>
+            <a:xfrm flipH="1">
+              <a:off x="10918826" y="3683001"/>
+              <a:ext cx="1270001" cy="1269999"/>
+            </a:xfrm>
+            <a:prstGeom prst="line">
+              <a:avLst/>
+            </a:prstGeom>
+            <a:ln w="28575">
+              <a:solidFill>
+                <a:schemeClr val="tx1"/>
+              </a:solidFill>
+            </a:ln>
+          </p:spPr>
+          <p:style>
+            <a:lnRef idx="2">
+              <a:schemeClr val="accent1"/>
+            </a:lnRef>
+            <a:fillRef idx="0">
+              <a:schemeClr val="accent1"/>
+            </a:fillRef>
+            <a:effectRef idx="1">
+              <a:schemeClr val="accent1"/>
+            </a:effectRef>
+            <a:fontRef idx="minor">
+              <a:schemeClr val="tx1"/>
+            </a:fontRef>
+          </p:style>
+        </p:cxnSp>
+      </p:grpSp>
+      <p:sp useBgFill="1">
+        <p:nvSpPr>
+          <p:cNvPr id="331" name="Rectangle 121">
             <a:extLst>
               <a:ext uri="{FF2B5EF4-FFF2-40B4-BE49-F238E27FC236}">
-                <a16:creationId xmlns:a16="http://schemas.microsoft.com/office/drawing/2014/main" id="{3B237557-CEC4-473A-8B41-C4C11514E7A5}"/>
-              </a:ext>
-              <a:ext uri="{C183D7F6-B498-43B3-948B-1728B52AA6E4}">
-                <adec:decorative xmlns:adec="http://schemas.microsoft.com/office/drawing/2017/decorative" val="1"/>
-              </a:ext>
-            </a:extLst>
-          </p:cNvPr>
-          <p:cNvCxnSpPr>
-            <a:cxnSpLocks noGrp="1" noRot="1" noChangeAspect="1" noMove="1" noResize="1" noEditPoints="1" noAdjustHandles="1" noChangeArrowheads="1" noChangeShapeType="1"/>
-          </p:cNvCxnSpPr>
-          <p:nvPr>
-            <p:extLst>
-              <p:ext uri="{386F3935-93C4-4BCD-93E2-E3B085C9AB24}">
-                <p16:designElem xmlns:p16="http://schemas.microsoft.com/office/powerpoint/2015/main" val="1"/>
-              </p:ext>
-            </p:extLst>
-          </p:nvPr>
-        </p:nvCxnSpPr>
-        <p:spPr>
-          <a:xfrm flipH="1">
-            <a:off x="6108170" y="91545"/>
-            <a:ext cx="6080655" cy="6080655"/>
-          </a:xfrm>
-          <a:prstGeom prst="line">
-            <a:avLst/>
-          </a:prstGeom>
-          <a:ln w="12700">
-            <a:solidFill>
-              <a:schemeClr val="tx1"/>
-            </a:solidFill>
-          </a:ln>
-        </p:spPr>
-        <p:style>
-          <a:lnRef idx="2">
-            <a:schemeClr val="accent1"/>
-          </a:lnRef>
-          <a:fillRef idx="0">
-            <a:schemeClr val="accent1"/>
-          </a:fillRef>
-          <a:effectRef idx="1">
-            <a:schemeClr val="accent1"/>
-          </a:effectRef>
-          <a:fontRef idx="minor">
-            <a:schemeClr val="tx1"/>
-          </a:fontRef>
-        </p:style>
-      </p:cxnSp>
-      <p:cxnSp>
-        <p:nvCxnSpPr>
-          <p:cNvPr id="278" name="Straight Connector 145">
-            <a:extLst>
-              <a:ext uri="{FF2B5EF4-FFF2-40B4-BE49-F238E27FC236}">
-                <a16:creationId xmlns:a16="http://schemas.microsoft.com/office/drawing/2014/main" id="{505D8CD0-45FE-43C2-BE59-A467B5B2702C}"/>
-              </a:ext>
-              <a:ext uri="{C183D7F6-B498-43B3-948B-1728B52AA6E4}">
-                <adec:decorative xmlns:adec="http://schemas.microsoft.com/office/drawing/2017/decorative" val="1"/>
-              </a:ext>
-            </a:extLst>
-          </p:cNvPr>
-          <p:cNvCxnSpPr>
-            <a:cxnSpLocks noGrp="1" noRot="1" noChangeAspect="1" noMove="1" noResize="1" noEditPoints="1" noAdjustHandles="1" noChangeArrowheads="1" noChangeShapeType="1"/>
-          </p:cNvCxnSpPr>
-          <p:nvPr>
-            <p:extLst>
-              <p:ext uri="{386F3935-93C4-4BCD-93E2-E3B085C9AB24}">
-                <p16:designElem xmlns:p16="http://schemas.microsoft.com/office/powerpoint/2015/main" val="1"/>
-              </p:ext>
-            </p:extLst>
-          </p:nvPr>
-        </p:nvCxnSpPr>
-        <p:spPr>
-          <a:xfrm flipH="1">
-            <a:off x="7235825" y="228600"/>
-            <a:ext cx="4953000" cy="4953000"/>
-          </a:xfrm>
-          <a:prstGeom prst="line">
-            <a:avLst/>
-          </a:prstGeom>
-          <a:ln w="12700">
-            <a:solidFill>
-              <a:schemeClr val="tx1"/>
-            </a:solidFill>
-          </a:ln>
-        </p:spPr>
-        <p:style>
-          <a:lnRef idx="2">
-            <a:schemeClr val="accent1"/>
-          </a:lnRef>
-          <a:fillRef idx="0">
-            <a:schemeClr val="accent1"/>
-          </a:fillRef>
-          <a:effectRef idx="1">
-            <a:schemeClr val="accent1"/>
-          </a:effectRef>
-          <a:fontRef idx="minor">
-            <a:schemeClr val="tx1"/>
-          </a:fontRef>
-        </p:style>
-      </p:cxnSp>
-      <p:cxnSp>
-        <p:nvCxnSpPr>
-          <p:cNvPr id="279" name="Straight Connector 147">
-            <a:extLst>
-              <a:ext uri="{FF2B5EF4-FFF2-40B4-BE49-F238E27FC236}">
-                <a16:creationId xmlns:a16="http://schemas.microsoft.com/office/drawing/2014/main" id="{DC5D3365-035A-49EA-A6F8-F92EDB74E18A}"/>
-              </a:ext>
-              <a:ext uri="{C183D7F6-B498-43B3-948B-1728B52AA6E4}">
-                <adec:decorative xmlns:adec="http://schemas.microsoft.com/office/drawing/2017/decorative" val="1"/>
-              </a:ext>
-            </a:extLst>
-          </p:cNvPr>
-          <p:cNvCxnSpPr>
-            <a:cxnSpLocks noGrp="1" noRot="1" noChangeAspect="1" noMove="1" noResize="1" noEditPoints="1" noAdjustHandles="1" noChangeArrowheads="1" noChangeShapeType="1"/>
-          </p:cNvCxnSpPr>
-          <p:nvPr>
-            <p:extLst>
-              <p:ext uri="{386F3935-93C4-4BCD-93E2-E3B085C9AB24}">
-                <p16:designElem xmlns:p16="http://schemas.microsoft.com/office/powerpoint/2015/main" val="1"/>
-              </p:ext>
-            </p:extLst>
-          </p:nvPr>
-        </p:nvCxnSpPr>
-        <p:spPr>
-          <a:xfrm flipH="1">
-            <a:off x="7335837" y="32278"/>
-            <a:ext cx="4852989" cy="4852989"/>
-          </a:xfrm>
-          <a:prstGeom prst="line">
-            <a:avLst/>
-          </a:prstGeom>
-          <a:ln w="31750">
-            <a:solidFill>
-              <a:schemeClr val="tx1"/>
-            </a:solidFill>
-          </a:ln>
-        </p:spPr>
-        <p:style>
-          <a:lnRef idx="2">
-            <a:schemeClr val="accent1"/>
-          </a:lnRef>
-          <a:fillRef idx="0">
-            <a:schemeClr val="accent1"/>
-          </a:fillRef>
-          <a:effectRef idx="1">
-            <a:schemeClr val="accent1"/>
-          </a:effectRef>
-          <a:fontRef idx="minor">
-            <a:schemeClr val="tx1"/>
-          </a:fontRef>
-        </p:style>
-      </p:cxnSp>
-      <p:cxnSp>
-        <p:nvCxnSpPr>
-          <p:cNvPr id="280" name="Straight Connector 149">
-            <a:extLst>
-              <a:ext uri="{FF2B5EF4-FFF2-40B4-BE49-F238E27FC236}">
-                <a16:creationId xmlns:a16="http://schemas.microsoft.com/office/drawing/2014/main" id="{17564943-BEC8-4EA8-BF44-704D3E826904}"/>
-              </a:ext>
-              <a:ext uri="{C183D7F6-B498-43B3-948B-1728B52AA6E4}">
-                <adec:decorative xmlns:adec="http://schemas.microsoft.com/office/drawing/2017/decorative" val="1"/>
-              </a:ext>
-            </a:extLst>
-          </p:cNvPr>
-          <p:cNvCxnSpPr>
-            <a:cxnSpLocks noGrp="1" noRot="1" noChangeAspect="1" noMove="1" noResize="1" noEditPoints="1" noAdjustHandles="1" noChangeArrowheads="1" noChangeShapeType="1"/>
-          </p:cNvCxnSpPr>
-          <p:nvPr>
-            <p:extLst>
-              <p:ext uri="{386F3935-93C4-4BCD-93E2-E3B085C9AB24}">
-                <p16:designElem xmlns:p16="http://schemas.microsoft.com/office/powerpoint/2015/main" val="1"/>
-              </p:ext>
-            </p:extLst>
-          </p:nvPr>
-        </p:nvCxnSpPr>
-        <p:spPr>
-          <a:xfrm flipH="1">
-            <a:off x="7845426" y="609601"/>
-            <a:ext cx="4343399" cy="4343399"/>
-          </a:xfrm>
-          <a:prstGeom prst="line">
-            <a:avLst/>
-          </a:prstGeom>
-          <a:ln w="31750">
-            <a:solidFill>
-              <a:schemeClr val="tx1"/>
-            </a:solidFill>
-          </a:ln>
-        </p:spPr>
-        <p:style>
-          <a:lnRef idx="2">
-            <a:schemeClr val="accent1"/>
-          </a:lnRef>
-          <a:fillRef idx="0">
-            <a:schemeClr val="accent1"/>
-          </a:fillRef>
-          <a:effectRef idx="1">
-            <a:schemeClr val="accent1"/>
-          </a:effectRef>
-          <a:fontRef idx="minor">
-            <a:schemeClr val="tx1"/>
-          </a:fontRef>
-        </p:style>
-      </p:cxnSp>
-      <p:sp useBgFill="1">
-        <p:nvSpPr>
-          <p:cNvPr id="281" name="Rectangle 151">
-            <a:extLst>
-              <a:ext uri="{FF2B5EF4-FFF2-40B4-BE49-F238E27FC236}">
-                <a16:creationId xmlns:a16="http://schemas.microsoft.com/office/drawing/2014/main" id="{30A35A46-6A9C-469F-B927-BBDAC41FF47E}"/>
+                <a16:creationId xmlns:a16="http://schemas.microsoft.com/office/drawing/2014/main" id="{5B9D40AC-E6E4-47CD-8F0C-355E767A4F27}"/>
               </a:ext>
               <a:ext uri="{C183D7F6-B498-43B3-948B-1728B52AA6E4}">
                 <adec:decorative xmlns:adec="http://schemas.microsoft.com/office/drawing/2017/decorative" val="1"/>
@@ -15387,8 +16625,8 @@
         </p:nvSpPr>
         <p:spPr>
           <a:xfrm>
-            <a:off x="7244900" y="1250019"/>
-            <a:ext cx="3971902" cy="3028983"/>
+            <a:off x="7532710" y="620722"/>
+            <a:ext cx="3518748" cy="1142462"/>
           </a:xfrm>
         </p:spPr>
         <p:txBody>
@@ -15398,7 +16636,7 @@
           <a:lstStyle/>
           <a:p>
             <a:r>
-              <a:rPr lang="en-US" sz="4100"/>
+              <a:rPr lang="en-US" sz="2800"/>
               <a:t>DISTRIBUZIONE E DISPERSIONE</a:t>
             </a:r>
           </a:p>
@@ -15406,136 +16644,10 @@
       </p:sp>
       <p:sp>
         <p:nvSpPr>
-          <p:cNvPr id="293" name="Snip Single Corner Rectangle 26">
+          <p:cNvPr id="332" name="Snip Diagonal Corner Rectangle 24">
             <a:extLst>
               <a:ext uri="{FF2B5EF4-FFF2-40B4-BE49-F238E27FC236}">
-                <a16:creationId xmlns:a16="http://schemas.microsoft.com/office/drawing/2014/main" id="{D73B1942-7192-4F61-AE4E-758C52AEC0C7}"/>
-              </a:ext>
-              <a:ext uri="{C183D7F6-B498-43B3-948B-1728B52AA6E4}">
-                <adec:decorative xmlns:adec="http://schemas.microsoft.com/office/drawing/2017/decorative" val="1"/>
-              </a:ext>
-            </a:extLst>
-          </p:cNvPr>
-          <p:cNvSpPr>
-            <a:spLocks noGrp="1" noRot="1" noChangeAspect="1" noMove="1" noResize="1" noEditPoints="1" noAdjustHandles="1" noChangeArrowheads="1" noChangeShapeType="1" noTextEdit="1"/>
-          </p:cNvSpPr>
-          <p:nvPr>
-            <p:extLst>
-              <p:ext uri="{386F3935-93C4-4BCD-93E2-E3B085C9AB24}">
-                <p16:designElem xmlns:p16="http://schemas.microsoft.com/office/powerpoint/2015/main" val="1"/>
-              </p:ext>
-            </p:extLst>
-          </p:nvPr>
-        </p:nvSpPr>
-        <p:spPr>
-          <a:xfrm flipH="1">
-            <a:off x="828508" y="786117"/>
-            <a:ext cx="3013681" cy="2397590"/>
-          </a:xfrm>
-          <a:prstGeom prst="snip1Rect">
-            <a:avLst>
-              <a:gd name="adj" fmla="val 21472"/>
-            </a:avLst>
-          </a:prstGeom>
-          <a:solidFill>
-            <a:schemeClr val="tx1"/>
-          </a:solidFill>
-          <a:ln>
-            <a:noFill/>
-          </a:ln>
-          <a:effectLst>
-            <a:innerShdw blurRad="57150" dist="38100" dir="18600000">
-              <a:prstClr val="black">
-                <a:alpha val="70000"/>
-              </a:prstClr>
-            </a:innerShdw>
-          </a:effectLst>
-        </p:spPr>
-        <p:style>
-          <a:lnRef idx="2">
-            <a:schemeClr val="accent1">
-              <a:shade val="50000"/>
-            </a:schemeClr>
-          </a:lnRef>
-          <a:fillRef idx="1">
-            <a:schemeClr val="accent1"/>
-          </a:fillRef>
-          <a:effectRef idx="0">
-            <a:schemeClr val="accent1"/>
-          </a:effectRef>
-          <a:fontRef idx="minor">
-            <a:schemeClr val="lt1"/>
-          </a:fontRef>
-        </p:style>
-        <p:txBody>
-          <a:bodyPr rtlCol="0" anchor="ctr"/>
-          <a:lstStyle/>
-          <a:p>
-            <a:pPr algn="ctr"/>
-            <a:endParaRPr lang="en-US" dirty="0"/>
-          </a:p>
-        </p:txBody>
-      </p:sp>
-      <p:pic>
-        <p:nvPicPr>
-          <p:cNvPr id="36" name="Immagine 35">
-            <a:extLst>
-              <a:ext uri="{FF2B5EF4-FFF2-40B4-BE49-F238E27FC236}">
-                <a16:creationId xmlns:a16="http://schemas.microsoft.com/office/drawing/2014/main" id="{C8FCF4B9-F6D1-4F13-ACB4-55EF5F84B9A6}"/>
-              </a:ext>
-            </a:extLst>
-          </p:cNvPr>
-          <p:cNvPicPr>
-            <a:picLocks noChangeAspect="1"/>
-          </p:cNvPicPr>
-          <p:nvPr/>
-        </p:nvPicPr>
-        <p:blipFill>
-          <a:blip r:embed="rId2"/>
-          <a:stretch>
-            <a:fillRect/>
-          </a:stretch>
-        </p:blipFill>
-        <p:spPr>
-          <a:xfrm>
-            <a:off x="973293" y="1242447"/>
-            <a:ext cx="2686406" cy="1511103"/>
-          </a:xfrm>
-          <a:custGeom>
-            <a:avLst/>
-            <a:gdLst/>
-            <a:ahLst/>
-            <a:cxnLst/>
-            <a:rect l="l" t="t" r="r" b="b"/>
-            <a:pathLst>
-              <a:path w="2686406" h="2071946">
-                <a:moveTo>
-                  <a:pt x="456876" y="0"/>
-                </a:moveTo>
-                <a:lnTo>
-                  <a:pt x="2686406" y="0"/>
-                </a:lnTo>
-                <a:lnTo>
-                  <a:pt x="2686406" y="2071946"/>
-                </a:lnTo>
-                <a:lnTo>
-                  <a:pt x="0" y="2071946"/>
-                </a:lnTo>
-                <a:lnTo>
-                  <a:pt x="0" y="456876"/>
-                </a:lnTo>
-                <a:close/>
-              </a:path>
-            </a:pathLst>
-          </a:custGeom>
-        </p:spPr>
-      </p:pic>
-      <p:sp>
-        <p:nvSpPr>
-          <p:cNvPr id="294" name="Snip Single Corner Rectangle 29">
-            <a:extLst>
-              <a:ext uri="{FF2B5EF4-FFF2-40B4-BE49-F238E27FC236}">
-                <a16:creationId xmlns:a16="http://schemas.microsoft.com/office/drawing/2014/main" id="{058E5D54-C05D-412B-A108-5D005BAAD1C9}"/>
+                <a16:creationId xmlns:a16="http://schemas.microsoft.com/office/drawing/2014/main" id="{2DC01DFF-78BF-4E0A-A01A-0EEC0F566CF1}"/>
               </a:ext>
               <a:ext uri="{C183D7F6-B498-43B3-948B-1728B52AA6E4}">
                 <adec:decorative xmlns:adec="http://schemas.microsoft.com/office/drawing/2017/decorative" val="1"/>
@@ -15555,12 +16667,13 @@
         </p:nvSpPr>
         <p:spPr>
           <a:xfrm>
-            <a:off x="4003057" y="792751"/>
-            <a:ext cx="3013681" cy="2390956"/>
+            <a:off x="612990" y="620722"/>
+            <a:ext cx="6575496" cy="5286838"/>
           </a:xfrm>
-          <a:prstGeom prst="snip1Rect">
+          <a:prstGeom prst="snip2DiagRect">
             <a:avLst>
-              <a:gd name="adj" fmla="val 0"/>
+              <a:gd name="adj1" fmla="val 10787"/>
+              <a:gd name="adj2" fmla="val 0"/>
             </a:avLst>
           </a:prstGeom>
           <a:solidFill>
@@ -15602,40 +16715,12 @@
           </a:p>
         </p:txBody>
       </p:sp>
-      <p:pic>
-        <p:nvPicPr>
-          <p:cNvPr id="24" name="Immagine 23">
+      <p:sp>
+        <p:nvSpPr>
+          <p:cNvPr id="333" name="Snip Single Corner Rectangle 1">
             <a:extLst>
               <a:ext uri="{FF2B5EF4-FFF2-40B4-BE49-F238E27FC236}">
-                <a16:creationId xmlns:a16="http://schemas.microsoft.com/office/drawing/2014/main" id="{6DCC65C2-8848-4D65-BB29-1991C8AB90FD}"/>
-              </a:ext>
-            </a:extLst>
-          </p:cNvPr>
-          <p:cNvPicPr>
-            <a:picLocks noChangeAspect="1"/>
-          </p:cNvPicPr>
-          <p:nvPr/>
-        </p:nvPicPr>
-        <p:blipFill>
-          <a:blip r:embed="rId3"/>
-          <a:stretch/>
-        </p:blipFill>
-        <p:spPr>
-          <a:xfrm>
-            <a:off x="4466045" y="962026"/>
-            <a:ext cx="2073033" cy="2073033"/>
-          </a:xfrm>
-          <a:prstGeom prst="rect">
-            <a:avLst/>
-          </a:prstGeom>
-        </p:spPr>
-      </p:pic>
-      <p:sp>
-        <p:nvSpPr>
-          <p:cNvPr id="295" name="Snip Single Corner Rectangle 33">
-            <a:extLst>
-              <a:ext uri="{FF2B5EF4-FFF2-40B4-BE49-F238E27FC236}">
-                <a16:creationId xmlns:a16="http://schemas.microsoft.com/office/drawing/2014/main" id="{61A9885C-76F5-48A6-8E5E-B2FFCB906BB9}"/>
+                <a16:creationId xmlns:a16="http://schemas.microsoft.com/office/drawing/2014/main" id="{74499468-3FEE-41C7-A461-36330DFFB3DE}"/>
               </a:ext>
               <a:ext uri="{C183D7F6-B498-43B3-948B-1728B52AA6E4}">
                 <adec:decorative xmlns:adec="http://schemas.microsoft.com/office/drawing/2017/decorative" val="1"/>
@@ -15654,28 +16739,151 @@
           </p:nvPr>
         </p:nvSpPr>
         <p:spPr>
+          <a:xfrm flipH="1">
+            <a:off x="803679" y="786117"/>
+            <a:ext cx="3302666" cy="4956050"/>
+          </a:xfrm>
+          <a:prstGeom prst="snip1Rect">
+            <a:avLst>
+              <a:gd name="adj" fmla="val 15513"/>
+            </a:avLst>
+          </a:prstGeom>
+          <a:noFill/>
+          <a:ln w="12700">
+            <a:solidFill>
+              <a:schemeClr val="bg1">
+                <a:lumMod val="50000"/>
+                <a:lumOff val="50000"/>
+              </a:schemeClr>
+            </a:solidFill>
+          </a:ln>
+        </p:spPr>
+        <p:style>
+          <a:lnRef idx="2">
+            <a:schemeClr val="accent1">
+              <a:shade val="50000"/>
+            </a:schemeClr>
+          </a:lnRef>
+          <a:fillRef idx="1">
+            <a:schemeClr val="accent1"/>
+          </a:fillRef>
+          <a:effectRef idx="0">
+            <a:schemeClr val="accent1"/>
+          </a:effectRef>
+          <a:fontRef idx="minor">
+            <a:schemeClr val="lt1"/>
+          </a:fontRef>
+        </p:style>
+        <p:txBody>
+          <a:bodyPr rot="0" spcFirstLastPara="0" vertOverflow="overflow" horzOverflow="overflow" vert="horz" wrap="square" lIns="91440" tIns="45720" rIns="91440" bIns="45720" numCol="1" spcCol="0" rtlCol="0" fromWordArt="0" anchor="ctr" anchorCtr="0" forceAA="0" compatLnSpc="1">
+            <a:prstTxWarp prst="textNoShape">
+              <a:avLst/>
+            </a:prstTxWarp>
+            <a:noAutofit/>
+          </a:bodyPr>
+          <a:lstStyle/>
+          <a:p>
+            <a:pPr algn="ctr"/>
+            <a:endParaRPr lang="en-US"/>
+          </a:p>
+        </p:txBody>
+      </p:sp>
+      <p:pic>
+        <p:nvPicPr>
+          <p:cNvPr id="7" name="Immagine 6">
+            <a:extLst>
+              <a:ext uri="{FF2B5EF4-FFF2-40B4-BE49-F238E27FC236}">
+                <a16:creationId xmlns:a16="http://schemas.microsoft.com/office/drawing/2014/main" id="{FD1FA180-214C-41A5-AC69-FA7DD2D82383}"/>
+              </a:ext>
+            </a:extLst>
+          </p:cNvPr>
+          <p:cNvPicPr>
+            <a:picLocks noChangeAspect="1"/>
+          </p:cNvPicPr>
+          <p:nvPr/>
+        </p:nvPicPr>
+        <p:blipFill>
+          <a:blip r:embed="rId2"/>
+          <a:stretch>
+            <a:fillRect/>
+          </a:stretch>
+        </p:blipFill>
+        <p:spPr>
           <a:xfrm>
-            <a:off x="828509" y="3355734"/>
-            <a:ext cx="3013681" cy="2390957"/>
+            <a:off x="970212" y="950440"/>
+            <a:ext cx="2969600" cy="2902783"/>
+          </a:xfrm>
+          <a:custGeom>
+            <a:avLst/>
+            <a:gdLst/>
+            <a:ahLst/>
+            <a:cxnLst/>
+            <a:rect l="l" t="t" r="r" b="b"/>
+            <a:pathLst>
+              <a:path w="2969600" h="4616450">
+                <a:moveTo>
+                  <a:pt x="370323" y="0"/>
+                </a:moveTo>
+                <a:lnTo>
+                  <a:pt x="2969600" y="0"/>
+                </a:lnTo>
+                <a:lnTo>
+                  <a:pt x="2969600" y="4616450"/>
+                </a:lnTo>
+                <a:lnTo>
+                  <a:pt x="0" y="4616450"/>
+                </a:lnTo>
+                <a:lnTo>
+                  <a:pt x="0" y="370323"/>
+                </a:lnTo>
+                <a:close/>
+              </a:path>
+            </a:pathLst>
+          </a:custGeom>
+        </p:spPr>
+      </p:pic>
+      <p:sp>
+        <p:nvSpPr>
+          <p:cNvPr id="334" name="Snip Single Corner Rectangle 25">
+            <a:extLst>
+              <a:ext uri="{FF2B5EF4-FFF2-40B4-BE49-F238E27FC236}">
+                <a16:creationId xmlns:a16="http://schemas.microsoft.com/office/drawing/2014/main" id="{8DA9CEDB-782C-404A-862B-051E3B90966D}"/>
+              </a:ext>
+              <a:ext uri="{C183D7F6-B498-43B3-948B-1728B52AA6E4}">
+                <adec:decorative xmlns:adec="http://schemas.microsoft.com/office/drawing/2017/decorative" val="1"/>
+              </a:ext>
+            </a:extLst>
+          </p:cNvPr>
+          <p:cNvSpPr>
+            <a:spLocks noGrp="1" noRot="1" noChangeAspect="1" noMove="1" noResize="1" noEditPoints="1" noAdjustHandles="1" noChangeArrowheads="1" noChangeShapeType="1" noTextEdit="1"/>
+          </p:cNvSpPr>
+          <p:nvPr>
+            <p:extLst>
+              <p:ext uri="{386F3935-93C4-4BCD-93E2-E3B085C9AB24}">
+                <p16:designElem xmlns:p16="http://schemas.microsoft.com/office/powerpoint/2015/main" val="1"/>
+              </p:ext>
+            </p:extLst>
+          </p:nvPr>
+        </p:nvSpPr>
+        <p:spPr>
+          <a:xfrm flipV="1">
+            <a:off x="4257156" y="792751"/>
+            <a:ext cx="2759582" cy="2390956"/>
           </a:xfrm>
           <a:prstGeom prst="snip1Rect">
             <a:avLst>
               <a:gd name="adj" fmla="val 0"/>
             </a:avLst>
           </a:prstGeom>
-          <a:solidFill>
-            <a:schemeClr val="tx1"/>
-          </a:solidFill>
-          <a:ln>
-            <a:noFill/>
+          <a:noFill/>
+          <a:ln w="12700">
+            <a:solidFill>
+              <a:schemeClr val="bg1">
+                <a:lumMod val="50000"/>
+                <a:lumOff val="50000"/>
+              </a:schemeClr>
+            </a:solidFill>
           </a:ln>
-          <a:effectLst>
-            <a:innerShdw blurRad="57150" dist="38100" dir="14460000">
-              <a:prstClr val="black">
-                <a:alpha val="70000"/>
-              </a:prstClr>
-            </a:innerShdw>
-          </a:effectLst>
         </p:spPr>
         <p:style>
           <a:lnRef idx="2">
@@ -15704,10 +16912,10 @@
       </p:sp>
       <p:pic>
         <p:nvPicPr>
-          <p:cNvPr id="7" name="Immagine 6">
+          <p:cNvPr id="36" name="Immagine 35">
             <a:extLst>
               <a:ext uri="{FF2B5EF4-FFF2-40B4-BE49-F238E27FC236}">
-                <a16:creationId xmlns:a16="http://schemas.microsoft.com/office/drawing/2014/main" id="{FD1FA180-214C-41A5-AC69-FA7DD2D82383}"/>
+                <a16:creationId xmlns:a16="http://schemas.microsoft.com/office/drawing/2014/main" id="{C8FCF4B9-F6D1-4F13-ACB4-55EF5F84B9A6}"/>
               </a:ext>
             </a:extLst>
           </p:cNvPr>
@@ -15717,15 +16925,15 @@
           <p:nvPr/>
         </p:nvPicPr>
         <p:blipFill>
-          <a:blip r:embed="rId4"/>
+          <a:blip r:embed="rId3"/>
           <a:stretch>
             <a:fillRect/>
           </a:stretch>
         </p:blipFill>
         <p:spPr>
           <a:xfrm>
-            <a:off x="1256121" y="3525010"/>
-            <a:ext cx="2120749" cy="2073033"/>
+            <a:off x="4444442" y="1327758"/>
+            <a:ext cx="2385010" cy="1341568"/>
           </a:xfrm>
           <a:prstGeom prst="rect">
             <a:avLst/>
@@ -15734,10 +16942,10 @@
       </p:pic>
       <p:sp>
         <p:nvSpPr>
-          <p:cNvPr id="296" name="Snip Single Corner Rectangle 28">
+          <p:cNvPr id="335" name="Snip Single Corner Rectangle 19">
             <a:extLst>
               <a:ext uri="{FF2B5EF4-FFF2-40B4-BE49-F238E27FC236}">
-                <a16:creationId xmlns:a16="http://schemas.microsoft.com/office/drawing/2014/main" id="{81F4569F-AD3A-4FF8-8E0A-9408C10A0278}"/>
+                <a16:creationId xmlns:a16="http://schemas.microsoft.com/office/drawing/2014/main" id="{22007525-D42A-4BAE-BE38-94FBCD201665}"/>
               </a:ext>
               <a:ext uri="{C183D7F6-B498-43B3-948B-1728B52AA6E4}">
                 <adec:decorative xmlns:adec="http://schemas.microsoft.com/office/drawing/2017/decorative" val="1"/>
@@ -15757,27 +16965,23 @@
         </p:nvSpPr>
         <p:spPr>
           <a:xfrm flipV="1">
-            <a:off x="4003057" y="3352980"/>
-            <a:ext cx="3035918" cy="2389183"/>
+            <a:off x="4277591" y="3355734"/>
+            <a:ext cx="2761384" cy="2386431"/>
           </a:xfrm>
           <a:prstGeom prst="snip1Rect">
             <a:avLst>
-              <a:gd name="adj" fmla="val 21019"/>
+              <a:gd name="adj" fmla="val 21015"/>
             </a:avLst>
           </a:prstGeom>
-          <a:solidFill>
-            <a:schemeClr val="tx1"/>
-          </a:solidFill>
-          <a:ln>
-            <a:noFill/>
+          <a:noFill/>
+          <a:ln w="12700">
+            <a:solidFill>
+              <a:schemeClr val="bg1">
+                <a:lumMod val="50000"/>
+                <a:lumOff val="50000"/>
+              </a:schemeClr>
+            </a:solidFill>
           </a:ln>
-          <a:effectLst>
-            <a:innerShdw blurRad="57150" dist="38100" dir="6000000">
-              <a:prstClr val="black">
-                <a:alpha val="70000"/>
-              </a:prstClr>
-            </a:innerShdw>
-          </a:effectLst>
         </p:spPr>
         <p:style>
           <a:lnRef idx="2">
@@ -15796,20 +17000,25 @@
           </a:fontRef>
         </p:style>
         <p:txBody>
-          <a:bodyPr rtlCol="0" anchor="ctr"/>
+          <a:bodyPr rot="0" spcFirstLastPara="0" vertOverflow="overflow" horzOverflow="overflow" vert="horz" wrap="square" lIns="91440" tIns="45720" rIns="91440" bIns="45720" numCol="1" spcCol="0" rtlCol="0" fromWordArt="0" anchor="ctr" anchorCtr="0" forceAA="0" compatLnSpc="1">
+            <a:prstTxWarp prst="textNoShape">
+              <a:avLst/>
+            </a:prstTxWarp>
+            <a:noAutofit/>
+          </a:bodyPr>
           <a:lstStyle/>
           <a:p>
             <a:pPr algn="ctr"/>
-            <a:endParaRPr lang="en-US" dirty="0"/>
+            <a:endParaRPr lang="en-US"/>
           </a:p>
         </p:txBody>
       </p:sp>
       <p:pic>
         <p:nvPicPr>
-          <p:cNvPr id="8" name="Immagine 7">
+          <p:cNvPr id="26" name="Immagine 25">
             <a:extLst>
               <a:ext uri="{FF2B5EF4-FFF2-40B4-BE49-F238E27FC236}">
-                <a16:creationId xmlns:a16="http://schemas.microsoft.com/office/drawing/2014/main" id="{BB2E670A-4BCA-4FDB-A1CE-0B3137C0B87E}"/>
+                <a16:creationId xmlns:a16="http://schemas.microsoft.com/office/drawing/2014/main" id="{7B1707C6-8915-4128-820F-71DB4DCD0D5F}"/>
               </a:ext>
             </a:extLst>
           </p:cNvPr>
@@ -15819,15 +17028,15 @@
           <p:nvPr/>
         </p:nvPicPr>
         <p:blipFill>
-          <a:blip r:embed="rId5"/>
+          <a:blip r:embed="rId4"/>
           <a:stretch>
             <a:fillRect/>
           </a:stretch>
         </p:blipFill>
         <p:spPr>
           <a:xfrm>
-            <a:off x="4167704" y="3864149"/>
-            <a:ext cx="2706624" cy="1366845"/>
+            <a:off x="4461145" y="3892883"/>
+            <a:ext cx="2385010" cy="1317718"/>
           </a:xfrm>
           <a:custGeom>
             <a:avLst/>
@@ -15836,21 +17045,21 @@
             <a:cxnLst/>
             <a:rect l="l" t="t" r="r" b="b"/>
             <a:pathLst>
-              <a:path w="2706624" h="2073033">
+              <a:path w="2385010" h="2053465">
                 <a:moveTo>
                   <a:pt x="0" y="0"/>
                 </a:moveTo>
                 <a:lnTo>
-                  <a:pt x="2706624" y="0"/>
+                  <a:pt x="2385010" y="0"/>
                 </a:lnTo>
                 <a:lnTo>
-                  <a:pt x="2706624" y="1648617"/>
+                  <a:pt x="2385010" y="1578360"/>
                 </a:lnTo>
                 <a:lnTo>
-                  <a:pt x="2282208" y="2073033"/>
+                  <a:pt x="1909905" y="2053465"/>
                 </a:lnTo>
                 <a:lnTo>
-                  <a:pt x="0" y="2073033"/>
+                  <a:pt x="0" y="2053465"/>
                 </a:lnTo>
                 <a:close/>
               </a:path>
@@ -15858,12 +17067,113 @@
           </a:custGeom>
         </p:spPr>
       </p:pic>
+      <p:sp>
+        <p:nvSpPr>
+          <p:cNvPr id="9" name="CasellaDiTesto 8">
+            <a:extLst>
+              <a:ext uri="{FF2B5EF4-FFF2-40B4-BE49-F238E27FC236}">
+                <a16:creationId xmlns:a16="http://schemas.microsoft.com/office/drawing/2014/main" id="{3ADEDB6B-7185-4CE6-A24E-A9602EC06AF2}"/>
+              </a:ext>
+            </a:extLst>
+          </p:cNvPr>
+          <p:cNvSpPr txBox="1"/>
+          <p:nvPr/>
+        </p:nvSpPr>
+        <p:spPr>
+          <a:xfrm>
+            <a:off x="7532710" y="1822448"/>
+            <a:ext cx="3872576" cy="3663951"/>
+          </a:xfrm>
+          <a:prstGeom prst="rect">
+            <a:avLst/>
+          </a:prstGeom>
+        </p:spPr>
+        <p:txBody>
+          <a:bodyPr vert="horz" lIns="91440" tIns="45720" rIns="91440" bIns="45720" rtlCol="0" anchor="t">
+            <a:normAutofit/>
+          </a:bodyPr>
+          <a:lstStyle/>
+          <a:p>
+            <a:pPr>
+              <a:spcBef>
+                <a:spcPct val="20000"/>
+              </a:spcBef>
+              <a:spcAft>
+                <a:spcPts val="600"/>
+              </a:spcAft>
+              <a:buClr>
+                <a:schemeClr val="tx1"/>
+              </a:buClr>
+              <a:buSzPct val="80000"/>
+              <a:buFont typeface="Wingdings 3" panose="05040102010807070707" pitchFamily="18" charset="2"/>
+              <a:buChar char=""/>
+            </a:pPr>
+            <a:r>
+              <a:rPr lang="en-US" sz="1400"/>
+              <a:t>Più il grafico è disperso più è rischioso l’investimento (random returns) </a:t>
+            </a:r>
+            <a:r>
+              <a:rPr lang="en-US" sz="1400">
+                <a:sym typeface="Wingdings" panose="05000000000000000000" pitchFamily="2" charset="2"/>
+              </a:rPr>
+              <a:t> </a:t>
+            </a:r>
+            <a:r>
+              <a:rPr lang="en-US" sz="1400" b="1">
+                <a:sym typeface="Wingdings" panose="05000000000000000000" pitchFamily="2" charset="2"/>
+              </a:rPr>
+              <a:t>volatility</a:t>
+            </a:r>
+            <a:r>
+              <a:rPr lang="en-US" sz="1400"/>
+              <a:t>.</a:t>
+            </a:r>
+          </a:p>
+          <a:p>
+            <a:pPr>
+              <a:spcBef>
+                <a:spcPct val="20000"/>
+              </a:spcBef>
+              <a:spcAft>
+                <a:spcPts val="600"/>
+              </a:spcAft>
+              <a:buClr>
+                <a:schemeClr val="tx1"/>
+              </a:buClr>
+              <a:buSzPct val="80000"/>
+              <a:buFont typeface="Wingdings 3" panose="05040102010807070707" pitchFamily="18" charset="2"/>
+              <a:buChar char=""/>
+            </a:pPr>
+            <a:endParaRPr lang="en-US" sz="1400"/>
+          </a:p>
+          <a:p>
+            <a:pPr>
+              <a:spcBef>
+                <a:spcPct val="20000"/>
+              </a:spcBef>
+              <a:spcAft>
+                <a:spcPts val="600"/>
+              </a:spcAft>
+              <a:buClr>
+                <a:schemeClr val="tx1"/>
+              </a:buClr>
+              <a:buSzPct val="80000"/>
+              <a:buFont typeface="Wingdings 3" panose="05040102010807070707" pitchFamily="18" charset="2"/>
+              <a:buChar char=""/>
+            </a:pPr>
+            <a:r>
+              <a:rPr lang="en-US" sz="1400"/>
+              <a:t>La distribuzione descrive come si comportano i dati ogni giorno. Rendimenti distribuiti normalmente un investitore sa che il range dei possibili valori dei rendimenti sarà sotto la curva</a:t>
+            </a:r>
+          </a:p>
+        </p:txBody>
+      </p:sp>
       <p:grpSp>
         <p:nvGrpSpPr>
-          <p:cNvPr id="297" name="Group 161">
+          <p:cNvPr id="336" name="Group 131">
             <a:extLst>
               <a:ext uri="{FF2B5EF4-FFF2-40B4-BE49-F238E27FC236}">
-                <a16:creationId xmlns:a16="http://schemas.microsoft.com/office/drawing/2014/main" id="{B3563A1E-57F9-4ABA-87DD-5E8C11ED2FE6}"/>
+                <a16:creationId xmlns:a16="http://schemas.microsoft.com/office/drawing/2014/main" id="{3A7B32C2-712F-4724-8A7F-B99CAE4FABB1}"/>
               </a:ext>
               <a:ext uri="{C183D7F6-B498-43B3-948B-1728B52AA6E4}">
                 <adec:decorative xmlns:adec="http://schemas.microsoft.com/office/drawing/2017/decorative" val="1"/>
@@ -15891,10 +17201,10 @@
         </p:grpSpPr>
         <p:cxnSp>
           <p:nvCxnSpPr>
-            <p:cNvPr id="298" name="Straight Connector 162">
+            <p:cNvPr id="337" name="Straight Connector 132">
               <a:extLst>
                 <a:ext uri="{FF2B5EF4-FFF2-40B4-BE49-F238E27FC236}">
-                  <a16:creationId xmlns:a16="http://schemas.microsoft.com/office/drawing/2014/main" id="{0BE9729E-8DC3-4F9B-901A-55F544E066C7}"/>
+                  <a16:creationId xmlns:a16="http://schemas.microsoft.com/office/drawing/2014/main" id="{8C0EFA58-2073-4E8B-9752-6026313A481D}"/>
                 </a:ext>
                 <a:ext uri="{C183D7F6-B498-43B3-948B-1728B52AA6E4}">
                   <adec:decorative xmlns:adec="http://schemas.microsoft.com/office/drawing/2017/decorative" val="1"/>
@@ -15941,10 +17251,10 @@
         </p:cxnSp>
         <p:cxnSp>
           <p:nvCxnSpPr>
-            <p:cNvPr id="299" name="Straight Connector 163">
+            <p:cNvPr id="338" name="Straight Connector 133">
               <a:extLst>
                 <a:ext uri="{FF2B5EF4-FFF2-40B4-BE49-F238E27FC236}">
-                  <a16:creationId xmlns:a16="http://schemas.microsoft.com/office/drawing/2014/main" id="{4BAB49A8-9706-453C-B12B-39C29F4FC9DE}"/>
+                  <a16:creationId xmlns:a16="http://schemas.microsoft.com/office/drawing/2014/main" id="{9E00D18F-A891-4FD7-8577-E0BC159CD834}"/>
                 </a:ext>
                 <a:ext uri="{C183D7F6-B498-43B3-948B-1728B52AA6E4}">
                   <adec:decorative xmlns:adec="http://schemas.microsoft.com/office/drawing/2017/decorative" val="1"/>
@@ -15991,10 +17301,10 @@
         </p:cxnSp>
         <p:cxnSp>
           <p:nvCxnSpPr>
-            <p:cNvPr id="300" name="Straight Connector 164">
+            <p:cNvPr id="339" name="Straight Connector 134">
               <a:extLst>
                 <a:ext uri="{FF2B5EF4-FFF2-40B4-BE49-F238E27FC236}">
-                  <a16:creationId xmlns:a16="http://schemas.microsoft.com/office/drawing/2014/main" id="{368AE2FF-014B-4824-B29C-3A1AEB8FA583}"/>
+                  <a16:creationId xmlns:a16="http://schemas.microsoft.com/office/drawing/2014/main" id="{763C1ABB-87AE-4B86-BB0C-1D9B29AC4C91}"/>
                 </a:ext>
                 <a:ext uri="{C183D7F6-B498-43B3-948B-1728B52AA6E4}">
                   <adec:decorative xmlns:adec="http://schemas.microsoft.com/office/drawing/2017/decorative" val="1"/>
@@ -16041,10 +17351,10 @@
         </p:cxnSp>
         <p:cxnSp>
           <p:nvCxnSpPr>
-            <p:cNvPr id="301" name="Straight Connector 165">
+            <p:cNvPr id="136" name="Straight Connector 135">
               <a:extLst>
                 <a:ext uri="{FF2B5EF4-FFF2-40B4-BE49-F238E27FC236}">
-                  <a16:creationId xmlns:a16="http://schemas.microsoft.com/office/drawing/2014/main" id="{C9893EF8-B9B9-455B-A3EC-C70FBA29C8AB}"/>
+                  <a16:creationId xmlns:a16="http://schemas.microsoft.com/office/drawing/2014/main" id="{7B987826-9DFA-4989-8457-30BF51E52B71}"/>
                 </a:ext>
                 <a:ext uri="{C183D7F6-B498-43B3-948B-1728B52AA6E4}">
                   <adec:decorative xmlns:adec="http://schemas.microsoft.com/office/drawing/2017/decorative" val="1"/>
@@ -16091,10 +17401,10 @@
         </p:cxnSp>
         <p:cxnSp>
           <p:nvCxnSpPr>
-            <p:cNvPr id="302" name="Straight Connector 166">
+            <p:cNvPr id="340" name="Straight Connector 136">
               <a:extLst>
                 <a:ext uri="{FF2B5EF4-FFF2-40B4-BE49-F238E27FC236}">
-                  <a16:creationId xmlns:a16="http://schemas.microsoft.com/office/drawing/2014/main" id="{FFCA53A9-5CAC-4F7A-9243-012D280C8CFF}"/>
+                  <a16:creationId xmlns:a16="http://schemas.microsoft.com/office/drawing/2014/main" id="{21E7A75A-6B2A-4B5B-8D73-D135DF28865C}"/>
                 </a:ext>
                 <a:ext uri="{C183D7F6-B498-43B3-948B-1728B52AA6E4}">
                   <adec:decorative xmlns:adec="http://schemas.microsoft.com/office/drawing/2017/decorative" val="1"/>
@@ -16140,54 +17450,36 @@
           </p:style>
         </p:cxnSp>
       </p:grpSp>
-      <p:sp>
-        <p:nvSpPr>
-          <p:cNvPr id="9" name="CasellaDiTesto 8">
+      <p:pic>
+        <p:nvPicPr>
+          <p:cNvPr id="6" name="Immagine 5">
             <a:extLst>
               <a:ext uri="{FF2B5EF4-FFF2-40B4-BE49-F238E27FC236}">
-                <a16:creationId xmlns:a16="http://schemas.microsoft.com/office/drawing/2014/main" id="{3ADEDB6B-7185-4CE6-A24E-A9602EC06AF2}"/>
+                <a16:creationId xmlns:a16="http://schemas.microsoft.com/office/drawing/2014/main" id="{FABA1903-F400-4F3C-9647-ECD3738FF449}"/>
               </a:ext>
             </a:extLst>
           </p:cNvPr>
-          <p:cNvSpPr txBox="1"/>
+          <p:cNvPicPr>
+            <a:picLocks noChangeAspect="1"/>
+          </p:cNvPicPr>
           <p:nvPr/>
-        </p:nvSpPr>
+        </p:nvPicPr>
+        <p:blipFill>
+          <a:blip r:embed="rId5"/>
+          <a:stretch>
+            <a:fillRect/>
+          </a:stretch>
+        </p:blipFill>
         <p:spPr>
           <a:xfrm>
-            <a:off x="7285830" y="557248"/>
-            <a:ext cx="4852989" cy="2308324"/>
+            <a:off x="1040352" y="4281166"/>
+            <a:ext cx="2829320" cy="800212"/>
           </a:xfrm>
           <a:prstGeom prst="rect">
             <a:avLst/>
           </a:prstGeom>
-          <a:noFill/>
         </p:spPr>
-        <p:txBody>
-          <a:bodyPr wrap="square" rtlCol="0">
-            <a:spAutoFit/>
-          </a:bodyPr>
-          <a:lstStyle/>
-          <a:p>
-            <a:r>
-              <a:rPr lang="en-US"/>
-              <a:t>Più il grafico è disperso meno correlazione esiste.</a:t>
-            </a:r>
-          </a:p>
-          <a:p>
-            <a:endParaRPr lang="en-US"/>
-          </a:p>
-          <a:p>
-            <a:r>
-              <a:rPr lang="en-US"/>
-              <a:t>La distribuzione </a:t>
-            </a:r>
-            <a:r>
-              <a:rPr lang="it-IT"/>
-              <a:t>descrive come si comportano i dati ogni giorno. Rendimenti distribuiti normalmente un investitore sa che il range dei possibili valori dei rendimenti sarà sotto la curva</a:t>
-            </a:r>
-          </a:p>
-        </p:txBody>
-      </p:sp>
+      </p:pic>
     </p:spTree>
     <p:extLst>
       <p:ext uri="{BB962C8B-B14F-4D97-AF65-F5344CB8AC3E}">
@@ -16409,7 +17701,7 @@
           <a:p>
             <a:r>
               <a:rPr lang="it-IT"/>
-              <a:t>Un valore di kurtosi alto derivante dalla distribuzione dei ritorni implica che ci saranno dei ritorni “estremi” (sia positivi che negativi. </a:t>
+              <a:t>Un valore di kurtosi alto derivante dalla distribuzione dei ritorni implica che ci saranno dei ritorni “estremi” (sia positivi che negativi). </a:t>
             </a:r>
             <a:r>
               <a:rPr lang="it-IT" b="1"/>
@@ -16985,6 +18277,26 @@
             <a:r>
               <a:rPr lang="en-US"/>
               <a:t>Il rischio e la volatilità può essere ridotto in un portafoglio scegliendo degli asset con valore di covarianza negativa o basso.</a:t>
+            </a:r>
+          </a:p>
+          <a:p>
+            <a:pPr>
+              <a:spcBef>
+                <a:spcPct val="20000"/>
+              </a:spcBef>
+              <a:spcAft>
+                <a:spcPts val="600"/>
+              </a:spcAft>
+              <a:buClr>
+                <a:schemeClr val="tx1"/>
+              </a:buClr>
+              <a:buSzPct val="80000"/>
+              <a:buFont typeface="Wingdings 3" panose="05040102010807070707" pitchFamily="18" charset="2"/>
+              <a:buChar char=""/>
+            </a:pPr>
+            <a:r>
+              <a:rPr lang="en-US"/>
+              <a:t>Correlazione vs Covarianza</a:t>
             </a:r>
           </a:p>
         </p:txBody>
@@ -17725,14 +19037,57 @@
           </a:bodyPr>
           <a:lstStyle/>
           <a:p>
-            <a:r>
+            <a:br>
               <a:rPr lang="en-US" sz="4800">
                 <a:solidFill>
                   <a:srgbClr val="FB3D1B"/>
                 </a:solidFill>
               </a:rPr>
+            </a:br>
+            <a:br>
+              <a:rPr lang="en-US" sz="4800">
+                <a:solidFill>
+                  <a:srgbClr val="FB3D1B"/>
+                </a:solidFill>
+              </a:rPr>
+            </a:br>
+            <a:r>
+              <a:rPr lang="en-US" sz="4800">
+                <a:solidFill>
+                  <a:srgbClr val="FFC000"/>
+                </a:solidFill>
+              </a:rPr>
               <a:t>ANALISI DI PREVISIONE (LSTM)</a:t>
             </a:r>
+            <a:br>
+              <a:rPr lang="en-US" sz="4800">
+                <a:solidFill>
+                  <a:srgbClr val="FB3D1B"/>
+                </a:solidFill>
+              </a:rPr>
+            </a:br>
+            <a:r>
+              <a:rPr lang="en-US" sz="2400">
+                <a:solidFill>
+                  <a:schemeClr val="bg1"/>
+                </a:solidFill>
+              </a:rPr>
+              <a:t>rete neurale </a:t>
+            </a:r>
+            <a:r>
+              <a:rPr lang="en-US" sz="2400">
+                <a:solidFill>
+                  <a:schemeClr val="bg1"/>
+                </a:solidFill>
+                <a:sym typeface="Wingdings" panose="05000000000000000000" pitchFamily="2" charset="2"/>
+              </a:rPr>
+              <a:t> machine learning</a:t>
+            </a:r>
+            <a:endParaRPr lang="en-US" sz="4800">
+              <a:solidFill>
+                <a:schemeClr val="bg1"/>
+              </a:solidFill>
+            </a:endParaRPr>
           </a:p>
         </p:txBody>
       </p:sp>
@@ -17782,7 +19137,12 @@
             <p:ph type="title"/>
           </p:nvPr>
         </p:nvSpPr>
-        <p:spPr/>
+        <p:spPr>
+          <a:xfrm>
+            <a:off x="625489" y="5225563"/>
+            <a:ext cx="8534400" cy="1507067"/>
+          </a:xfrm>
+        </p:spPr>
         <p:txBody>
           <a:bodyPr/>
           <a:lstStyle/>
@@ -17854,6 +19214,46 @@
           </a:prstGeom>
         </p:spPr>
       </p:pic>
+      <p:sp>
+        <p:nvSpPr>
+          <p:cNvPr id="5" name="Segnaposto testo 3">
+            <a:extLst>
+              <a:ext uri="{FF2B5EF4-FFF2-40B4-BE49-F238E27FC236}">
+                <a16:creationId xmlns:a16="http://schemas.microsoft.com/office/drawing/2014/main" id="{81AE691B-F2CE-467C-B968-637F6BB5FC0B}"/>
+              </a:ext>
+            </a:extLst>
+          </p:cNvPr>
+          <p:cNvSpPr>
+            <a:spLocks noGrp="1"/>
+          </p:cNvSpPr>
+          <p:nvPr>
+            <p:ph type="body" sz="quarter" idx="14"/>
+          </p:nvPr>
+        </p:nvSpPr>
+        <p:spPr>
+          <a:xfrm>
+            <a:off x="949918" y="4996963"/>
+            <a:ext cx="8304210" cy="457200"/>
+          </a:xfrm>
+        </p:spPr>
+        <p:txBody>
+          <a:bodyPr/>
+          <a:lstStyle/>
+          <a:p>
+            <a:r>
+              <a:rPr lang="it-IT"/>
+              <a:t>MACD (Moving Average Convergence Divergence) </a:t>
+            </a:r>
+            <a:r>
+              <a:rPr lang="it-IT">
+                <a:sym typeface="Wingdings" panose="05000000000000000000" pitchFamily="2" charset="2"/>
+              </a:rPr>
+              <a:t> signal line</a:t>
+            </a:r>
+            <a:endParaRPr lang="it-IT"/>
+          </a:p>
+        </p:txBody>
+      </p:sp>
     </p:spTree>
     <p:extLst>
       <p:ext uri="{BB962C8B-B14F-4D97-AF65-F5344CB8AC3E}">
